--- a/sjtu/program-design/EP8-homework/solution.pptx
+++ b/sjtu/program-design/EP8-homework/solution.pptx
@@ -5,28 +5,29 @@
     <p:sldMasterId id="2147483648" r:id="rId1"/>
   </p:sldMasterIdLst>
   <p:notesMasterIdLst>
-    <p:notesMasterId r:id="rId21"/>
+    <p:notesMasterId r:id="rId22"/>
   </p:notesMasterIdLst>
   <p:sldIdLst>
     <p:sldId id="261" r:id="rId2"/>
-    <p:sldId id="303" r:id="rId3"/>
-    <p:sldId id="304" r:id="rId4"/>
-    <p:sldId id="305" r:id="rId5"/>
-    <p:sldId id="306" r:id="rId6"/>
-    <p:sldId id="307" r:id="rId7"/>
-    <p:sldId id="308" r:id="rId8"/>
-    <p:sldId id="310" r:id="rId9"/>
-    <p:sldId id="311" r:id="rId10"/>
-    <p:sldId id="312" r:id="rId11"/>
-    <p:sldId id="315" r:id="rId12"/>
-    <p:sldId id="314" r:id="rId13"/>
-    <p:sldId id="316" r:id="rId14"/>
-    <p:sldId id="317" r:id="rId15"/>
-    <p:sldId id="318" r:id="rId16"/>
-    <p:sldId id="319" r:id="rId17"/>
-    <p:sldId id="320" r:id="rId18"/>
-    <p:sldId id="321" r:id="rId19"/>
-    <p:sldId id="322" r:id="rId20"/>
+    <p:sldId id="323" r:id="rId3"/>
+    <p:sldId id="303" r:id="rId4"/>
+    <p:sldId id="304" r:id="rId5"/>
+    <p:sldId id="305" r:id="rId6"/>
+    <p:sldId id="306" r:id="rId7"/>
+    <p:sldId id="307" r:id="rId8"/>
+    <p:sldId id="308" r:id="rId9"/>
+    <p:sldId id="310" r:id="rId10"/>
+    <p:sldId id="311" r:id="rId11"/>
+    <p:sldId id="312" r:id="rId12"/>
+    <p:sldId id="315" r:id="rId13"/>
+    <p:sldId id="314" r:id="rId14"/>
+    <p:sldId id="316" r:id="rId15"/>
+    <p:sldId id="317" r:id="rId16"/>
+    <p:sldId id="318" r:id="rId17"/>
+    <p:sldId id="319" r:id="rId18"/>
+    <p:sldId id="320" r:id="rId19"/>
+    <p:sldId id="321" r:id="rId20"/>
+    <p:sldId id="322" r:id="rId21"/>
   </p:sldIdLst>
   <p:sldSz cx="12192000" cy="6858000"/>
   <p:notesSz cx="6858000" cy="9144000"/>
@@ -774,6 +775,86 @@
 </file>
 
 <file path=ppt/charts/chartEx17.xml><?xml version="1.0" encoding="utf-8"?>
+<cx:chartSpace xmlns:a="http://schemas.openxmlformats.org/drawingml/2006/main" xmlns:r="http://schemas.openxmlformats.org/officeDocument/2006/relationships" xmlns:cx="http://schemas.microsoft.com/office/drawing/2014/chartex">
+  <cx:chartData>
+    <cx:externalData r:id="rId1" cx:autoUpdate="0"/>
+    <cx:data id="0">
+      <cx:numDim type="val">
+        <cx:f>Sheet1!$A$2:$A$69</cx:f>
+        <cx:lvl ptCount="68" formatCode="G/通用格式">
+          <cx:pt idx="0">1</cx:pt>
+          <cx:pt idx="1">3</cx:pt>
+          <cx:pt idx="2">4</cx:pt>
+          <cx:pt idx="3">4</cx:pt>
+          <cx:pt idx="4">5</cx:pt>
+          <cx:pt idx="5">5</cx:pt>
+          <cx:pt idx="6">5</cx:pt>
+          <cx:pt idx="7">6</cx:pt>
+          <cx:pt idx="8">6</cx:pt>
+          <cx:pt idx="9">6</cx:pt>
+          <cx:pt idx="10">7</cx:pt>
+          <cx:pt idx="11">7</cx:pt>
+          <cx:pt idx="12">8</cx:pt>
+          <cx:pt idx="13">8</cx:pt>
+          <cx:pt idx="14">9</cx:pt>
+        </cx:lvl>
+      </cx:numDim>
+    </cx:data>
+  </cx:chartData>
+  <cx:chart>
+    <cx:title pos="t" align="ctr" overlay="0">
+      <cx:txPr>
+        <a:bodyPr spcFirstLastPara="1" vertOverflow="ellipsis" horzOverflow="overflow" wrap="square" lIns="0" tIns="0" rIns="0" bIns="0" anchor="ctr" anchorCtr="1"/>
+        <a:lstStyle/>
+        <a:p>
+          <a:pPr algn="ctr" rtl="0">
+            <a:defRPr/>
+          </a:pPr>
+          <a:endParaRPr lang="zh-CN" altLang="en-US" sz="1862" b="0" i="0" u="none" strike="noStrike" baseline="0" dirty="0">
+            <a:solidFill>
+              <a:prstClr val="black">
+                <a:lumMod val="65000"/>
+                <a:lumOff val="35000"/>
+              </a:prstClr>
+            </a:solidFill>
+            <a:latin typeface="等线" panose="020F0502020204030204"/>
+            <a:ea typeface="等线" panose="02010600030101010101" pitchFamily="2" charset="-122"/>
+          </a:endParaRPr>
+        </a:p>
+      </cx:txPr>
+    </cx:title>
+    <cx:plotArea>
+      <cx:plotAreaRegion>
+        <cx:series layoutId="clusteredColumn" uniqueId="{1D53A492-B313-4F0D-B8A8-F3456F41CFC4}">
+          <cx:tx>
+            <cx:txData>
+              <cx:f>Sheet1!$A$1</cx:f>
+              <cx:v>系列 1</cx:v>
+            </cx:txData>
+          </cx:tx>
+          <cx:dataId val="0"/>
+          <cx:layoutPr>
+            <cx:binning intervalClosed="r">
+              <cx:binSize val="1"/>
+            </cx:binning>
+          </cx:layoutPr>
+        </cx:series>
+      </cx:plotAreaRegion>
+      <cx:axis id="0" hidden="1">
+        <cx:catScaling gapWidth="0"/>
+        <cx:tickLabels/>
+      </cx:axis>
+      <cx:axis id="1">
+        <cx:valScaling/>
+        <cx:majorGridlines/>
+        <cx:tickLabels/>
+      </cx:axis>
+    </cx:plotArea>
+  </cx:chart>
+</cx:chartSpace>
+</file>
+
+<file path=ppt/charts/chartEx18.xml><?xml version="1.0" encoding="utf-8"?>
 <cx:chartSpace xmlns:a="http://schemas.openxmlformats.org/drawingml/2006/main" xmlns:r="http://schemas.openxmlformats.org/officeDocument/2006/relationships" xmlns:cx="http://schemas.microsoft.com/office/drawing/2014/chartex">
   <cx:chartData>
     <cx:externalData r:id="rId1" cx:autoUpdate="0"/>
@@ -1853,6 +1934,46 @@
 </cs:colorStyle>
 </file>
 
+<file path=ppt/charts/colors18.xml><?xml version="1.0" encoding="utf-8"?>
+<cs:colorStyle xmlns:cs="http://schemas.microsoft.com/office/drawing/2012/chartStyle" xmlns:a="http://schemas.openxmlformats.org/drawingml/2006/main" meth="cycle" id="10">
+  <a:schemeClr val="accent1"/>
+  <a:schemeClr val="accent2"/>
+  <a:schemeClr val="accent3"/>
+  <a:schemeClr val="accent4"/>
+  <a:schemeClr val="accent5"/>
+  <a:schemeClr val="accent6"/>
+  <cs:variation/>
+  <cs:variation>
+    <a:lumMod val="60000"/>
+  </cs:variation>
+  <cs:variation>
+    <a:lumMod val="80000"/>
+    <a:lumOff val="20000"/>
+  </cs:variation>
+  <cs:variation>
+    <a:lumMod val="80000"/>
+  </cs:variation>
+  <cs:variation>
+    <a:lumMod val="60000"/>
+    <a:lumOff val="40000"/>
+  </cs:variation>
+  <cs:variation>
+    <a:lumMod val="50000"/>
+  </cs:variation>
+  <cs:variation>
+    <a:lumMod val="70000"/>
+    <a:lumOff val="30000"/>
+  </cs:variation>
+  <cs:variation>
+    <a:lumMod val="70000"/>
+  </cs:variation>
+  <cs:variation>
+    <a:lumMod val="50000"/>
+    <a:lumOff val="50000"/>
+  </cs:variation>
+</cs:colorStyle>
+</file>
+
 <file path=ppt/charts/colors2.xml><?xml version="1.0" encoding="utf-8"?>
 <cs:colorStyle xmlns:cs="http://schemas.microsoft.com/office/drawing/2012/chartStyle" xmlns:a="http://schemas.openxmlformats.org/drawingml/2006/main" meth="cycle" id="10">
   <a:schemeClr val="accent1"/>
@@ -6745,6 +6866,514 @@
 </cs:chartStyle>
 </file>
 
+<file path=ppt/charts/style18.xml><?xml version="1.0" encoding="utf-8"?>
+<cs:chartStyle xmlns:cs="http://schemas.microsoft.com/office/drawing/2012/chartStyle" xmlns:a="http://schemas.openxmlformats.org/drawingml/2006/main" id="366">
+  <cs:axisTitle>
+    <cs:lnRef idx="0"/>
+    <cs:fillRef idx="0"/>
+    <cs:effectRef idx="0"/>
+    <cs:fontRef idx="minor">
+      <a:schemeClr val="tx1">
+        <a:lumMod val="65000"/>
+        <a:lumOff val="35000"/>
+      </a:schemeClr>
+    </cs:fontRef>
+    <cs:defRPr sz="1197"/>
+  </cs:axisTitle>
+  <cs:categoryAxis>
+    <cs:lnRef idx="0"/>
+    <cs:fillRef idx="0"/>
+    <cs:effectRef idx="0"/>
+    <cs:fontRef idx="minor">
+      <a:schemeClr val="tx1">
+        <a:lumMod val="65000"/>
+        <a:lumOff val="35000"/>
+      </a:schemeClr>
+    </cs:fontRef>
+    <cs:spPr>
+      <a:ln w="9525" cap="flat" cmpd="sng" algn="ctr">
+        <a:solidFill>
+          <a:schemeClr val="tx1">
+            <a:lumMod val="15000"/>
+            <a:lumOff val="85000"/>
+          </a:schemeClr>
+        </a:solidFill>
+        <a:round/>
+      </a:ln>
+    </cs:spPr>
+    <cs:defRPr sz="1197"/>
+  </cs:categoryAxis>
+  <cs:chartArea mods="allowNoFillOverride allowNoLineOverride">
+    <cs:lnRef idx="0"/>
+    <cs:fillRef idx="0"/>
+    <cs:effectRef idx="0"/>
+    <cs:fontRef idx="minor">
+      <a:schemeClr val="tx1"/>
+    </cs:fontRef>
+    <cs:spPr>
+      <a:solidFill>
+        <a:schemeClr val="bg1"/>
+      </a:solidFill>
+      <a:ln w="9525" cap="flat" cmpd="sng" algn="ctr">
+        <a:solidFill>
+          <a:schemeClr val="tx1">
+            <a:lumMod val="15000"/>
+            <a:lumOff val="85000"/>
+          </a:schemeClr>
+        </a:solidFill>
+        <a:round/>
+      </a:ln>
+    </cs:spPr>
+    <cs:defRPr sz="1330"/>
+  </cs:chartArea>
+  <cs:dataLabel>
+    <cs:lnRef idx="0"/>
+    <cs:fillRef idx="0"/>
+    <cs:effectRef idx="0"/>
+    <cs:fontRef idx="minor">
+      <a:schemeClr val="tx1">
+        <a:lumMod val="65000"/>
+        <a:lumOff val="35000"/>
+      </a:schemeClr>
+    </cs:fontRef>
+    <cs:defRPr sz="1197"/>
+  </cs:dataLabel>
+  <cs:dataLabelCallout>
+    <cs:lnRef idx="0"/>
+    <cs:fillRef idx="0"/>
+    <cs:effectRef idx="0"/>
+    <cs:fontRef idx="minor">
+      <a:schemeClr val="dk1">
+        <a:lumMod val="65000"/>
+        <a:lumOff val="35000"/>
+      </a:schemeClr>
+    </cs:fontRef>
+    <cs:spPr>
+      <a:solidFill>
+        <a:schemeClr val="lt1"/>
+      </a:solidFill>
+      <a:ln>
+        <a:solidFill>
+          <a:schemeClr val="dk1">
+            <a:lumMod val="25000"/>
+            <a:lumOff val="75000"/>
+          </a:schemeClr>
+        </a:solidFill>
+      </a:ln>
+    </cs:spPr>
+    <cs:defRPr sz="1197"/>
+    <cs:bodyPr rot="0" spcFirstLastPara="1" vertOverflow="clip" horzOverflow="clip" vert="horz" wrap="square" lIns="36576" tIns="18288" rIns="36576" bIns="18288" anchor="ctr" anchorCtr="1">
+      <a:spAutoFit/>
+    </cs:bodyPr>
+  </cs:dataLabelCallout>
+  <cs:dataPoint>
+    <cs:lnRef idx="0"/>
+    <cs:fillRef idx="0">
+      <cs:styleClr val="auto"/>
+    </cs:fillRef>
+    <cs:effectRef idx="0"/>
+    <cs:fontRef idx="minor">
+      <a:schemeClr val="tx1"/>
+    </cs:fontRef>
+    <cs:spPr>
+      <a:solidFill>
+        <a:schemeClr val="phClr"/>
+      </a:solidFill>
+    </cs:spPr>
+  </cs:dataPoint>
+  <cs:dataPoint3D>
+    <cs:lnRef idx="0"/>
+    <cs:fillRef idx="0">
+      <cs:styleClr val="auto"/>
+    </cs:fillRef>
+    <cs:effectRef idx="0"/>
+    <cs:fontRef idx="minor">
+      <a:schemeClr val="tx1"/>
+    </cs:fontRef>
+    <cs:spPr>
+      <a:solidFill>
+        <a:schemeClr val="phClr"/>
+      </a:solidFill>
+    </cs:spPr>
+  </cs:dataPoint3D>
+  <cs:dataPointLine>
+    <cs:lnRef idx="0">
+      <cs:styleClr val="auto"/>
+    </cs:lnRef>
+    <cs:fillRef idx="0"/>
+    <cs:effectRef idx="0"/>
+    <cs:fontRef idx="minor">
+      <a:schemeClr val="tx1"/>
+    </cs:fontRef>
+    <cs:spPr>
+      <a:ln w="28575" cap="rnd">
+        <a:solidFill>
+          <a:schemeClr val="phClr"/>
+        </a:solidFill>
+        <a:round/>
+      </a:ln>
+    </cs:spPr>
+  </cs:dataPointLine>
+  <cs:dataPointMarker>
+    <cs:lnRef idx="0"/>
+    <cs:fillRef idx="0">
+      <cs:styleClr val="auto"/>
+    </cs:fillRef>
+    <cs:effectRef idx="0"/>
+    <cs:fontRef idx="minor">
+      <a:schemeClr val="tx1"/>
+    </cs:fontRef>
+    <cs:spPr>
+      <a:solidFill>
+        <a:schemeClr val="phClr"/>
+      </a:solidFill>
+      <a:ln w="9525">
+        <a:solidFill>
+          <a:schemeClr val="lt1"/>
+        </a:solidFill>
+      </a:ln>
+    </cs:spPr>
+  </cs:dataPointMarker>
+  <cs:dataPointMarkerLayout symbol="circle" size="5"/>
+  <cs:dataPointWireframe>
+    <cs:lnRef idx="0">
+      <cs:styleClr val="auto"/>
+    </cs:lnRef>
+    <cs:fillRef idx="0"/>
+    <cs:effectRef idx="0"/>
+    <cs:fontRef idx="minor">
+      <a:schemeClr val="tx1"/>
+    </cs:fontRef>
+    <cs:spPr>
+      <a:ln w="28575" cap="rnd">
+        <a:solidFill>
+          <a:schemeClr val="phClr"/>
+        </a:solidFill>
+        <a:round/>
+      </a:ln>
+    </cs:spPr>
+  </cs:dataPointWireframe>
+  <cs:dataTable>
+    <cs:lnRef idx="0"/>
+    <cs:fillRef idx="0"/>
+    <cs:effectRef idx="0"/>
+    <cs:fontRef idx="minor">
+      <a:schemeClr val="tx1">
+        <a:lumMod val="65000"/>
+        <a:lumOff val="35000"/>
+      </a:schemeClr>
+    </cs:fontRef>
+    <cs:spPr>
+      <a:ln w="9525">
+        <a:solidFill>
+          <a:schemeClr val="tx1">
+            <a:lumMod val="15000"/>
+            <a:lumOff val="85000"/>
+          </a:schemeClr>
+        </a:solidFill>
+      </a:ln>
+    </cs:spPr>
+    <cs:defRPr sz="1197"/>
+  </cs:dataTable>
+  <cs:downBar>
+    <cs:lnRef idx="0"/>
+    <cs:fillRef idx="0"/>
+    <cs:effectRef idx="0"/>
+    <cs:fontRef idx="minor">
+      <a:schemeClr val="dk1"/>
+    </cs:fontRef>
+    <cs:spPr>
+      <a:solidFill>
+        <a:schemeClr val="dk1">
+          <a:lumMod val="65000"/>
+          <a:lumOff val="35000"/>
+        </a:schemeClr>
+      </a:solidFill>
+      <a:ln w="9525">
+        <a:solidFill>
+          <a:schemeClr val="tx1">
+            <a:lumMod val="65000"/>
+            <a:lumOff val="35000"/>
+          </a:schemeClr>
+        </a:solidFill>
+      </a:ln>
+    </cs:spPr>
+  </cs:downBar>
+  <cs:dropLine>
+    <cs:lnRef idx="0"/>
+    <cs:fillRef idx="0"/>
+    <cs:effectRef idx="0"/>
+    <cs:fontRef idx="minor">
+      <a:schemeClr val="tx1"/>
+    </cs:fontRef>
+    <cs:spPr>
+      <a:ln w="9525" cap="flat" cmpd="sng" algn="ctr">
+        <a:solidFill>
+          <a:schemeClr val="tx1">
+            <a:lumMod val="35000"/>
+            <a:lumOff val="65000"/>
+          </a:schemeClr>
+        </a:solidFill>
+        <a:round/>
+      </a:ln>
+    </cs:spPr>
+  </cs:dropLine>
+  <cs:errorBar>
+    <cs:lnRef idx="0"/>
+    <cs:fillRef idx="0"/>
+    <cs:effectRef idx="0"/>
+    <cs:fontRef idx="minor">
+      <a:schemeClr val="tx1"/>
+    </cs:fontRef>
+    <cs:spPr>
+      <a:ln w="9525" cap="flat" cmpd="sng" algn="ctr">
+        <a:solidFill>
+          <a:schemeClr val="tx1">
+            <a:lumMod val="65000"/>
+            <a:lumOff val="35000"/>
+          </a:schemeClr>
+        </a:solidFill>
+        <a:round/>
+      </a:ln>
+    </cs:spPr>
+  </cs:errorBar>
+  <cs:floor>
+    <cs:lnRef idx="0"/>
+    <cs:fillRef idx="0"/>
+    <cs:effectRef idx="0"/>
+    <cs:fontRef idx="minor">
+      <a:schemeClr val="tx1"/>
+    </cs:fontRef>
+  </cs:floor>
+  <cs:gridlineMajor>
+    <cs:lnRef idx="0"/>
+    <cs:fillRef idx="0"/>
+    <cs:effectRef idx="0"/>
+    <cs:fontRef idx="minor">
+      <a:schemeClr val="tx1"/>
+    </cs:fontRef>
+    <cs:spPr>
+      <a:ln w="9525" cap="flat" cmpd="sng" algn="ctr">
+        <a:solidFill>
+          <a:schemeClr val="tx1">
+            <a:lumMod val="15000"/>
+            <a:lumOff val="85000"/>
+          </a:schemeClr>
+        </a:solidFill>
+        <a:round/>
+      </a:ln>
+    </cs:spPr>
+  </cs:gridlineMajor>
+  <cs:gridlineMinor>
+    <cs:lnRef idx="0"/>
+    <cs:fillRef idx="0"/>
+    <cs:effectRef idx="0"/>
+    <cs:fontRef idx="minor">
+      <a:schemeClr val="tx1"/>
+    </cs:fontRef>
+    <cs:spPr>
+      <a:ln w="9525" cap="flat" cmpd="sng" algn="ctr">
+        <a:solidFill>
+          <a:schemeClr val="tx1">
+            <a:lumMod val="15000"/>
+            <a:lumOff val="85000"/>
+          </a:schemeClr>
+        </a:solidFill>
+        <a:round/>
+      </a:ln>
+    </cs:spPr>
+  </cs:gridlineMinor>
+  <cs:hiLoLine>
+    <cs:lnRef idx="0"/>
+    <cs:fillRef idx="0"/>
+    <cs:effectRef idx="0"/>
+    <cs:fontRef idx="minor">
+      <a:schemeClr val="tx1"/>
+    </cs:fontRef>
+    <cs:spPr>
+      <a:ln w="9525" cap="flat" cmpd="sng" algn="ctr">
+        <a:solidFill>
+          <a:schemeClr val="tx1">
+            <a:lumMod val="75000"/>
+            <a:lumOff val="25000"/>
+          </a:schemeClr>
+        </a:solidFill>
+        <a:round/>
+      </a:ln>
+    </cs:spPr>
+  </cs:hiLoLine>
+  <cs:leaderLine>
+    <cs:lnRef idx="0"/>
+    <cs:fillRef idx="0"/>
+    <cs:effectRef idx="0"/>
+    <cs:fontRef idx="minor">
+      <a:schemeClr val="tx1"/>
+    </cs:fontRef>
+    <cs:spPr>
+      <a:ln w="9525" cap="flat" cmpd="sng" algn="ctr">
+        <a:solidFill>
+          <a:schemeClr val="tx1">
+            <a:lumMod val="35000"/>
+            <a:lumOff val="65000"/>
+          </a:schemeClr>
+        </a:solidFill>
+        <a:round/>
+      </a:ln>
+    </cs:spPr>
+  </cs:leaderLine>
+  <cs:legend>
+    <cs:lnRef idx="0"/>
+    <cs:fillRef idx="0"/>
+    <cs:effectRef idx="0"/>
+    <cs:fontRef idx="minor">
+      <a:schemeClr val="tx1">
+        <a:lumMod val="65000"/>
+        <a:lumOff val="35000"/>
+      </a:schemeClr>
+    </cs:fontRef>
+    <cs:defRPr sz="1197"/>
+  </cs:legend>
+  <cs:plotArea mods="allowNoFillOverride allowNoLineOverride">
+    <cs:lnRef idx="0"/>
+    <cs:fillRef idx="0"/>
+    <cs:effectRef idx="0"/>
+    <cs:fontRef idx="minor">
+      <a:schemeClr val="tx1"/>
+    </cs:fontRef>
+  </cs:plotArea>
+  <cs:plotArea3D mods="allowNoFillOverride allowNoLineOverride">
+    <cs:lnRef idx="0"/>
+    <cs:fillRef idx="0"/>
+    <cs:effectRef idx="0"/>
+    <cs:fontRef idx="minor">
+      <a:schemeClr val="tx1"/>
+    </cs:fontRef>
+  </cs:plotArea3D>
+  <cs:seriesAxis>
+    <cs:lnRef idx="0"/>
+    <cs:fillRef idx="0"/>
+    <cs:effectRef idx="0"/>
+    <cs:fontRef idx="minor">
+      <a:schemeClr val="tx1">
+        <a:lumMod val="65000"/>
+        <a:lumOff val="35000"/>
+      </a:schemeClr>
+    </cs:fontRef>
+    <cs:spPr>
+      <a:ln w="9525" cap="flat" cmpd="sng" algn="ctr">
+        <a:solidFill>
+          <a:schemeClr val="tx1">
+            <a:lumMod val="15000"/>
+            <a:lumOff val="85000"/>
+          </a:schemeClr>
+        </a:solidFill>
+        <a:round/>
+      </a:ln>
+    </cs:spPr>
+    <cs:defRPr sz="1197"/>
+  </cs:seriesAxis>
+  <cs:seriesLine>
+    <cs:lnRef idx="0"/>
+    <cs:fillRef idx="0"/>
+    <cs:effectRef idx="0"/>
+    <cs:fontRef idx="minor">
+      <a:schemeClr val="tx1"/>
+    </cs:fontRef>
+    <cs:spPr>
+      <a:ln w="9525" cap="flat">
+        <a:solidFill>
+          <a:srgbClr val="D9D9D9"/>
+        </a:solidFill>
+        <a:round/>
+      </a:ln>
+    </cs:spPr>
+  </cs:seriesLine>
+  <cs:title>
+    <cs:lnRef idx="0"/>
+    <cs:fillRef idx="0"/>
+    <cs:effectRef idx="0"/>
+    <cs:fontRef idx="minor">
+      <a:schemeClr val="tx1">
+        <a:lumMod val="65000"/>
+        <a:lumOff val="35000"/>
+      </a:schemeClr>
+    </cs:fontRef>
+    <cs:defRPr sz="1862"/>
+  </cs:title>
+  <cs:trendline>
+    <cs:lnRef idx="0">
+      <cs:styleClr val="auto"/>
+    </cs:lnRef>
+    <cs:fillRef idx="0"/>
+    <cs:effectRef idx="0"/>
+    <cs:fontRef idx="minor">
+      <a:schemeClr val="tx1"/>
+    </cs:fontRef>
+    <cs:spPr>
+      <a:ln w="19050" cap="rnd">
+        <a:solidFill>
+          <a:schemeClr val="phClr"/>
+        </a:solidFill>
+        <a:prstDash val="sysDash"/>
+      </a:ln>
+    </cs:spPr>
+  </cs:trendline>
+  <cs:trendlineLabel>
+    <cs:lnRef idx="0"/>
+    <cs:fillRef idx="0"/>
+    <cs:effectRef idx="0"/>
+    <cs:fontRef idx="minor">
+      <a:schemeClr val="tx1">
+        <a:lumMod val="65000"/>
+        <a:lumOff val="35000"/>
+      </a:schemeClr>
+    </cs:fontRef>
+    <cs:defRPr sz="1197"/>
+  </cs:trendlineLabel>
+  <cs:upBar>
+    <cs:lnRef idx="0"/>
+    <cs:fillRef idx="0"/>
+    <cs:effectRef idx="0"/>
+    <cs:fontRef idx="minor">
+      <a:schemeClr val="dk1"/>
+    </cs:fontRef>
+    <cs:spPr>
+      <a:solidFill>
+        <a:schemeClr val="lt1"/>
+      </a:solidFill>
+      <a:ln w="9525">
+        <a:solidFill>
+          <a:schemeClr val="tx1">
+            <a:lumMod val="15000"/>
+            <a:lumOff val="85000"/>
+          </a:schemeClr>
+        </a:solidFill>
+      </a:ln>
+    </cs:spPr>
+  </cs:upBar>
+  <cs:valueAxis>
+    <cs:lnRef idx="0"/>
+    <cs:fillRef idx="0"/>
+    <cs:effectRef idx="0"/>
+    <cs:fontRef idx="minor">
+      <a:schemeClr val="tx1">
+        <a:lumMod val="65000"/>
+        <a:lumOff val="35000"/>
+      </a:schemeClr>
+    </cs:fontRef>
+    <cs:defRPr sz="1197"/>
+  </cs:valueAxis>
+  <cs:wall>
+    <cs:lnRef idx="0"/>
+    <cs:fillRef idx="0"/>
+    <cs:effectRef idx="0"/>
+    <cs:fontRef idx="minor">
+      <a:schemeClr val="tx1"/>
+    </cs:fontRef>
+  </cs:wall>
+</cs:chartStyle>
+</file>
+
 <file path=ppt/charts/style2.xml><?xml version="1.0" encoding="utf-8"?>
 <cs:chartStyle xmlns:cs="http://schemas.microsoft.com/office/drawing/2012/chartStyle" xmlns:a="http://schemas.openxmlformats.org/drawingml/2006/main" id="366">
   <cs:axisTitle>
@@ -10891,7 +11520,7 @@
           <a:p>
             <a:fld id="{10DB987D-27E3-4299-B461-F2BC4ABAE1AB}" type="datetimeFigureOut">
               <a:rPr lang="zh-CN" altLang="en-US" smtClean="0"/>
-              <a:t>2018/11/20</a:t>
+              <a:t>2018/11/21</a:t>
             </a:fld>
             <a:endParaRPr lang="zh-CN" altLang="en-US"/>
           </a:p>
@@ -11320,7 +11949,7 @@
     </p:spTree>
     <p:extLst>
       <p:ext uri="{BB962C8B-B14F-4D97-AF65-F5344CB8AC3E}">
-        <p14:creationId xmlns:p14="http://schemas.microsoft.com/office/powerpoint/2010/main" val="3187979840"/>
+        <p14:creationId xmlns:p14="http://schemas.microsoft.com/office/powerpoint/2010/main" val="1795066558"/>
       </p:ext>
     </p:extLst>
   </p:cSld>
@@ -11408,7 +12037,7 @@
     </p:spTree>
     <p:extLst>
       <p:ext uri="{BB962C8B-B14F-4D97-AF65-F5344CB8AC3E}">
-        <p14:creationId xmlns:p14="http://schemas.microsoft.com/office/powerpoint/2010/main" val="3481926320"/>
+        <p14:creationId xmlns:p14="http://schemas.microsoft.com/office/powerpoint/2010/main" val="3187979840"/>
       </p:ext>
     </p:extLst>
   </p:cSld>
@@ -11496,7 +12125,7 @@
     </p:spTree>
     <p:extLst>
       <p:ext uri="{BB962C8B-B14F-4D97-AF65-F5344CB8AC3E}">
-        <p14:creationId xmlns:p14="http://schemas.microsoft.com/office/powerpoint/2010/main" val="2652865453"/>
+        <p14:creationId xmlns:p14="http://schemas.microsoft.com/office/powerpoint/2010/main" val="3481926320"/>
       </p:ext>
     </p:extLst>
   </p:cSld>
@@ -11584,7 +12213,7 @@
     </p:spTree>
     <p:extLst>
       <p:ext uri="{BB962C8B-B14F-4D97-AF65-F5344CB8AC3E}">
-        <p14:creationId xmlns:p14="http://schemas.microsoft.com/office/powerpoint/2010/main" val="432153406"/>
+        <p14:creationId xmlns:p14="http://schemas.microsoft.com/office/powerpoint/2010/main" val="2652865453"/>
       </p:ext>
     </p:extLst>
   </p:cSld>
@@ -11672,7 +12301,7 @@
     </p:spTree>
     <p:extLst>
       <p:ext uri="{BB962C8B-B14F-4D97-AF65-F5344CB8AC3E}">
-        <p14:creationId xmlns:p14="http://schemas.microsoft.com/office/powerpoint/2010/main" val="1364440612"/>
+        <p14:creationId xmlns:p14="http://schemas.microsoft.com/office/powerpoint/2010/main" val="432153406"/>
       </p:ext>
     </p:extLst>
   </p:cSld>
@@ -11760,7 +12389,7 @@
     </p:spTree>
     <p:extLst>
       <p:ext uri="{BB962C8B-B14F-4D97-AF65-F5344CB8AC3E}">
-        <p14:creationId xmlns:p14="http://schemas.microsoft.com/office/powerpoint/2010/main" val="403026956"/>
+        <p14:creationId xmlns:p14="http://schemas.microsoft.com/office/powerpoint/2010/main" val="1364440612"/>
       </p:ext>
     </p:extLst>
   </p:cSld>
@@ -11848,7 +12477,7 @@
     </p:spTree>
     <p:extLst>
       <p:ext uri="{BB962C8B-B14F-4D97-AF65-F5344CB8AC3E}">
-        <p14:creationId xmlns:p14="http://schemas.microsoft.com/office/powerpoint/2010/main" val="2116719224"/>
+        <p14:creationId xmlns:p14="http://schemas.microsoft.com/office/powerpoint/2010/main" val="403026956"/>
       </p:ext>
     </p:extLst>
   </p:cSld>
@@ -11936,7 +12565,7 @@
     </p:spTree>
     <p:extLst>
       <p:ext uri="{BB962C8B-B14F-4D97-AF65-F5344CB8AC3E}">
-        <p14:creationId xmlns:p14="http://schemas.microsoft.com/office/powerpoint/2010/main" val="1132347077"/>
+        <p14:creationId xmlns:p14="http://schemas.microsoft.com/office/powerpoint/2010/main" val="2116719224"/>
       </p:ext>
     </p:extLst>
   </p:cSld>
@@ -12024,7 +12653,7 @@
     </p:spTree>
     <p:extLst>
       <p:ext uri="{BB962C8B-B14F-4D97-AF65-F5344CB8AC3E}">
-        <p14:creationId xmlns:p14="http://schemas.microsoft.com/office/powerpoint/2010/main" val="783840452"/>
+        <p14:creationId xmlns:p14="http://schemas.microsoft.com/office/powerpoint/2010/main" val="1132347077"/>
       </p:ext>
     </p:extLst>
   </p:cSld>
@@ -12078,6 +12707,10 @@
           <a:bodyPr/>
           <a:lstStyle/>
           <a:p>
+            <a:pPr marL="171450" indent="-171450">
+              <a:buFont typeface="Arial" panose="020B0604020202020204" pitchFamily="34" charset="0"/>
+              <a:buChar char="•"/>
+            </a:pPr>
             <a:endParaRPr lang="zh-CN" altLang="en-US" dirty="0"/>
           </a:p>
         </p:txBody>
@@ -12108,7 +12741,7 @@
     </p:spTree>
     <p:extLst>
       <p:ext uri="{BB962C8B-B14F-4D97-AF65-F5344CB8AC3E}">
-        <p14:creationId xmlns:p14="http://schemas.microsoft.com/office/powerpoint/2010/main" val="2361445561"/>
+        <p14:creationId xmlns:p14="http://schemas.microsoft.com/office/powerpoint/2010/main" val="783840452"/>
       </p:ext>
     </p:extLst>
   </p:cSld>
@@ -12196,7 +12829,91 @@
     </p:spTree>
     <p:extLst>
       <p:ext uri="{BB962C8B-B14F-4D97-AF65-F5344CB8AC3E}">
-        <p14:creationId xmlns:p14="http://schemas.microsoft.com/office/powerpoint/2010/main" val="3533472059"/>
+        <p14:creationId xmlns:p14="http://schemas.microsoft.com/office/powerpoint/2010/main" val="3976929814"/>
+      </p:ext>
+    </p:extLst>
+  </p:cSld>
+  <p:clrMapOvr>
+    <a:masterClrMapping/>
+  </p:clrMapOvr>
+</p:notes>
+</file>
+
+<file path=ppt/notesSlides/notesSlide20.xml><?xml version="1.0" encoding="utf-8"?>
+<p:notes xmlns:a="http://schemas.openxmlformats.org/drawingml/2006/main" xmlns:r="http://schemas.openxmlformats.org/officeDocument/2006/relationships" xmlns:p="http://schemas.openxmlformats.org/presentationml/2006/main">
+  <p:cSld>
+    <p:spTree>
+      <p:nvGrpSpPr>
+        <p:cNvPr id="1" name=""/>
+        <p:cNvGrpSpPr/>
+        <p:nvPr/>
+      </p:nvGrpSpPr>
+      <p:grpSpPr>
+        <a:xfrm>
+          <a:off x="0" y="0"/>
+          <a:ext cx="0" cy="0"/>
+          <a:chOff x="0" y="0"/>
+          <a:chExt cx="0" cy="0"/>
+        </a:xfrm>
+      </p:grpSpPr>
+      <p:sp>
+        <p:nvSpPr>
+          <p:cNvPr id="2" name="幻灯片图像占位符 1"/>
+          <p:cNvSpPr>
+            <a:spLocks noGrp="1" noRot="1" noChangeAspect="1"/>
+          </p:cNvSpPr>
+          <p:nvPr>
+            <p:ph type="sldImg"/>
+          </p:nvPr>
+        </p:nvSpPr>
+        <p:spPr/>
+      </p:sp>
+      <p:sp>
+        <p:nvSpPr>
+          <p:cNvPr id="3" name="备注占位符 2"/>
+          <p:cNvSpPr>
+            <a:spLocks noGrp="1"/>
+          </p:cNvSpPr>
+          <p:nvPr>
+            <p:ph type="body" idx="1"/>
+          </p:nvPr>
+        </p:nvSpPr>
+        <p:spPr/>
+        <p:txBody>
+          <a:bodyPr/>
+          <a:lstStyle/>
+          <a:p>
+            <a:endParaRPr lang="zh-CN" altLang="en-US" dirty="0"/>
+          </a:p>
+        </p:txBody>
+      </p:sp>
+      <p:sp>
+        <p:nvSpPr>
+          <p:cNvPr id="4" name="灯片编号占位符 3"/>
+          <p:cNvSpPr>
+            <a:spLocks noGrp="1"/>
+          </p:cNvSpPr>
+          <p:nvPr>
+            <p:ph type="sldNum" sz="quarter" idx="5"/>
+          </p:nvPr>
+        </p:nvSpPr>
+        <p:spPr/>
+        <p:txBody>
+          <a:bodyPr/>
+          <a:lstStyle/>
+          <a:p>
+            <a:fld id="{1FDCFD11-E5D8-4055-8DF5-87B2785EE007}" type="slidenum">
+              <a:rPr lang="zh-CN" altLang="en-US" smtClean="0"/>
+              <a:t>20</a:t>
+            </a:fld>
+            <a:endParaRPr lang="zh-CN" altLang="en-US"/>
+          </a:p>
+        </p:txBody>
+      </p:sp>
+    </p:spTree>
+    <p:extLst>
+      <p:ext uri="{BB962C8B-B14F-4D97-AF65-F5344CB8AC3E}">
+        <p14:creationId xmlns:p14="http://schemas.microsoft.com/office/powerpoint/2010/main" val="2361445561"/>
       </p:ext>
     </p:extLst>
   </p:cSld>
@@ -12284,7 +13001,7 @@
     </p:spTree>
     <p:extLst>
       <p:ext uri="{BB962C8B-B14F-4D97-AF65-F5344CB8AC3E}">
-        <p14:creationId xmlns:p14="http://schemas.microsoft.com/office/powerpoint/2010/main" val="2163745206"/>
+        <p14:creationId xmlns:p14="http://schemas.microsoft.com/office/powerpoint/2010/main" val="3533472059"/>
       </p:ext>
     </p:extLst>
   </p:cSld>
@@ -12372,7 +13089,7 @@
     </p:spTree>
     <p:extLst>
       <p:ext uri="{BB962C8B-B14F-4D97-AF65-F5344CB8AC3E}">
-        <p14:creationId xmlns:p14="http://schemas.microsoft.com/office/powerpoint/2010/main" val="30916226"/>
+        <p14:creationId xmlns:p14="http://schemas.microsoft.com/office/powerpoint/2010/main" val="2163745206"/>
       </p:ext>
     </p:extLst>
   </p:cSld>
@@ -12460,7 +13177,7 @@
     </p:spTree>
     <p:extLst>
       <p:ext uri="{BB962C8B-B14F-4D97-AF65-F5344CB8AC3E}">
-        <p14:creationId xmlns:p14="http://schemas.microsoft.com/office/powerpoint/2010/main" val="972545021"/>
+        <p14:creationId xmlns:p14="http://schemas.microsoft.com/office/powerpoint/2010/main" val="30916226"/>
       </p:ext>
     </p:extLst>
   </p:cSld>
@@ -12548,7 +13265,7 @@
     </p:spTree>
     <p:extLst>
       <p:ext uri="{BB962C8B-B14F-4D97-AF65-F5344CB8AC3E}">
-        <p14:creationId xmlns:p14="http://schemas.microsoft.com/office/powerpoint/2010/main" val="774711183"/>
+        <p14:creationId xmlns:p14="http://schemas.microsoft.com/office/powerpoint/2010/main" val="972545021"/>
       </p:ext>
     </p:extLst>
   </p:cSld>
@@ -12636,7 +13353,7 @@
     </p:spTree>
     <p:extLst>
       <p:ext uri="{BB962C8B-B14F-4D97-AF65-F5344CB8AC3E}">
-        <p14:creationId xmlns:p14="http://schemas.microsoft.com/office/powerpoint/2010/main" val="1756234932"/>
+        <p14:creationId xmlns:p14="http://schemas.microsoft.com/office/powerpoint/2010/main" val="774711183"/>
       </p:ext>
     </p:extLst>
   </p:cSld>
@@ -12724,7 +13441,7 @@
     </p:spTree>
     <p:extLst>
       <p:ext uri="{BB962C8B-B14F-4D97-AF65-F5344CB8AC3E}">
-        <p14:creationId xmlns:p14="http://schemas.microsoft.com/office/powerpoint/2010/main" val="4055453610"/>
+        <p14:creationId xmlns:p14="http://schemas.microsoft.com/office/powerpoint/2010/main" val="1756234932"/>
       </p:ext>
     </p:extLst>
   </p:cSld>
@@ -12812,7 +13529,7 @@
     </p:spTree>
     <p:extLst>
       <p:ext uri="{BB962C8B-B14F-4D97-AF65-F5344CB8AC3E}">
-        <p14:creationId xmlns:p14="http://schemas.microsoft.com/office/powerpoint/2010/main" val="1795066558"/>
+        <p14:creationId xmlns:p14="http://schemas.microsoft.com/office/powerpoint/2010/main" val="4055453610"/>
       </p:ext>
     </p:extLst>
   </p:cSld>
@@ -12969,7 +13686,7 @@
           <a:p>
             <a:fld id="{ECCC8160-B223-4298-9516-63233301C294}" type="datetimeFigureOut">
               <a:rPr lang="zh-CN" altLang="en-US" smtClean="0"/>
-              <a:t>2018/11/20</a:t>
+              <a:t>2018/11/21</a:t>
             </a:fld>
             <a:endParaRPr lang="zh-CN" altLang="en-US"/>
           </a:p>
@@ -13167,7 +13884,7 @@
           <a:p>
             <a:fld id="{ECCC8160-B223-4298-9516-63233301C294}" type="datetimeFigureOut">
               <a:rPr lang="zh-CN" altLang="en-US" smtClean="0"/>
-              <a:t>2018/11/20</a:t>
+              <a:t>2018/11/21</a:t>
             </a:fld>
             <a:endParaRPr lang="zh-CN" altLang="en-US"/>
           </a:p>
@@ -13375,7 +14092,7 @@
           <a:p>
             <a:fld id="{ECCC8160-B223-4298-9516-63233301C294}" type="datetimeFigureOut">
               <a:rPr lang="zh-CN" altLang="en-US" smtClean="0"/>
-              <a:t>2018/11/20</a:t>
+              <a:t>2018/11/21</a:t>
             </a:fld>
             <a:endParaRPr lang="zh-CN" altLang="en-US"/>
           </a:p>
@@ -13573,7 +14290,7 @@
           <a:p>
             <a:fld id="{ECCC8160-B223-4298-9516-63233301C294}" type="datetimeFigureOut">
               <a:rPr lang="zh-CN" altLang="en-US" smtClean="0"/>
-              <a:t>2018/11/20</a:t>
+              <a:t>2018/11/21</a:t>
             </a:fld>
             <a:endParaRPr lang="zh-CN" altLang="en-US"/>
           </a:p>
@@ -13848,7 +14565,7 @@
           <a:p>
             <a:fld id="{ECCC8160-B223-4298-9516-63233301C294}" type="datetimeFigureOut">
               <a:rPr lang="zh-CN" altLang="en-US" smtClean="0"/>
-              <a:t>2018/11/20</a:t>
+              <a:t>2018/11/21</a:t>
             </a:fld>
             <a:endParaRPr lang="zh-CN" altLang="en-US"/>
           </a:p>
@@ -14113,7 +14830,7 @@
           <a:p>
             <a:fld id="{ECCC8160-B223-4298-9516-63233301C294}" type="datetimeFigureOut">
               <a:rPr lang="zh-CN" altLang="en-US" smtClean="0"/>
-              <a:t>2018/11/20</a:t>
+              <a:t>2018/11/21</a:t>
             </a:fld>
             <a:endParaRPr lang="zh-CN" altLang="en-US"/>
           </a:p>
@@ -14525,7 +15242,7 @@
           <a:p>
             <a:fld id="{ECCC8160-B223-4298-9516-63233301C294}" type="datetimeFigureOut">
               <a:rPr lang="zh-CN" altLang="en-US" smtClean="0"/>
-              <a:t>2018/11/20</a:t>
+              <a:t>2018/11/21</a:t>
             </a:fld>
             <a:endParaRPr lang="zh-CN" altLang="en-US"/>
           </a:p>
@@ -14666,7 +15383,7 @@
           <a:p>
             <a:fld id="{ECCC8160-B223-4298-9516-63233301C294}" type="datetimeFigureOut">
               <a:rPr lang="zh-CN" altLang="en-US" smtClean="0"/>
-              <a:t>2018/11/20</a:t>
+              <a:t>2018/11/21</a:t>
             </a:fld>
             <a:endParaRPr lang="zh-CN" altLang="en-US"/>
           </a:p>
@@ -14779,7 +15496,7 @@
           <a:p>
             <a:fld id="{ECCC8160-B223-4298-9516-63233301C294}" type="datetimeFigureOut">
               <a:rPr lang="zh-CN" altLang="en-US" smtClean="0"/>
-              <a:t>2018/11/20</a:t>
+              <a:t>2018/11/21</a:t>
             </a:fld>
             <a:endParaRPr lang="zh-CN" altLang="en-US"/>
           </a:p>
@@ -15090,7 +15807,7 @@
           <a:p>
             <a:fld id="{ECCC8160-B223-4298-9516-63233301C294}" type="datetimeFigureOut">
               <a:rPr lang="zh-CN" altLang="en-US" smtClean="0"/>
-              <a:t>2018/11/20</a:t>
+              <a:t>2018/11/21</a:t>
             </a:fld>
             <a:endParaRPr lang="zh-CN" altLang="en-US"/>
           </a:p>
@@ -15378,7 +16095,7 @@
           <a:p>
             <a:fld id="{ECCC8160-B223-4298-9516-63233301C294}" type="datetimeFigureOut">
               <a:rPr lang="zh-CN" altLang="en-US" smtClean="0"/>
-              <a:t>2018/11/20</a:t>
+              <a:t>2018/11/21</a:t>
             </a:fld>
             <a:endParaRPr lang="zh-CN" altLang="en-US"/>
           </a:p>
@@ -15619,7 +16336,7 @@
           <a:p>
             <a:fld id="{ECCC8160-B223-4298-9516-63233301C294}" type="datetimeFigureOut">
               <a:rPr lang="zh-CN" altLang="en-US" smtClean="0"/>
-              <a:t>2018/11/20</a:t>
+              <a:t>2018/11/21</a:t>
             </a:fld>
             <a:endParaRPr lang="zh-CN" altLang="en-US"/>
           </a:p>
@@ -16199,8 +16916,8 @@
           <a:chExt cx="0" cy="0"/>
         </a:xfrm>
       </p:grpSpPr>
-      <mc:AlternateContent xmlns:mc="http://schemas.openxmlformats.org/markup-compatibility/2006">
-        <mc:Choice xmlns:cx1="http://schemas.microsoft.com/office/drawing/2015/9/8/chartex" Requires="cx1">
+      <mc:AlternateContent xmlns:mc="http://schemas.openxmlformats.org/markup-compatibility/2006" xmlns:cx1="http://schemas.microsoft.com/office/drawing/2015/9/8/chartex">
+        <mc:Choice Requires="cx1">
           <p:graphicFrame>
             <p:nvGraphicFramePr>
               <p:cNvPr id="5" name="图表 4">
@@ -16226,7 +16943,7 @@
             </a:graphic>
           </p:graphicFrame>
         </mc:Choice>
-        <mc:Fallback>
+        <mc:Fallback xmlns="">
           <p:pic>
             <p:nvPicPr>
               <p:cNvPr id="5" name="图表 4">
@@ -16310,7 +17027,7 @@
           <p:nvPr>
             <p:extLst>
               <p:ext uri="{D42A27DB-BD31-4B8C-83A1-F6EECF244321}">
-                <p14:modId xmlns:p14="http://schemas.microsoft.com/office/powerpoint/2010/main" val="2725790688"/>
+                <p14:modId xmlns:p14="http://schemas.microsoft.com/office/powerpoint/2010/main" val="2161611229"/>
               </p:ext>
             </p:extLst>
           </p:nvPr>
@@ -16597,10 +17314,6 @@
                     <a:lstStyle/>
                     <a:p>
                       <a:pPr algn="ctr"/>
-                      <a:r>
-                        <a:rPr lang="en-US" altLang="zh-CN" dirty="0"/>
-                        <a:t>5</a:t>
-                      </a:r>
                       <a:endParaRPr lang="zh-CN" altLang="en-US" dirty="0"/>
                     </a:p>
                   </a:txBody>
@@ -17533,7 +18246,7 @@
         </p:nvSpPr>
         <p:spPr>
           <a:xfrm>
-            <a:off x="4819579" y="5655254"/>
+            <a:off x="4278041" y="5655254"/>
             <a:ext cx="161158" cy="138930"/>
           </a:xfrm>
           <a:prstGeom prst="triangle">
@@ -17587,7 +18300,7 @@
         </p:nvSpPr>
         <p:spPr>
           <a:xfrm>
-            <a:off x="4789165" y="5778938"/>
+            <a:off x="4247627" y="5778938"/>
             <a:ext cx="235962" cy="369332"/>
           </a:xfrm>
           <a:prstGeom prst="rect">
@@ -17728,7 +18441,7 @@
         <p:spPr>
           <a:xfrm>
             <a:off x="8280403" y="999568"/>
-            <a:ext cx="3296078" cy="369332"/>
+            <a:ext cx="3296078" cy="1200329"/>
           </a:xfrm>
           <a:prstGeom prst="rect">
             <a:avLst/>
@@ -17748,7 +18461,33 @@
           <a:p>
             <a:r>
               <a:rPr lang="en-US" altLang="zh-CN" dirty="0"/>
-              <a:t>Push: 5</a:t>
+              <a:t>Pop: 3</a:t>
+            </a:r>
+          </a:p>
+          <a:p>
+            <a:r>
+              <a:rPr lang="en-US" altLang="zh-CN" dirty="0"/>
+              <a:t>Length: </a:t>
+            </a:r>
+            <a:r>
+              <a:rPr lang="en-US" altLang="zh-CN" dirty="0" err="1"/>
+              <a:t>i</a:t>
+            </a:r>
+            <a:r>
+              <a:rPr lang="en-US" altLang="zh-CN" dirty="0"/>
+              <a:t> – 3 = 2</a:t>
+            </a:r>
+          </a:p>
+          <a:p>
+            <a:r>
+              <a:rPr lang="en-US" altLang="zh-CN" dirty="0"/>
+              <a:t>Height: Input[3] = 3</a:t>
+            </a:r>
+          </a:p>
+          <a:p>
+            <a:r>
+              <a:rPr lang="en-US" altLang="zh-CN" dirty="0"/>
+              <a:t>Area: 6</a:t>
             </a:r>
             <a:endParaRPr lang="zh-CN" altLang="en-US" dirty="0"/>
           </a:p>
@@ -17756,10 +18495,10 @@
       </p:sp>
       <p:sp>
         <p:nvSpPr>
-          <p:cNvPr id="15" name="文本框 14">
+          <p:cNvPr id="14" name="文本框 13">
             <a:extLst>
               <a:ext uri="{FF2B5EF4-FFF2-40B4-BE49-F238E27FC236}">
-                <a16:creationId xmlns:a16="http://schemas.microsoft.com/office/drawing/2014/main" id="{31B57FA3-DE45-4E72-A453-FCBB3653045B}"/>
+                <a16:creationId xmlns:a16="http://schemas.microsoft.com/office/drawing/2014/main" id="{40020BB1-C995-41E8-B661-EF531BB7DC62}"/>
               </a:ext>
             </a:extLst>
           </p:cNvPr>
@@ -17768,8 +18507,8 @@
         </p:nvSpPr>
         <p:spPr>
           <a:xfrm>
-            <a:off x="8280403" y="2790443"/>
-            <a:ext cx="3296079" cy="2308324"/>
+            <a:off x="8138360" y="2701666"/>
+            <a:ext cx="3766595" cy="2308324"/>
           </a:xfrm>
           <a:prstGeom prst="rect">
             <a:avLst/>
@@ -17799,7 +18538,26 @@
               <a:rPr lang="en-US" altLang="zh-CN" b="1" dirty="0" err="1"/>
               <a:t>stack.empty</a:t>
             </a:r>
-            <a:endParaRPr lang="en-US" altLang="zh-CN" b="1" dirty="0"/>
+            <a:r>
+              <a:rPr lang="en-US" altLang="zh-CN" b="1" dirty="0"/>
+              <a:t> || </a:t>
+            </a:r>
+            <a:r>
+              <a:rPr lang="en-US" altLang="zh-CN" b="1" dirty="0" err="1"/>
+              <a:t>i</a:t>
+            </a:r>
+            <a:r>
+              <a:rPr lang="en-US" altLang="zh-CN" b="1" dirty="0"/>
+              <a:t>&lt;</a:t>
+            </a:r>
+            <a:r>
+              <a:rPr lang="en-US" altLang="zh-CN" b="1" dirty="0" err="1"/>
+              <a:t>input.length</a:t>
+            </a:r>
+            <a:r>
+              <a:rPr lang="en-US" altLang="zh-CN" b="1" dirty="0"/>
+              <a:t> </a:t>
+            </a:r>
           </a:p>
           <a:p>
             <a:r>
@@ -17858,7 +18616,7 @@
             </a:r>
             <a:r>
               <a:rPr lang="en-US" altLang="zh-CN" b="1" dirty="0"/>
-              <a:t>++</a:t>
+              <a:t>++;</a:t>
             </a:r>
           </a:p>
           <a:p>
@@ -17884,7 +18642,7 @@
     </p:spTree>
     <p:extLst>
       <p:ext uri="{BB962C8B-B14F-4D97-AF65-F5344CB8AC3E}">
-        <p14:creationId xmlns:p14="http://schemas.microsoft.com/office/powerpoint/2010/main" val="297099158"/>
+        <p14:creationId xmlns:p14="http://schemas.microsoft.com/office/powerpoint/2010/main" val="938096164"/>
       </p:ext>
     </p:extLst>
   </p:cSld>
@@ -17911,8 +18669,8 @@
           <a:chExt cx="0" cy="0"/>
         </a:xfrm>
       </p:grpSpPr>
-      <mc:AlternateContent xmlns:mc="http://schemas.openxmlformats.org/markup-compatibility/2006">
-        <mc:Choice xmlns:cx1="http://schemas.microsoft.com/office/drawing/2015/9/8/chartex" Requires="cx1">
+      <mc:AlternateContent xmlns:mc="http://schemas.openxmlformats.org/markup-compatibility/2006" xmlns:cx1="http://schemas.microsoft.com/office/drawing/2015/9/8/chartex">
+        <mc:Choice Requires="cx1">
           <p:graphicFrame>
             <p:nvGraphicFramePr>
               <p:cNvPr id="5" name="图表 4">
@@ -17938,7 +18696,7 @@
             </a:graphic>
           </p:graphicFrame>
         </mc:Choice>
-        <mc:Fallback>
+        <mc:Fallback xmlns="">
           <p:pic>
             <p:nvPicPr>
               <p:cNvPr id="5" name="图表 4">
@@ -18022,7 +18780,7 @@
           <p:nvPr>
             <p:extLst>
               <p:ext uri="{D42A27DB-BD31-4B8C-83A1-F6EECF244321}">
-                <p14:modId xmlns:p14="http://schemas.microsoft.com/office/powerpoint/2010/main" val="2620297639"/>
+                <p14:modId xmlns:p14="http://schemas.microsoft.com/office/powerpoint/2010/main" val="2725790688"/>
               </p:ext>
             </p:extLst>
           </p:nvPr>
@@ -18245,10 +19003,6 @@
                     <a:lstStyle/>
                     <a:p>
                       <a:pPr algn="ctr"/>
-                      <a:r>
-                        <a:rPr lang="en-US" altLang="zh-CN" dirty="0"/>
-                        <a:t>6</a:t>
-                      </a:r>
                       <a:endParaRPr lang="zh-CN" altLang="en-US" dirty="0"/>
                     </a:p>
                   </a:txBody>
@@ -19249,7 +20003,7 @@
         </p:nvSpPr>
         <p:spPr>
           <a:xfrm>
-            <a:off x="5387750" y="5655254"/>
+            <a:off x="4819579" y="5655254"/>
             <a:ext cx="161158" cy="138930"/>
           </a:xfrm>
           <a:prstGeom prst="triangle">
@@ -19303,7 +20057,7 @@
         </p:nvSpPr>
         <p:spPr>
           <a:xfrm>
-            <a:off x="5357336" y="5778938"/>
+            <a:off x="4789165" y="5778938"/>
             <a:ext cx="235962" cy="369332"/>
           </a:xfrm>
           <a:prstGeom prst="rect">
@@ -19464,7 +20218,7 @@
           <a:p>
             <a:r>
               <a:rPr lang="en-US" altLang="zh-CN" dirty="0"/>
-              <a:t>Push: 6</a:t>
+              <a:t>Push: 5</a:t>
             </a:r>
             <a:endParaRPr lang="zh-CN" altLang="en-US" dirty="0"/>
           </a:p>
@@ -19472,10 +20226,10 @@
       </p:sp>
       <p:sp>
         <p:nvSpPr>
-          <p:cNvPr id="15" name="文本框 14">
+          <p:cNvPr id="14" name="文本框 13">
             <a:extLst>
               <a:ext uri="{FF2B5EF4-FFF2-40B4-BE49-F238E27FC236}">
-                <a16:creationId xmlns:a16="http://schemas.microsoft.com/office/drawing/2014/main" id="{E06418A5-0236-4C25-912B-CC0E1F39C75C}"/>
+                <a16:creationId xmlns:a16="http://schemas.microsoft.com/office/drawing/2014/main" id="{3470B474-6DE6-4A31-B322-2A05020E4892}"/>
               </a:ext>
             </a:extLst>
           </p:cNvPr>
@@ -19484,8 +20238,8 @@
         </p:nvSpPr>
         <p:spPr>
           <a:xfrm>
-            <a:off x="8280403" y="2790443"/>
-            <a:ext cx="3296079" cy="2308324"/>
+            <a:off x="8138360" y="2701666"/>
+            <a:ext cx="3766595" cy="2308324"/>
           </a:xfrm>
           <a:prstGeom prst="rect">
             <a:avLst/>
@@ -19515,7 +20269,26 @@
               <a:rPr lang="en-US" altLang="zh-CN" b="1" dirty="0" err="1"/>
               <a:t>stack.empty</a:t>
             </a:r>
-            <a:endParaRPr lang="en-US" altLang="zh-CN" b="1" dirty="0"/>
+            <a:r>
+              <a:rPr lang="en-US" altLang="zh-CN" b="1" dirty="0"/>
+              <a:t> || </a:t>
+            </a:r>
+            <a:r>
+              <a:rPr lang="en-US" altLang="zh-CN" b="1" dirty="0" err="1"/>
+              <a:t>i</a:t>
+            </a:r>
+            <a:r>
+              <a:rPr lang="en-US" altLang="zh-CN" b="1" dirty="0"/>
+              <a:t>&lt;</a:t>
+            </a:r>
+            <a:r>
+              <a:rPr lang="en-US" altLang="zh-CN" b="1" dirty="0" err="1"/>
+              <a:t>input.length</a:t>
+            </a:r>
+            <a:r>
+              <a:rPr lang="en-US" altLang="zh-CN" b="1" dirty="0"/>
+              <a:t> </a:t>
+            </a:r>
           </a:p>
           <a:p>
             <a:r>
@@ -19574,7 +20347,7 @@
             </a:r>
             <a:r>
               <a:rPr lang="en-US" altLang="zh-CN" b="1" dirty="0"/>
-              <a:t>++</a:t>
+              <a:t>++;</a:t>
             </a:r>
           </a:p>
           <a:p>
@@ -19600,7 +20373,7 @@
     </p:spTree>
     <p:extLst>
       <p:ext uri="{BB962C8B-B14F-4D97-AF65-F5344CB8AC3E}">
-        <p14:creationId xmlns:p14="http://schemas.microsoft.com/office/powerpoint/2010/main" val="3107406017"/>
+        <p14:creationId xmlns:p14="http://schemas.microsoft.com/office/powerpoint/2010/main" val="297099158"/>
       </p:ext>
     </p:extLst>
   </p:cSld>
@@ -19627,8 +20400,8 @@
           <a:chExt cx="0" cy="0"/>
         </a:xfrm>
       </p:grpSpPr>
-      <mc:AlternateContent xmlns:mc="http://schemas.openxmlformats.org/markup-compatibility/2006">
-        <mc:Choice xmlns:cx1="http://schemas.microsoft.com/office/drawing/2015/9/8/chartex" Requires="cx1">
+      <mc:AlternateContent xmlns:mc="http://schemas.openxmlformats.org/markup-compatibility/2006" xmlns:cx1="http://schemas.microsoft.com/office/drawing/2015/9/8/chartex">
+        <mc:Choice Requires="cx1">
           <p:graphicFrame>
             <p:nvGraphicFramePr>
               <p:cNvPr id="5" name="图表 4">
@@ -19654,7 +20427,7 @@
             </a:graphic>
           </p:graphicFrame>
         </mc:Choice>
-        <mc:Fallback>
+        <mc:Fallback xmlns="">
           <p:pic>
             <p:nvPicPr>
               <p:cNvPr id="5" name="图表 4">
@@ -19738,7 +20511,7 @@
           <p:nvPr>
             <p:extLst>
               <p:ext uri="{D42A27DB-BD31-4B8C-83A1-F6EECF244321}">
-                <p14:modId xmlns:p14="http://schemas.microsoft.com/office/powerpoint/2010/main" val="2494323389"/>
+                <p14:modId xmlns:p14="http://schemas.microsoft.com/office/powerpoint/2010/main" val="2620297639"/>
               </p:ext>
             </p:extLst>
           </p:nvPr>
@@ -19961,6 +20734,10 @@
                     <a:lstStyle/>
                     <a:p>
                       <a:pPr algn="ctr"/>
+                      <a:r>
+                        <a:rPr lang="en-US" altLang="zh-CN" dirty="0"/>
+                        <a:t>6</a:t>
+                      </a:r>
                       <a:endParaRPr lang="zh-CN" altLang="en-US" dirty="0"/>
                     </a:p>
                   </a:txBody>
@@ -21156,7 +21933,7 @@
         <p:spPr>
           <a:xfrm>
             <a:off x="8280403" y="999568"/>
-            <a:ext cx="3296078" cy="1200329"/>
+            <a:ext cx="3296078" cy="369332"/>
           </a:xfrm>
           <a:prstGeom prst="rect">
             <a:avLst/>
@@ -21176,33 +21953,7 @@
           <a:p>
             <a:r>
               <a:rPr lang="en-US" altLang="zh-CN" dirty="0"/>
-              <a:t>Pop: 6</a:t>
-            </a:r>
-          </a:p>
-          <a:p>
-            <a:r>
-              <a:rPr lang="en-US" altLang="zh-CN" dirty="0"/>
-              <a:t>Length: </a:t>
-            </a:r>
-            <a:r>
-              <a:rPr lang="en-US" altLang="zh-CN" dirty="0" err="1"/>
-              <a:t>i</a:t>
-            </a:r>
-            <a:r>
-              <a:rPr lang="en-US" altLang="zh-CN" dirty="0"/>
-              <a:t> – 6 = 1</a:t>
-            </a:r>
-          </a:p>
-          <a:p>
-            <a:r>
-              <a:rPr lang="en-US" altLang="zh-CN" dirty="0"/>
-              <a:t>Height: Input[6] = 2</a:t>
-            </a:r>
-          </a:p>
-          <a:p>
-            <a:r>
-              <a:rPr lang="en-US" altLang="zh-CN" dirty="0"/>
-              <a:t>Area: 2</a:t>
+              <a:t>Push: 6</a:t>
             </a:r>
             <a:endParaRPr lang="zh-CN" altLang="en-US" dirty="0"/>
           </a:p>
@@ -21210,10 +21961,10 @@
       </p:sp>
       <p:sp>
         <p:nvSpPr>
-          <p:cNvPr id="15" name="文本框 14">
+          <p:cNvPr id="14" name="文本框 13">
             <a:extLst>
               <a:ext uri="{FF2B5EF4-FFF2-40B4-BE49-F238E27FC236}">
-                <a16:creationId xmlns:a16="http://schemas.microsoft.com/office/drawing/2014/main" id="{B69DFB1C-7538-4A65-A0ED-FE3E3C75BB6B}"/>
+                <a16:creationId xmlns:a16="http://schemas.microsoft.com/office/drawing/2014/main" id="{93F0D25F-F0EF-43F3-BD3D-92ADCE9087D2}"/>
               </a:ext>
             </a:extLst>
           </p:cNvPr>
@@ -21222,8 +21973,8 @@
         </p:nvSpPr>
         <p:spPr>
           <a:xfrm>
-            <a:off x="8280403" y="2790443"/>
-            <a:ext cx="3296079" cy="2308324"/>
+            <a:off x="8138360" y="2701666"/>
+            <a:ext cx="3766595" cy="2308324"/>
           </a:xfrm>
           <a:prstGeom prst="rect">
             <a:avLst/>
@@ -21253,7 +22004,26 @@
               <a:rPr lang="en-US" altLang="zh-CN" b="1" dirty="0" err="1"/>
               <a:t>stack.empty</a:t>
             </a:r>
-            <a:endParaRPr lang="en-US" altLang="zh-CN" b="1" dirty="0"/>
+            <a:r>
+              <a:rPr lang="en-US" altLang="zh-CN" b="1" dirty="0"/>
+              <a:t> || </a:t>
+            </a:r>
+            <a:r>
+              <a:rPr lang="en-US" altLang="zh-CN" b="1" dirty="0" err="1"/>
+              <a:t>i</a:t>
+            </a:r>
+            <a:r>
+              <a:rPr lang="en-US" altLang="zh-CN" b="1" dirty="0"/>
+              <a:t>&lt;</a:t>
+            </a:r>
+            <a:r>
+              <a:rPr lang="en-US" altLang="zh-CN" b="1" dirty="0" err="1"/>
+              <a:t>input.length</a:t>
+            </a:r>
+            <a:r>
+              <a:rPr lang="en-US" altLang="zh-CN" b="1" dirty="0"/>
+              <a:t> </a:t>
+            </a:r>
           </a:p>
           <a:p>
             <a:r>
@@ -21312,7 +22082,7 @@
             </a:r>
             <a:r>
               <a:rPr lang="en-US" altLang="zh-CN" b="1" dirty="0"/>
-              <a:t>++</a:t>
+              <a:t>++;</a:t>
             </a:r>
           </a:p>
           <a:p>
@@ -21338,7 +22108,7 @@
     </p:spTree>
     <p:extLst>
       <p:ext uri="{BB962C8B-B14F-4D97-AF65-F5344CB8AC3E}">
-        <p14:creationId xmlns:p14="http://schemas.microsoft.com/office/powerpoint/2010/main" val="712444712"/>
+        <p14:creationId xmlns:p14="http://schemas.microsoft.com/office/powerpoint/2010/main" val="3107406017"/>
       </p:ext>
     </p:extLst>
   </p:cSld>
@@ -21365,8 +22135,8 @@
           <a:chExt cx="0" cy="0"/>
         </a:xfrm>
       </p:grpSpPr>
-      <mc:AlternateContent xmlns:mc="http://schemas.openxmlformats.org/markup-compatibility/2006">
-        <mc:Choice xmlns:cx1="http://schemas.microsoft.com/office/drawing/2015/9/8/chartex" Requires="cx1">
+      <mc:AlternateContent xmlns:mc="http://schemas.openxmlformats.org/markup-compatibility/2006" xmlns:cx1="http://schemas.microsoft.com/office/drawing/2015/9/8/chartex">
+        <mc:Choice Requires="cx1">
           <p:graphicFrame>
             <p:nvGraphicFramePr>
               <p:cNvPr id="5" name="图表 4">
@@ -21392,7 +22162,7 @@
             </a:graphic>
           </p:graphicFrame>
         </mc:Choice>
-        <mc:Fallback>
+        <mc:Fallback xmlns="">
           <p:pic>
             <p:nvPicPr>
               <p:cNvPr id="5" name="图表 4">
@@ -21476,7 +22246,7 @@
           <p:nvPr>
             <p:extLst>
               <p:ext uri="{D42A27DB-BD31-4B8C-83A1-F6EECF244321}">
-                <p14:modId xmlns:p14="http://schemas.microsoft.com/office/powerpoint/2010/main" val="3747137087"/>
+                <p14:modId xmlns:p14="http://schemas.microsoft.com/office/powerpoint/2010/main" val="2494323389"/>
               </p:ext>
             </p:extLst>
           </p:nvPr>
@@ -21763,6 +22533,10 @@
                     <a:lstStyle/>
                     <a:p>
                       <a:pPr algn="ctr"/>
+                      <a:r>
+                        <a:rPr lang="en-US" altLang="zh-CN" dirty="0"/>
+                        <a:t>5</a:t>
+                      </a:r>
                       <a:endParaRPr lang="zh-CN" altLang="en-US" dirty="0"/>
                     </a:p>
                   </a:txBody>
@@ -22910,7 +23684,7 @@
           <a:p>
             <a:r>
               <a:rPr lang="en-US" altLang="zh-CN" dirty="0"/>
-              <a:t>Pop: 5</a:t>
+              <a:t>Pop: 6</a:t>
             </a:r>
           </a:p>
           <a:p>
@@ -22924,19 +23698,19 @@
             </a:r>
             <a:r>
               <a:rPr lang="en-US" altLang="zh-CN" dirty="0"/>
-              <a:t> – 5 = 2</a:t>
+              <a:t> – 6 = 1</a:t>
             </a:r>
           </a:p>
           <a:p>
             <a:r>
               <a:rPr lang="en-US" altLang="zh-CN" dirty="0"/>
-              <a:t>Height: Input[5] = 2</a:t>
+              <a:t>Height: Input[6] = 2</a:t>
             </a:r>
           </a:p>
           <a:p>
             <a:r>
               <a:rPr lang="en-US" altLang="zh-CN" dirty="0"/>
-              <a:t>Area: 4</a:t>
+              <a:t>Area: 2</a:t>
             </a:r>
             <a:endParaRPr lang="zh-CN" altLang="en-US" dirty="0"/>
           </a:p>
@@ -22944,10 +23718,10 @@
       </p:sp>
       <p:sp>
         <p:nvSpPr>
-          <p:cNvPr id="15" name="文本框 14">
+          <p:cNvPr id="14" name="文本框 13">
             <a:extLst>
               <a:ext uri="{FF2B5EF4-FFF2-40B4-BE49-F238E27FC236}">
-                <a16:creationId xmlns:a16="http://schemas.microsoft.com/office/drawing/2014/main" id="{463C994C-E796-419B-8428-07E9ACC09460}"/>
+                <a16:creationId xmlns:a16="http://schemas.microsoft.com/office/drawing/2014/main" id="{9F8AEA92-8313-42D3-8E5F-ED764DBB9A51}"/>
               </a:ext>
             </a:extLst>
           </p:cNvPr>
@@ -22956,8 +23730,8 @@
         </p:nvSpPr>
         <p:spPr>
           <a:xfrm>
-            <a:off x="8280403" y="2790443"/>
-            <a:ext cx="3296079" cy="2308324"/>
+            <a:off x="8138360" y="2701666"/>
+            <a:ext cx="3766595" cy="2308324"/>
           </a:xfrm>
           <a:prstGeom prst="rect">
             <a:avLst/>
@@ -22987,7 +23761,26 @@
               <a:rPr lang="en-US" altLang="zh-CN" b="1" dirty="0" err="1"/>
               <a:t>stack.empty</a:t>
             </a:r>
-            <a:endParaRPr lang="en-US" altLang="zh-CN" b="1" dirty="0"/>
+            <a:r>
+              <a:rPr lang="en-US" altLang="zh-CN" b="1" dirty="0"/>
+              <a:t> || </a:t>
+            </a:r>
+            <a:r>
+              <a:rPr lang="en-US" altLang="zh-CN" b="1" dirty="0" err="1"/>
+              <a:t>i</a:t>
+            </a:r>
+            <a:r>
+              <a:rPr lang="en-US" altLang="zh-CN" b="1" dirty="0"/>
+              <a:t>&lt;</a:t>
+            </a:r>
+            <a:r>
+              <a:rPr lang="en-US" altLang="zh-CN" b="1" dirty="0" err="1"/>
+              <a:t>input.length</a:t>
+            </a:r>
+            <a:r>
+              <a:rPr lang="en-US" altLang="zh-CN" b="1" dirty="0"/>
+              <a:t> </a:t>
+            </a:r>
           </a:p>
           <a:p>
             <a:r>
@@ -23046,7 +23839,7 @@
             </a:r>
             <a:r>
               <a:rPr lang="en-US" altLang="zh-CN" b="1" dirty="0"/>
-              <a:t>++</a:t>
+              <a:t>++;</a:t>
             </a:r>
           </a:p>
           <a:p>
@@ -23072,7 +23865,7 @@
     </p:spTree>
     <p:extLst>
       <p:ext uri="{BB962C8B-B14F-4D97-AF65-F5344CB8AC3E}">
-        <p14:creationId xmlns:p14="http://schemas.microsoft.com/office/powerpoint/2010/main" val="3001621631"/>
+        <p14:creationId xmlns:p14="http://schemas.microsoft.com/office/powerpoint/2010/main" val="712444712"/>
       </p:ext>
     </p:extLst>
   </p:cSld>
@@ -23099,8 +23892,8 @@
           <a:chExt cx="0" cy="0"/>
         </a:xfrm>
       </p:grpSpPr>
-      <mc:AlternateContent xmlns:mc="http://schemas.openxmlformats.org/markup-compatibility/2006">
-        <mc:Choice xmlns:cx1="http://schemas.microsoft.com/office/drawing/2015/9/8/chartex" Requires="cx1">
+      <mc:AlternateContent xmlns:mc="http://schemas.openxmlformats.org/markup-compatibility/2006" xmlns:cx1="http://schemas.microsoft.com/office/drawing/2015/9/8/chartex">
+        <mc:Choice Requires="cx1">
           <p:graphicFrame>
             <p:nvGraphicFramePr>
               <p:cNvPr id="5" name="图表 4">
@@ -23126,7 +23919,7 @@
             </a:graphic>
           </p:graphicFrame>
         </mc:Choice>
-        <mc:Fallback>
+        <mc:Fallback xmlns="">
           <p:pic>
             <p:nvPicPr>
               <p:cNvPr id="5" name="图表 4">
@@ -23210,7 +24003,7 @@
           <p:nvPr>
             <p:extLst>
               <p:ext uri="{D42A27DB-BD31-4B8C-83A1-F6EECF244321}">
-                <p14:modId xmlns:p14="http://schemas.microsoft.com/office/powerpoint/2010/main" val="1483920605"/>
+                <p14:modId xmlns:p14="http://schemas.microsoft.com/office/powerpoint/2010/main" val="3747137087"/>
               </p:ext>
             </p:extLst>
           </p:nvPr>
@@ -23561,6 +24354,10 @@
                     <a:lstStyle/>
                     <a:p>
                       <a:pPr algn="ctr"/>
+                      <a:r>
+                        <a:rPr lang="en-US" altLang="zh-CN" dirty="0"/>
+                        <a:t>2</a:t>
+                      </a:r>
                       <a:endParaRPr lang="zh-CN" altLang="en-US" dirty="0"/>
                     </a:p>
                   </a:txBody>
@@ -24568,7 +25365,7 @@
         <p:spPr>
           <a:xfrm>
             <a:off x="6893467" y="1005811"/>
-            <a:ext cx="1140056" cy="369332"/>
+            <a:ext cx="1018227" cy="369332"/>
           </a:xfrm>
           <a:prstGeom prst="rect">
             <a:avLst/>
@@ -24595,7 +25392,7 @@
                   <a:srgbClr val="FF0000"/>
                 </a:solidFill>
               </a:rPr>
-              <a:t>10</a:t>
+              <a:t>6</a:t>
             </a:r>
             <a:endParaRPr lang="zh-CN" altLang="en-US" dirty="0">
               <a:solidFill>
@@ -24640,7 +25437,7 @@
           <a:p>
             <a:r>
               <a:rPr lang="en-US" altLang="zh-CN" dirty="0"/>
-              <a:t>Pop: 2</a:t>
+              <a:t>Pop: 5</a:t>
             </a:r>
           </a:p>
           <a:p>
@@ -24654,19 +25451,19 @@
             </a:r>
             <a:r>
               <a:rPr lang="en-US" altLang="zh-CN" dirty="0"/>
-              <a:t> – 2 = 5</a:t>
+              <a:t> – 5 = 2</a:t>
             </a:r>
           </a:p>
           <a:p>
             <a:r>
               <a:rPr lang="en-US" altLang="zh-CN" dirty="0"/>
-              <a:t>Height: Input[2] = 2</a:t>
+              <a:t>Height: Input[5] = 2</a:t>
             </a:r>
           </a:p>
           <a:p>
             <a:r>
               <a:rPr lang="en-US" altLang="zh-CN" dirty="0"/>
-              <a:t>Area: 10</a:t>
+              <a:t>Area: 4</a:t>
             </a:r>
             <a:endParaRPr lang="zh-CN" altLang="en-US" dirty="0"/>
           </a:p>
@@ -24674,10 +25471,10 @@
       </p:sp>
       <p:sp>
         <p:nvSpPr>
-          <p:cNvPr id="15" name="文本框 14">
+          <p:cNvPr id="14" name="文本框 13">
             <a:extLst>
               <a:ext uri="{FF2B5EF4-FFF2-40B4-BE49-F238E27FC236}">
-                <a16:creationId xmlns:a16="http://schemas.microsoft.com/office/drawing/2014/main" id="{95AE99B1-3E37-4D19-8D39-9D0085C51F79}"/>
+                <a16:creationId xmlns:a16="http://schemas.microsoft.com/office/drawing/2014/main" id="{3AAF74DC-EC1D-420A-9EE1-FFCEB678FFD7}"/>
               </a:ext>
             </a:extLst>
           </p:cNvPr>
@@ -24686,8 +25483,8 @@
         </p:nvSpPr>
         <p:spPr>
           <a:xfrm>
-            <a:off x="8280403" y="2790443"/>
-            <a:ext cx="3296079" cy="2308324"/>
+            <a:off x="8138360" y="2701666"/>
+            <a:ext cx="3766595" cy="2308324"/>
           </a:xfrm>
           <a:prstGeom prst="rect">
             <a:avLst/>
@@ -24717,7 +25514,26 @@
               <a:rPr lang="en-US" altLang="zh-CN" b="1" dirty="0" err="1"/>
               <a:t>stack.empty</a:t>
             </a:r>
-            <a:endParaRPr lang="en-US" altLang="zh-CN" b="1" dirty="0"/>
+            <a:r>
+              <a:rPr lang="en-US" altLang="zh-CN" b="1" dirty="0"/>
+              <a:t> || </a:t>
+            </a:r>
+            <a:r>
+              <a:rPr lang="en-US" altLang="zh-CN" b="1" dirty="0" err="1"/>
+              <a:t>i</a:t>
+            </a:r>
+            <a:r>
+              <a:rPr lang="en-US" altLang="zh-CN" b="1" dirty="0"/>
+              <a:t>&lt;</a:t>
+            </a:r>
+            <a:r>
+              <a:rPr lang="en-US" altLang="zh-CN" b="1" dirty="0" err="1"/>
+              <a:t>input.length</a:t>
+            </a:r>
+            <a:r>
+              <a:rPr lang="en-US" altLang="zh-CN" b="1" dirty="0"/>
+              <a:t> </a:t>
+            </a:r>
           </a:p>
           <a:p>
             <a:r>
@@ -24776,7 +25592,7 @@
             </a:r>
             <a:r>
               <a:rPr lang="en-US" altLang="zh-CN" b="1" dirty="0"/>
-              <a:t>++</a:t>
+              <a:t>++;</a:t>
             </a:r>
           </a:p>
           <a:p>
@@ -24802,7 +25618,7 @@
     </p:spTree>
     <p:extLst>
       <p:ext uri="{BB962C8B-B14F-4D97-AF65-F5344CB8AC3E}">
-        <p14:creationId xmlns:p14="http://schemas.microsoft.com/office/powerpoint/2010/main" val="384397477"/>
+        <p14:creationId xmlns:p14="http://schemas.microsoft.com/office/powerpoint/2010/main" val="3001621631"/>
       </p:ext>
     </p:extLst>
   </p:cSld>
@@ -24829,8 +25645,8 @@
           <a:chExt cx="0" cy="0"/>
         </a:xfrm>
       </p:grpSpPr>
-      <mc:AlternateContent xmlns:mc="http://schemas.openxmlformats.org/markup-compatibility/2006">
-        <mc:Choice xmlns:cx1="http://schemas.microsoft.com/office/drawing/2015/9/8/chartex" Requires="cx1">
+      <mc:AlternateContent xmlns:mc="http://schemas.openxmlformats.org/markup-compatibility/2006" xmlns:cx1="http://schemas.microsoft.com/office/drawing/2015/9/8/chartex">
+        <mc:Choice Requires="cx1">
           <p:graphicFrame>
             <p:nvGraphicFramePr>
               <p:cNvPr id="5" name="图表 4">
@@ -24856,7 +25672,7 @@
             </a:graphic>
           </p:graphicFrame>
         </mc:Choice>
-        <mc:Fallback>
+        <mc:Fallback xmlns="">
           <p:pic>
             <p:nvPicPr>
               <p:cNvPr id="5" name="图表 4">
@@ -24904,7 +25720,7 @@
         <p:spPr>
           <a:xfrm>
             <a:off x="1495548" y="5216344"/>
-            <a:ext cx="4668266" cy="307777"/>
+            <a:ext cx="4320413" cy="307777"/>
           </a:xfrm>
           <a:prstGeom prst="rect">
             <a:avLst/>
@@ -24919,7 +25735,7 @@
           <a:p>
             <a:r>
               <a:rPr lang="en-US" altLang="zh-CN" sz="1400" dirty="0"/>
-              <a:t>0         1         2         3         4          5          6         7        8</a:t>
+              <a:t>0         1         2         3         4          5          6         7</a:t>
             </a:r>
             <a:endParaRPr lang="zh-CN" altLang="en-US" sz="1400" dirty="0"/>
           </a:p>
@@ -24940,7 +25756,7 @@
           <p:nvPr>
             <p:extLst>
               <p:ext uri="{D42A27DB-BD31-4B8C-83A1-F6EECF244321}">
-                <p14:modId xmlns:p14="http://schemas.microsoft.com/office/powerpoint/2010/main" val="2633213212"/>
+                <p14:modId xmlns:p14="http://schemas.microsoft.com/office/powerpoint/2010/main" val="1483920605"/>
               </p:ext>
             </p:extLst>
           </p:nvPr>
@@ -25291,10 +26107,6 @@
                     <a:lstStyle/>
                     <a:p>
                       <a:pPr algn="ctr"/>
-                      <a:r>
-                        <a:rPr lang="en-US" altLang="zh-CN" dirty="0"/>
-                        <a:t>7</a:t>
-                      </a:r>
                       <a:endParaRPr lang="zh-CN" altLang="en-US" dirty="0"/>
                     </a:p>
                   </a:txBody>
@@ -26159,7 +26971,7 @@
         </p:nvSpPr>
         <p:spPr>
           <a:xfrm>
-            <a:off x="5890452" y="5665459"/>
+            <a:off x="5387750" y="5655254"/>
             <a:ext cx="161158" cy="138930"/>
           </a:xfrm>
           <a:prstGeom prst="triangle">
@@ -26213,7 +27025,7 @@
         </p:nvSpPr>
         <p:spPr>
           <a:xfrm>
-            <a:off x="5860038" y="5789143"/>
+            <a:off x="5357336" y="5778938"/>
             <a:ext cx="235962" cy="369332"/>
           </a:xfrm>
           <a:prstGeom prst="rect">
@@ -26354,7 +27166,7 @@
         <p:spPr>
           <a:xfrm>
             <a:off x="8280403" y="999568"/>
-            <a:ext cx="3296078" cy="369332"/>
+            <a:ext cx="3296078" cy="1200329"/>
           </a:xfrm>
           <a:prstGeom prst="rect">
             <a:avLst/>
@@ -26374,7 +27186,33 @@
           <a:p>
             <a:r>
               <a:rPr lang="en-US" altLang="zh-CN" dirty="0"/>
-              <a:t>Push: 7</a:t>
+              <a:t>Pop: 2</a:t>
+            </a:r>
+          </a:p>
+          <a:p>
+            <a:r>
+              <a:rPr lang="en-US" altLang="zh-CN" dirty="0"/>
+              <a:t>Length: </a:t>
+            </a:r>
+            <a:r>
+              <a:rPr lang="en-US" altLang="zh-CN" dirty="0" err="1"/>
+              <a:t>i</a:t>
+            </a:r>
+            <a:r>
+              <a:rPr lang="en-US" altLang="zh-CN" dirty="0"/>
+              <a:t> – 2 = 5</a:t>
+            </a:r>
+          </a:p>
+          <a:p>
+            <a:r>
+              <a:rPr lang="en-US" altLang="zh-CN" dirty="0"/>
+              <a:t>Height: Input[2] = 2</a:t>
+            </a:r>
+          </a:p>
+          <a:p>
+            <a:r>
+              <a:rPr lang="en-US" altLang="zh-CN" dirty="0"/>
+              <a:t>Area: 10</a:t>
             </a:r>
             <a:endParaRPr lang="zh-CN" altLang="en-US" dirty="0"/>
           </a:p>
@@ -26382,10 +27220,10 @@
       </p:sp>
       <p:sp>
         <p:nvSpPr>
-          <p:cNvPr id="15" name="文本框 14">
+          <p:cNvPr id="14" name="文本框 13">
             <a:extLst>
               <a:ext uri="{FF2B5EF4-FFF2-40B4-BE49-F238E27FC236}">
-                <a16:creationId xmlns:a16="http://schemas.microsoft.com/office/drawing/2014/main" id="{CF0913E9-F6A6-4E71-9F68-32224E92EF94}"/>
+                <a16:creationId xmlns:a16="http://schemas.microsoft.com/office/drawing/2014/main" id="{0B43F129-097C-4BB2-82C8-8209C4685302}"/>
               </a:ext>
             </a:extLst>
           </p:cNvPr>
@@ -26394,8 +27232,8 @@
         </p:nvSpPr>
         <p:spPr>
           <a:xfrm>
-            <a:off x="8280403" y="2790443"/>
-            <a:ext cx="3296079" cy="2308324"/>
+            <a:off x="8138360" y="2701666"/>
+            <a:ext cx="3766595" cy="2308324"/>
           </a:xfrm>
           <a:prstGeom prst="rect">
             <a:avLst/>
@@ -26425,7 +27263,26 @@
               <a:rPr lang="en-US" altLang="zh-CN" b="1" dirty="0" err="1"/>
               <a:t>stack.empty</a:t>
             </a:r>
-            <a:endParaRPr lang="en-US" altLang="zh-CN" b="1" dirty="0"/>
+            <a:r>
+              <a:rPr lang="en-US" altLang="zh-CN" b="1" dirty="0"/>
+              <a:t> || </a:t>
+            </a:r>
+            <a:r>
+              <a:rPr lang="en-US" altLang="zh-CN" b="1" dirty="0" err="1"/>
+              <a:t>i</a:t>
+            </a:r>
+            <a:r>
+              <a:rPr lang="en-US" altLang="zh-CN" b="1" dirty="0"/>
+              <a:t>&lt;</a:t>
+            </a:r>
+            <a:r>
+              <a:rPr lang="en-US" altLang="zh-CN" b="1" dirty="0" err="1"/>
+              <a:t>input.length</a:t>
+            </a:r>
+            <a:r>
+              <a:rPr lang="en-US" altLang="zh-CN" b="1" dirty="0"/>
+              <a:t> </a:t>
+            </a:r>
           </a:p>
           <a:p>
             <a:r>
@@ -26484,7 +27341,7 @@
             </a:r>
             <a:r>
               <a:rPr lang="en-US" altLang="zh-CN" b="1" dirty="0"/>
-              <a:t>++</a:t>
+              <a:t>++;</a:t>
             </a:r>
           </a:p>
           <a:p>
@@ -26510,7 +27367,7 @@
     </p:spTree>
     <p:extLst>
       <p:ext uri="{BB962C8B-B14F-4D97-AF65-F5344CB8AC3E}">
-        <p14:creationId xmlns:p14="http://schemas.microsoft.com/office/powerpoint/2010/main" val="2652736641"/>
+        <p14:creationId xmlns:p14="http://schemas.microsoft.com/office/powerpoint/2010/main" val="384397477"/>
       </p:ext>
     </p:extLst>
   </p:cSld>
@@ -26537,8 +27394,8 @@
           <a:chExt cx="0" cy="0"/>
         </a:xfrm>
       </p:grpSpPr>
-      <mc:AlternateContent xmlns:mc="http://schemas.openxmlformats.org/markup-compatibility/2006">
-        <mc:Choice xmlns:cx1="http://schemas.microsoft.com/office/drawing/2015/9/8/chartex" Requires="cx1">
+      <mc:AlternateContent xmlns:mc="http://schemas.openxmlformats.org/markup-compatibility/2006" xmlns:cx1="http://schemas.microsoft.com/office/drawing/2015/9/8/chartex">
+        <mc:Choice Requires="cx1">
           <p:graphicFrame>
             <p:nvGraphicFramePr>
               <p:cNvPr id="5" name="图表 4">
@@ -26564,7 +27421,7 @@
             </a:graphic>
           </p:graphicFrame>
         </mc:Choice>
-        <mc:Fallback>
+        <mc:Fallback xmlns="">
           <p:pic>
             <p:nvPicPr>
               <p:cNvPr id="5" name="图表 4">
@@ -26648,7 +27505,7 @@
           <p:nvPr>
             <p:extLst>
               <p:ext uri="{D42A27DB-BD31-4B8C-83A1-F6EECF244321}">
-                <p14:modId xmlns:p14="http://schemas.microsoft.com/office/powerpoint/2010/main" val="353676296"/>
+                <p14:modId xmlns:p14="http://schemas.microsoft.com/office/powerpoint/2010/main" val="2633213212"/>
               </p:ext>
             </p:extLst>
           </p:nvPr>
@@ -26999,6 +27856,10 @@
                     <a:lstStyle/>
                     <a:p>
                       <a:pPr algn="ctr"/>
+                      <a:r>
+                        <a:rPr lang="en-US" altLang="zh-CN" dirty="0"/>
+                        <a:t>7</a:t>
+                      </a:r>
                       <a:endParaRPr lang="zh-CN" altLang="en-US" dirty="0"/>
                     </a:p>
                   </a:txBody>
@@ -28058,7 +28919,7 @@
         <p:spPr>
           <a:xfrm>
             <a:off x="8280403" y="999568"/>
-            <a:ext cx="3296078" cy="1200329"/>
+            <a:ext cx="3296078" cy="369332"/>
           </a:xfrm>
           <a:prstGeom prst="rect">
             <a:avLst/>
@@ -28078,33 +28939,7 @@
           <a:p>
             <a:r>
               <a:rPr lang="en-US" altLang="zh-CN" dirty="0"/>
-              <a:t>Pop: 7</a:t>
-            </a:r>
-          </a:p>
-          <a:p>
-            <a:r>
-              <a:rPr lang="en-US" altLang="zh-CN" dirty="0"/>
-              <a:t>Length: </a:t>
-            </a:r>
-            <a:r>
-              <a:rPr lang="en-US" altLang="zh-CN" dirty="0" err="1"/>
-              <a:t>i</a:t>
-            </a:r>
-            <a:r>
-              <a:rPr lang="en-US" altLang="zh-CN" dirty="0"/>
-              <a:t> – 7 = 1</a:t>
-            </a:r>
-          </a:p>
-          <a:p>
-            <a:r>
-              <a:rPr lang="en-US" altLang="zh-CN" dirty="0"/>
-              <a:t>Height: Input[7] = 1</a:t>
-            </a:r>
-          </a:p>
-          <a:p>
-            <a:r>
-              <a:rPr lang="en-US" altLang="zh-CN" dirty="0"/>
-              <a:t>Area: 1</a:t>
+              <a:t>Push: 7</a:t>
             </a:r>
             <a:endParaRPr lang="zh-CN" altLang="en-US" dirty="0"/>
           </a:p>
@@ -28112,10 +28947,10 @@
       </p:sp>
       <p:sp>
         <p:nvSpPr>
-          <p:cNvPr id="15" name="文本框 14">
+          <p:cNvPr id="14" name="文本框 13">
             <a:extLst>
               <a:ext uri="{FF2B5EF4-FFF2-40B4-BE49-F238E27FC236}">
-                <a16:creationId xmlns:a16="http://schemas.microsoft.com/office/drawing/2014/main" id="{8B71B177-161C-49B5-B13B-67A3B63C4FA8}"/>
+                <a16:creationId xmlns:a16="http://schemas.microsoft.com/office/drawing/2014/main" id="{32FB48F7-CF1E-4964-822B-2F8F549AADFD}"/>
               </a:ext>
             </a:extLst>
           </p:cNvPr>
@@ -28124,8 +28959,8 @@
         </p:nvSpPr>
         <p:spPr>
           <a:xfrm>
-            <a:off x="8280403" y="2790443"/>
-            <a:ext cx="3296079" cy="2308324"/>
+            <a:off x="8138360" y="2701666"/>
+            <a:ext cx="3766595" cy="2308324"/>
           </a:xfrm>
           <a:prstGeom prst="rect">
             <a:avLst/>
@@ -28155,7 +28990,26 @@
               <a:rPr lang="en-US" altLang="zh-CN" b="1" dirty="0" err="1"/>
               <a:t>stack.empty</a:t>
             </a:r>
-            <a:endParaRPr lang="en-US" altLang="zh-CN" b="1" dirty="0"/>
+            <a:r>
+              <a:rPr lang="en-US" altLang="zh-CN" b="1" dirty="0"/>
+              <a:t> || </a:t>
+            </a:r>
+            <a:r>
+              <a:rPr lang="en-US" altLang="zh-CN" b="1" dirty="0" err="1"/>
+              <a:t>i</a:t>
+            </a:r>
+            <a:r>
+              <a:rPr lang="en-US" altLang="zh-CN" b="1" dirty="0"/>
+              <a:t>&lt;</a:t>
+            </a:r>
+            <a:r>
+              <a:rPr lang="en-US" altLang="zh-CN" b="1" dirty="0" err="1"/>
+              <a:t>input.length</a:t>
+            </a:r>
+            <a:r>
+              <a:rPr lang="en-US" altLang="zh-CN" b="1" dirty="0"/>
+              <a:t> </a:t>
+            </a:r>
           </a:p>
           <a:p>
             <a:r>
@@ -28214,7 +29068,7 @@
             </a:r>
             <a:r>
               <a:rPr lang="en-US" altLang="zh-CN" b="1" dirty="0"/>
-              <a:t>++</a:t>
+              <a:t>++;</a:t>
             </a:r>
           </a:p>
           <a:p>
@@ -28240,7 +29094,7 @@
     </p:spTree>
     <p:extLst>
       <p:ext uri="{BB962C8B-B14F-4D97-AF65-F5344CB8AC3E}">
-        <p14:creationId xmlns:p14="http://schemas.microsoft.com/office/powerpoint/2010/main" val="703543020"/>
+        <p14:creationId xmlns:p14="http://schemas.microsoft.com/office/powerpoint/2010/main" val="2652736641"/>
       </p:ext>
     </p:extLst>
   </p:cSld>
@@ -28267,8 +29121,8 @@
           <a:chExt cx="0" cy="0"/>
         </a:xfrm>
       </p:grpSpPr>
-      <mc:AlternateContent xmlns:mc="http://schemas.openxmlformats.org/markup-compatibility/2006">
-        <mc:Choice xmlns:cx1="http://schemas.microsoft.com/office/drawing/2015/9/8/chartex" Requires="cx1">
+      <mc:AlternateContent xmlns:mc="http://schemas.openxmlformats.org/markup-compatibility/2006" xmlns:cx1="http://schemas.microsoft.com/office/drawing/2015/9/8/chartex">
+        <mc:Choice Requires="cx1">
           <p:graphicFrame>
             <p:nvGraphicFramePr>
               <p:cNvPr id="5" name="图表 4">
@@ -28294,7 +29148,7 @@
             </a:graphic>
           </p:graphicFrame>
         </mc:Choice>
-        <mc:Fallback>
+        <mc:Fallback xmlns="">
           <p:pic>
             <p:nvPicPr>
               <p:cNvPr id="5" name="图表 4">
@@ -28378,7 +29232,7 @@
           <p:nvPr>
             <p:extLst>
               <p:ext uri="{D42A27DB-BD31-4B8C-83A1-F6EECF244321}">
-                <p14:modId xmlns:p14="http://schemas.microsoft.com/office/powerpoint/2010/main" val="3607406866"/>
+                <p14:modId xmlns:p14="http://schemas.microsoft.com/office/powerpoint/2010/main" val="353676296"/>
               </p:ext>
             </p:extLst>
           </p:nvPr>
@@ -28793,6 +29647,10 @@
                     <a:lstStyle/>
                     <a:p>
                       <a:pPr algn="ctr"/>
+                      <a:r>
+                        <a:rPr lang="en-US" altLang="zh-CN" dirty="0"/>
+                        <a:t>1</a:t>
+                      </a:r>
                       <a:endParaRPr lang="zh-CN" altLang="en-US" dirty="0"/>
                     </a:p>
                   </a:txBody>
@@ -29804,7 +30662,7 @@
           <a:p>
             <a:r>
               <a:rPr lang="en-US" altLang="zh-CN" dirty="0"/>
-              <a:t>Pop: 1</a:t>
+              <a:t>Pop: 7</a:t>
             </a:r>
           </a:p>
           <a:p>
@@ -29818,19 +30676,19 @@
             </a:r>
             <a:r>
               <a:rPr lang="en-US" altLang="zh-CN" dirty="0"/>
-              <a:t> – 1 = 7</a:t>
+              <a:t> – 7 = 1</a:t>
             </a:r>
           </a:p>
           <a:p>
             <a:r>
               <a:rPr lang="en-US" altLang="zh-CN" dirty="0"/>
-              <a:t>Height: Input[1] = 1</a:t>
+              <a:t>Height: Input[7] = 1</a:t>
             </a:r>
           </a:p>
           <a:p>
             <a:r>
               <a:rPr lang="en-US" altLang="zh-CN" dirty="0"/>
-              <a:t>Area: 7</a:t>
+              <a:t>Area: 1</a:t>
             </a:r>
             <a:endParaRPr lang="zh-CN" altLang="en-US" dirty="0"/>
           </a:p>
@@ -29838,10 +30696,10 @@
       </p:sp>
       <p:sp>
         <p:nvSpPr>
-          <p:cNvPr id="15" name="文本框 14">
+          <p:cNvPr id="14" name="文本框 13">
             <a:extLst>
               <a:ext uri="{FF2B5EF4-FFF2-40B4-BE49-F238E27FC236}">
-                <a16:creationId xmlns:a16="http://schemas.microsoft.com/office/drawing/2014/main" id="{D38FF46F-568D-430F-86CD-022A9B86EE95}"/>
+                <a16:creationId xmlns:a16="http://schemas.microsoft.com/office/drawing/2014/main" id="{1303636B-F1EF-4E3C-8546-6B20A4151034}"/>
               </a:ext>
             </a:extLst>
           </p:cNvPr>
@@ -29850,8 +30708,8 @@
         </p:nvSpPr>
         <p:spPr>
           <a:xfrm>
-            <a:off x="8280403" y="2790443"/>
-            <a:ext cx="3296079" cy="2308324"/>
+            <a:off x="8138360" y="2701666"/>
+            <a:ext cx="3766595" cy="2308324"/>
           </a:xfrm>
           <a:prstGeom prst="rect">
             <a:avLst/>
@@ -29881,7 +30739,26 @@
               <a:rPr lang="en-US" altLang="zh-CN" b="1" dirty="0" err="1"/>
               <a:t>stack.empty</a:t>
             </a:r>
-            <a:endParaRPr lang="en-US" altLang="zh-CN" b="1" dirty="0"/>
+            <a:r>
+              <a:rPr lang="en-US" altLang="zh-CN" b="1" dirty="0"/>
+              <a:t> || </a:t>
+            </a:r>
+            <a:r>
+              <a:rPr lang="en-US" altLang="zh-CN" b="1" dirty="0" err="1"/>
+              <a:t>i</a:t>
+            </a:r>
+            <a:r>
+              <a:rPr lang="en-US" altLang="zh-CN" b="1" dirty="0"/>
+              <a:t>&lt;</a:t>
+            </a:r>
+            <a:r>
+              <a:rPr lang="en-US" altLang="zh-CN" b="1" dirty="0" err="1"/>
+              <a:t>input.length</a:t>
+            </a:r>
+            <a:r>
+              <a:rPr lang="en-US" altLang="zh-CN" b="1" dirty="0"/>
+              <a:t> </a:t>
+            </a:r>
           </a:p>
           <a:p>
             <a:r>
@@ -29940,7 +30817,7 @@
             </a:r>
             <a:r>
               <a:rPr lang="en-US" altLang="zh-CN" b="1" dirty="0"/>
-              <a:t>++</a:t>
+              <a:t>++;</a:t>
             </a:r>
           </a:p>
           <a:p>
@@ -29966,7 +30843,7 @@
     </p:spTree>
     <p:extLst>
       <p:ext uri="{BB962C8B-B14F-4D97-AF65-F5344CB8AC3E}">
-        <p14:creationId xmlns:p14="http://schemas.microsoft.com/office/powerpoint/2010/main" val="2663051086"/>
+        <p14:creationId xmlns:p14="http://schemas.microsoft.com/office/powerpoint/2010/main" val="703543020"/>
       </p:ext>
     </p:extLst>
   </p:cSld>
@@ -29993,8 +30870,8 @@
           <a:chExt cx="0" cy="0"/>
         </a:xfrm>
       </p:grpSpPr>
-      <mc:AlternateContent xmlns:mc="http://schemas.openxmlformats.org/markup-compatibility/2006">
-        <mc:Choice xmlns:cx1="http://schemas.microsoft.com/office/drawing/2015/9/8/chartex" Requires="cx1">
+      <mc:AlternateContent xmlns:mc="http://schemas.openxmlformats.org/markup-compatibility/2006" xmlns:cx1="http://schemas.microsoft.com/office/drawing/2015/9/8/chartex">
+        <mc:Choice Requires="cx1">
           <p:graphicFrame>
             <p:nvGraphicFramePr>
               <p:cNvPr id="5" name="图表 4">
@@ -30020,7 +30897,7 @@
             </a:graphic>
           </p:graphicFrame>
         </mc:Choice>
-        <mc:Fallback>
+        <mc:Fallback xmlns="">
           <p:pic>
             <p:nvPicPr>
               <p:cNvPr id="5" name="图表 4">
@@ -30104,7 +30981,7 @@
           <p:nvPr>
             <p:extLst>
               <p:ext uri="{D42A27DB-BD31-4B8C-83A1-F6EECF244321}">
-                <p14:modId xmlns:p14="http://schemas.microsoft.com/office/powerpoint/2010/main" val="2003355578"/>
+                <p14:modId xmlns:p14="http://schemas.microsoft.com/office/powerpoint/2010/main" val="3607406866"/>
               </p:ext>
             </p:extLst>
           </p:nvPr>
@@ -30583,6 +31460,10 @@
                     <a:lstStyle/>
                     <a:p>
                       <a:pPr algn="ctr"/>
+                      <a:r>
+                        <a:rPr lang="en-US" altLang="zh-CN" dirty="0"/>
+                        <a:t>0</a:t>
+                      </a:r>
                       <a:endParaRPr lang="zh-CN" altLang="en-US" dirty="0"/>
                     </a:p>
                   </a:txBody>
@@ -31526,7 +32407,7 @@
           <a:p>
             <a:r>
               <a:rPr lang="en-US" altLang="zh-CN" dirty="0"/>
-              <a:t>Pop: 0</a:t>
+              <a:t>Pop: 1</a:t>
             </a:r>
           </a:p>
           <a:p>
@@ -31540,19 +32421,19 @@
             </a:r>
             <a:r>
               <a:rPr lang="en-US" altLang="zh-CN" dirty="0"/>
-              <a:t> – 0 = 8</a:t>
+              <a:t> – 1 = 7</a:t>
             </a:r>
           </a:p>
           <a:p>
             <a:r>
               <a:rPr lang="en-US" altLang="zh-CN" dirty="0"/>
-              <a:t>Height: Input[0] = 1</a:t>
+              <a:t>Height: Input[1] = 1</a:t>
             </a:r>
           </a:p>
           <a:p>
             <a:r>
               <a:rPr lang="en-US" altLang="zh-CN" dirty="0"/>
-              <a:t>Area: 8</a:t>
+              <a:t>Area: 7</a:t>
             </a:r>
             <a:endParaRPr lang="zh-CN" altLang="en-US" dirty="0"/>
           </a:p>
@@ -31560,10 +32441,10 @@
       </p:sp>
       <p:sp>
         <p:nvSpPr>
-          <p:cNvPr id="16" name="文本框 15">
+          <p:cNvPr id="14" name="文本框 13">
             <a:extLst>
               <a:ext uri="{FF2B5EF4-FFF2-40B4-BE49-F238E27FC236}">
-                <a16:creationId xmlns:a16="http://schemas.microsoft.com/office/drawing/2014/main" id="{84E5CE7B-1E1C-46AE-BEF8-B3DC16454E67}"/>
+                <a16:creationId xmlns:a16="http://schemas.microsoft.com/office/drawing/2014/main" id="{3507CA12-F8AC-42DE-A829-233A59FBFC68}"/>
               </a:ext>
             </a:extLst>
           </p:cNvPr>
@@ -31572,8 +32453,8 @@
         </p:nvSpPr>
         <p:spPr>
           <a:xfrm>
-            <a:off x="8280403" y="2790443"/>
-            <a:ext cx="3296079" cy="2308324"/>
+            <a:off x="8138360" y="2701666"/>
+            <a:ext cx="3766595" cy="2308324"/>
           </a:xfrm>
           <a:prstGeom prst="rect">
             <a:avLst/>
@@ -31603,7 +32484,26 @@
               <a:rPr lang="en-US" altLang="zh-CN" b="1" dirty="0" err="1"/>
               <a:t>stack.empty</a:t>
             </a:r>
-            <a:endParaRPr lang="en-US" altLang="zh-CN" b="1" dirty="0"/>
+            <a:r>
+              <a:rPr lang="en-US" altLang="zh-CN" b="1" dirty="0"/>
+              <a:t> || </a:t>
+            </a:r>
+            <a:r>
+              <a:rPr lang="en-US" altLang="zh-CN" b="1" dirty="0" err="1"/>
+              <a:t>i</a:t>
+            </a:r>
+            <a:r>
+              <a:rPr lang="en-US" altLang="zh-CN" b="1" dirty="0"/>
+              <a:t>&lt;</a:t>
+            </a:r>
+            <a:r>
+              <a:rPr lang="en-US" altLang="zh-CN" b="1" dirty="0" err="1"/>
+              <a:t>input.length</a:t>
+            </a:r>
+            <a:r>
+              <a:rPr lang="en-US" altLang="zh-CN" b="1" dirty="0"/>
+              <a:t> </a:t>
+            </a:r>
           </a:p>
           <a:p>
             <a:r>
@@ -31662,7 +32562,1748 @@
             </a:r>
             <a:r>
               <a:rPr lang="en-US" altLang="zh-CN" b="1" dirty="0"/>
-              <a:t>++</a:t>
+              <a:t>++;</a:t>
+            </a:r>
+          </a:p>
+          <a:p>
+            <a:r>
+              <a:rPr lang="en-US" altLang="zh-CN" b="1" i="1" dirty="0"/>
+              <a:t>       Else</a:t>
+            </a:r>
+          </a:p>
+          <a:p>
+            <a:r>
+              <a:rPr lang="en-US" altLang="zh-CN" b="1" dirty="0"/>
+              <a:t>	pop;</a:t>
+            </a:r>
+          </a:p>
+          <a:p>
+            <a:r>
+              <a:rPr lang="en-US" altLang="zh-CN" b="1" dirty="0"/>
+              <a:t>	calculate the area;</a:t>
+            </a:r>
+          </a:p>
+        </p:txBody>
+      </p:sp>
+    </p:spTree>
+    <p:extLst>
+      <p:ext uri="{BB962C8B-B14F-4D97-AF65-F5344CB8AC3E}">
+        <p14:creationId xmlns:p14="http://schemas.microsoft.com/office/powerpoint/2010/main" val="2663051086"/>
+      </p:ext>
+    </p:extLst>
+  </p:cSld>
+  <p:clrMapOvr>
+    <a:masterClrMapping/>
+  </p:clrMapOvr>
+</p:sld>
+</file>
+
+<file path=ppt/slides/slide19.xml><?xml version="1.0" encoding="utf-8"?>
+<p:sld xmlns:a="http://schemas.openxmlformats.org/drawingml/2006/main" xmlns:r="http://schemas.openxmlformats.org/officeDocument/2006/relationships" xmlns:p="http://schemas.openxmlformats.org/presentationml/2006/main">
+  <p:cSld>
+    <p:spTree>
+      <p:nvGrpSpPr>
+        <p:cNvPr id="1" name=""/>
+        <p:cNvGrpSpPr/>
+        <p:nvPr/>
+      </p:nvGrpSpPr>
+      <p:grpSpPr>
+        <a:xfrm>
+          <a:off x="0" y="0"/>
+          <a:ext cx="0" cy="0"/>
+          <a:chOff x="0" y="0"/>
+          <a:chExt cx="0" cy="0"/>
+        </a:xfrm>
+      </p:grpSpPr>
+      <mc:AlternateContent xmlns:mc="http://schemas.openxmlformats.org/markup-compatibility/2006" xmlns:cx1="http://schemas.microsoft.com/office/drawing/2015/9/8/chartex">
+        <mc:Choice Requires="cx1">
+          <p:graphicFrame>
+            <p:nvGraphicFramePr>
+              <p:cNvPr id="5" name="图表 4">
+                <a:extLst>
+                  <a:ext uri="{FF2B5EF4-FFF2-40B4-BE49-F238E27FC236}">
+                    <a16:creationId xmlns:a16="http://schemas.microsoft.com/office/drawing/2014/main" id="{81BB3BA2-7DB9-499A-9167-16C6D9B3B87B}"/>
+                  </a:ext>
+                </a:extLst>
+              </p:cNvPr>
+              <p:cNvGraphicFramePr/>
+              <p:nvPr>
+                <p:extLst/>
+              </p:nvPr>
+            </p:nvGraphicFramePr>
+            <p:xfrm>
+              <a:off x="1077510" y="2241980"/>
+              <a:ext cx="4738451" cy="3128253"/>
+            </p:xfrm>
+            <a:graphic>
+              <a:graphicData uri="http://schemas.microsoft.com/office/drawing/2014/chartex">
+                <cx:chart xmlns:cx="http://schemas.microsoft.com/office/drawing/2014/chartex" xmlns:r="http://schemas.openxmlformats.org/officeDocument/2006/relationships" r:id="rId3"/>
+              </a:graphicData>
+            </a:graphic>
+          </p:graphicFrame>
+        </mc:Choice>
+        <mc:Fallback xmlns="">
+          <p:pic>
+            <p:nvPicPr>
+              <p:cNvPr id="5" name="图表 4">
+                <a:extLst>
+                  <a:ext uri="{FF2B5EF4-FFF2-40B4-BE49-F238E27FC236}">
+                    <a16:creationId xmlns:a16="http://schemas.microsoft.com/office/drawing/2014/main" id="{81BB3BA2-7DB9-499A-9167-16C6D9B3B87B}"/>
+                  </a:ext>
+                </a:extLst>
+              </p:cNvPr>
+              <p:cNvPicPr>
+                <a:picLocks noGrp="1" noRot="1" noChangeAspect="1" noMove="1" noResize="1" noEditPoints="1" noAdjustHandles="1" noChangeArrowheads="1" noChangeShapeType="1"/>
+              </p:cNvPicPr>
+              <p:nvPr/>
+            </p:nvPicPr>
+            <p:blipFill>
+              <a:blip r:embed="rId4"/>
+              <a:stretch>
+                <a:fillRect/>
+              </a:stretch>
+            </p:blipFill>
+            <p:spPr>
+              <a:xfrm>
+                <a:off x="1077510" y="2241980"/>
+                <a:ext cx="4738451" cy="3128253"/>
+              </a:xfrm>
+              <a:prstGeom prst="rect">
+                <a:avLst/>
+              </a:prstGeom>
+            </p:spPr>
+          </p:pic>
+        </mc:Fallback>
+      </mc:AlternateContent>
+      <p:sp>
+        <p:nvSpPr>
+          <p:cNvPr id="7" name="文本框 6">
+            <a:extLst>
+              <a:ext uri="{FF2B5EF4-FFF2-40B4-BE49-F238E27FC236}">
+                <a16:creationId xmlns:a16="http://schemas.microsoft.com/office/drawing/2014/main" id="{DB640E06-333E-434F-9E0A-DD270952951A}"/>
+              </a:ext>
+            </a:extLst>
+          </p:cNvPr>
+          <p:cNvSpPr txBox="1"/>
+          <p:nvPr/>
+        </p:nvSpPr>
+        <p:spPr>
+          <a:xfrm>
+            <a:off x="1495548" y="5216344"/>
+            <a:ext cx="4668266" cy="307777"/>
+          </a:xfrm>
+          <a:prstGeom prst="rect">
+            <a:avLst/>
+          </a:prstGeom>
+          <a:noFill/>
+        </p:spPr>
+        <p:txBody>
+          <a:bodyPr wrap="none" rtlCol="0">
+            <a:spAutoFit/>
+          </a:bodyPr>
+          <a:lstStyle/>
+          <a:p>
+            <a:r>
+              <a:rPr lang="en-US" altLang="zh-CN" sz="1400" dirty="0"/>
+              <a:t>0         1         2         3         4          5          6         7        8</a:t>
+            </a:r>
+            <a:endParaRPr lang="zh-CN" altLang="en-US" sz="1400" dirty="0"/>
+          </a:p>
+        </p:txBody>
+      </p:sp>
+      <p:graphicFrame>
+        <p:nvGraphicFramePr>
+          <p:cNvPr id="4" name="表格 3">
+            <a:extLst>
+              <a:ext uri="{FF2B5EF4-FFF2-40B4-BE49-F238E27FC236}">
+                <a16:creationId xmlns:a16="http://schemas.microsoft.com/office/drawing/2014/main" id="{0C5209EA-236B-4B56-87AC-4DBDE2A4BDD4}"/>
+              </a:ext>
+            </a:extLst>
+          </p:cNvPr>
+          <p:cNvGraphicFramePr>
+            <a:graphicFrameLocks noGrp="1"/>
+          </p:cNvGraphicFramePr>
+          <p:nvPr>
+            <p:extLst>
+              <p:ext uri="{D42A27DB-BD31-4B8C-83A1-F6EECF244321}">
+                <p14:modId xmlns:p14="http://schemas.microsoft.com/office/powerpoint/2010/main" val="2003355578"/>
+              </p:ext>
+            </p:extLst>
+          </p:nvPr>
+        </p:nvGraphicFramePr>
+        <p:xfrm>
+          <a:off x="7077316" y="1893913"/>
+          <a:ext cx="650531" cy="3630208"/>
+        </p:xfrm>
+        <a:graphic>
+          <a:graphicData uri="http://schemas.openxmlformats.org/drawingml/2006/table">
+            <a:tbl>
+              <a:tblPr firstRow="1" bandRow="1">
+                <a:tableStyleId>{5C22544A-7EE6-4342-B048-85BDC9FD1C3A}</a:tableStyleId>
+              </a:tblPr>
+              <a:tblGrid>
+                <a:gridCol w="650531">
+                  <a:extLst>
+                    <a:ext uri="{9D8B030D-6E8A-4147-A177-3AD203B41FA5}">
+                      <a16:colId xmlns:a16="http://schemas.microsoft.com/office/drawing/2014/main" val="747476275"/>
+                    </a:ext>
+                  </a:extLst>
+                </a:gridCol>
+              </a:tblGrid>
+              <a:tr h="453776">
+                <a:tc>
+                  <a:txBody>
+                    <a:bodyPr/>
+                    <a:lstStyle/>
+                    <a:p>
+                      <a:pPr algn="ctr"/>
+                      <a:endParaRPr lang="zh-CN" altLang="en-US" dirty="0"/>
+                    </a:p>
+                  </a:txBody>
+                  <a:tcPr>
+                    <a:lnL w="12700" cap="flat" cmpd="sng" algn="ctr">
+                      <a:solidFill>
+                        <a:schemeClr val="tx1"/>
+                      </a:solidFill>
+                      <a:prstDash val="solid"/>
+                      <a:round/>
+                      <a:headEnd type="none" w="med" len="med"/>
+                      <a:tailEnd type="none" w="med" len="med"/>
+                    </a:lnL>
+                    <a:lnR w="12700" cap="flat" cmpd="sng" algn="ctr">
+                      <a:solidFill>
+                        <a:schemeClr val="tx1"/>
+                      </a:solidFill>
+                      <a:prstDash val="solid"/>
+                      <a:round/>
+                      <a:headEnd type="none" w="med" len="med"/>
+                      <a:tailEnd type="none" w="med" len="med"/>
+                    </a:lnR>
+                    <a:lnT w="12700" cap="flat" cmpd="sng" algn="ctr">
+                      <a:solidFill>
+                        <a:schemeClr val="tx1"/>
+                      </a:solidFill>
+                      <a:prstDash val="solid"/>
+                      <a:round/>
+                      <a:headEnd type="none" w="med" len="med"/>
+                      <a:tailEnd type="none" w="med" len="med"/>
+                    </a:lnT>
+                    <a:lnB w="12700" cap="flat" cmpd="sng" algn="ctr">
+                      <a:solidFill>
+                        <a:schemeClr val="tx1"/>
+                      </a:solidFill>
+                      <a:prstDash val="solid"/>
+                      <a:round/>
+                      <a:headEnd type="none" w="med" len="med"/>
+                      <a:tailEnd type="none" w="med" len="med"/>
+                    </a:lnB>
+                    <a:lnTlToBr w="12700" cmpd="sng">
+                      <a:noFill/>
+                      <a:prstDash val="solid"/>
+                    </a:lnTlToBr>
+                    <a:lnBlToTr w="12700" cmpd="sng">
+                      <a:noFill/>
+                      <a:prstDash val="solid"/>
+                    </a:lnBlToTr>
+                    <a:noFill/>
+                  </a:tcPr>
+                </a:tc>
+                <a:extLst>
+                  <a:ext uri="{0D108BD9-81ED-4DB2-BD59-A6C34878D82A}">
+                    <a16:rowId xmlns:a16="http://schemas.microsoft.com/office/drawing/2014/main" val="927031039"/>
+                  </a:ext>
+                </a:extLst>
+              </a:tr>
+              <a:tr h="453776">
+                <a:tc>
+                  <a:txBody>
+                    <a:bodyPr/>
+                    <a:lstStyle/>
+                    <a:p>
+                      <a:pPr algn="ctr"/>
+                      <a:endParaRPr lang="zh-CN" altLang="en-US"/>
+                    </a:p>
+                  </a:txBody>
+                  <a:tcPr>
+                    <a:lnL w="12700" cap="flat" cmpd="sng" algn="ctr">
+                      <a:solidFill>
+                        <a:schemeClr val="tx1"/>
+                      </a:solidFill>
+                      <a:prstDash val="solid"/>
+                      <a:round/>
+                      <a:headEnd type="none" w="med" len="med"/>
+                      <a:tailEnd type="none" w="med" len="med"/>
+                    </a:lnL>
+                    <a:lnR w="12700" cap="flat" cmpd="sng" algn="ctr">
+                      <a:solidFill>
+                        <a:schemeClr val="tx1"/>
+                      </a:solidFill>
+                      <a:prstDash val="solid"/>
+                      <a:round/>
+                      <a:headEnd type="none" w="med" len="med"/>
+                      <a:tailEnd type="none" w="med" len="med"/>
+                    </a:lnR>
+                    <a:lnT w="12700" cap="flat" cmpd="sng" algn="ctr">
+                      <a:solidFill>
+                        <a:schemeClr val="tx1"/>
+                      </a:solidFill>
+                      <a:prstDash val="solid"/>
+                      <a:round/>
+                      <a:headEnd type="none" w="med" len="med"/>
+                      <a:tailEnd type="none" w="med" len="med"/>
+                    </a:lnT>
+                    <a:lnB w="12700" cap="flat" cmpd="sng" algn="ctr">
+                      <a:solidFill>
+                        <a:schemeClr val="tx1"/>
+                      </a:solidFill>
+                      <a:prstDash val="solid"/>
+                      <a:round/>
+                      <a:headEnd type="none" w="med" len="med"/>
+                      <a:tailEnd type="none" w="med" len="med"/>
+                    </a:lnB>
+                    <a:lnTlToBr w="12700" cmpd="sng">
+                      <a:noFill/>
+                      <a:prstDash val="solid"/>
+                    </a:lnTlToBr>
+                    <a:lnBlToTr w="12700" cmpd="sng">
+                      <a:noFill/>
+                      <a:prstDash val="solid"/>
+                    </a:lnBlToTr>
+                    <a:noFill/>
+                  </a:tcPr>
+                </a:tc>
+                <a:extLst>
+                  <a:ext uri="{0D108BD9-81ED-4DB2-BD59-A6C34878D82A}">
+                    <a16:rowId xmlns:a16="http://schemas.microsoft.com/office/drawing/2014/main" val="454964289"/>
+                  </a:ext>
+                </a:extLst>
+              </a:tr>
+              <a:tr h="453776">
+                <a:tc>
+                  <a:txBody>
+                    <a:bodyPr/>
+                    <a:lstStyle/>
+                    <a:p>
+                      <a:pPr algn="ctr"/>
+                      <a:endParaRPr lang="zh-CN" altLang="en-US"/>
+                    </a:p>
+                  </a:txBody>
+                  <a:tcPr>
+                    <a:lnL w="12700" cap="flat" cmpd="sng" algn="ctr">
+                      <a:solidFill>
+                        <a:schemeClr val="tx1"/>
+                      </a:solidFill>
+                      <a:prstDash val="solid"/>
+                      <a:round/>
+                      <a:headEnd type="none" w="med" len="med"/>
+                      <a:tailEnd type="none" w="med" len="med"/>
+                    </a:lnL>
+                    <a:lnR w="12700" cap="flat" cmpd="sng" algn="ctr">
+                      <a:solidFill>
+                        <a:schemeClr val="tx1"/>
+                      </a:solidFill>
+                      <a:prstDash val="solid"/>
+                      <a:round/>
+                      <a:headEnd type="none" w="med" len="med"/>
+                      <a:tailEnd type="none" w="med" len="med"/>
+                    </a:lnR>
+                    <a:lnT w="12700" cap="flat" cmpd="sng" algn="ctr">
+                      <a:solidFill>
+                        <a:schemeClr val="tx1"/>
+                      </a:solidFill>
+                      <a:prstDash val="solid"/>
+                      <a:round/>
+                      <a:headEnd type="none" w="med" len="med"/>
+                      <a:tailEnd type="none" w="med" len="med"/>
+                    </a:lnT>
+                    <a:lnB w="12700" cap="flat" cmpd="sng" algn="ctr">
+                      <a:solidFill>
+                        <a:schemeClr val="tx1"/>
+                      </a:solidFill>
+                      <a:prstDash val="solid"/>
+                      <a:round/>
+                      <a:headEnd type="none" w="med" len="med"/>
+                      <a:tailEnd type="none" w="med" len="med"/>
+                    </a:lnB>
+                    <a:lnTlToBr w="12700" cmpd="sng">
+                      <a:noFill/>
+                      <a:prstDash val="solid"/>
+                    </a:lnTlToBr>
+                    <a:lnBlToTr w="12700" cmpd="sng">
+                      <a:noFill/>
+                      <a:prstDash val="solid"/>
+                    </a:lnBlToTr>
+                    <a:noFill/>
+                  </a:tcPr>
+                </a:tc>
+                <a:extLst>
+                  <a:ext uri="{0D108BD9-81ED-4DB2-BD59-A6C34878D82A}">
+                    <a16:rowId xmlns:a16="http://schemas.microsoft.com/office/drawing/2014/main" val="1831324790"/>
+                  </a:ext>
+                </a:extLst>
+              </a:tr>
+              <a:tr h="453776">
+                <a:tc>
+                  <a:txBody>
+                    <a:bodyPr/>
+                    <a:lstStyle/>
+                    <a:p>
+                      <a:pPr algn="ctr"/>
+                      <a:endParaRPr lang="zh-CN" altLang="en-US" dirty="0"/>
+                    </a:p>
+                  </a:txBody>
+                  <a:tcPr>
+                    <a:lnL w="12700" cap="flat" cmpd="sng" algn="ctr">
+                      <a:solidFill>
+                        <a:schemeClr val="tx1"/>
+                      </a:solidFill>
+                      <a:prstDash val="solid"/>
+                      <a:round/>
+                      <a:headEnd type="none" w="med" len="med"/>
+                      <a:tailEnd type="none" w="med" len="med"/>
+                    </a:lnL>
+                    <a:lnR w="12700" cap="flat" cmpd="sng" algn="ctr">
+                      <a:solidFill>
+                        <a:schemeClr val="tx1"/>
+                      </a:solidFill>
+                      <a:prstDash val="solid"/>
+                      <a:round/>
+                      <a:headEnd type="none" w="med" len="med"/>
+                      <a:tailEnd type="none" w="med" len="med"/>
+                    </a:lnR>
+                    <a:lnT w="12700" cap="flat" cmpd="sng" algn="ctr">
+                      <a:solidFill>
+                        <a:schemeClr val="tx1"/>
+                      </a:solidFill>
+                      <a:prstDash val="solid"/>
+                      <a:round/>
+                      <a:headEnd type="none" w="med" len="med"/>
+                      <a:tailEnd type="none" w="med" len="med"/>
+                    </a:lnT>
+                    <a:lnB w="12700" cap="flat" cmpd="sng" algn="ctr">
+                      <a:solidFill>
+                        <a:schemeClr val="tx1"/>
+                      </a:solidFill>
+                      <a:prstDash val="solid"/>
+                      <a:round/>
+                      <a:headEnd type="none" w="med" len="med"/>
+                      <a:tailEnd type="none" w="med" len="med"/>
+                    </a:lnB>
+                    <a:lnTlToBr w="12700" cmpd="sng">
+                      <a:noFill/>
+                      <a:prstDash val="solid"/>
+                    </a:lnTlToBr>
+                    <a:lnBlToTr w="12700" cmpd="sng">
+                      <a:noFill/>
+                      <a:prstDash val="solid"/>
+                    </a:lnBlToTr>
+                    <a:noFill/>
+                  </a:tcPr>
+                </a:tc>
+                <a:extLst>
+                  <a:ext uri="{0D108BD9-81ED-4DB2-BD59-A6C34878D82A}">
+                    <a16:rowId xmlns:a16="http://schemas.microsoft.com/office/drawing/2014/main" val="2266001753"/>
+                  </a:ext>
+                </a:extLst>
+              </a:tr>
+              <a:tr h="453776">
+                <a:tc>
+                  <a:txBody>
+                    <a:bodyPr/>
+                    <a:lstStyle/>
+                    <a:p>
+                      <a:pPr algn="ctr"/>
+                      <a:endParaRPr lang="zh-CN" altLang="en-US" dirty="0"/>
+                    </a:p>
+                  </a:txBody>
+                  <a:tcPr>
+                    <a:lnL w="12700" cap="flat" cmpd="sng" algn="ctr">
+                      <a:solidFill>
+                        <a:schemeClr val="tx1"/>
+                      </a:solidFill>
+                      <a:prstDash val="solid"/>
+                      <a:round/>
+                      <a:headEnd type="none" w="med" len="med"/>
+                      <a:tailEnd type="none" w="med" len="med"/>
+                    </a:lnL>
+                    <a:lnR w="12700" cap="flat" cmpd="sng" algn="ctr">
+                      <a:solidFill>
+                        <a:schemeClr val="tx1"/>
+                      </a:solidFill>
+                      <a:prstDash val="solid"/>
+                      <a:round/>
+                      <a:headEnd type="none" w="med" len="med"/>
+                      <a:tailEnd type="none" w="med" len="med"/>
+                    </a:lnR>
+                    <a:lnT w="12700" cap="flat" cmpd="sng" algn="ctr">
+                      <a:solidFill>
+                        <a:schemeClr val="tx1"/>
+                      </a:solidFill>
+                      <a:prstDash val="solid"/>
+                      <a:round/>
+                      <a:headEnd type="none" w="med" len="med"/>
+                      <a:tailEnd type="none" w="med" len="med"/>
+                    </a:lnT>
+                    <a:lnB w="12700" cap="flat" cmpd="sng" algn="ctr">
+                      <a:solidFill>
+                        <a:schemeClr val="tx1"/>
+                      </a:solidFill>
+                      <a:prstDash val="solid"/>
+                      <a:round/>
+                      <a:headEnd type="none" w="med" len="med"/>
+                      <a:tailEnd type="none" w="med" len="med"/>
+                    </a:lnB>
+                    <a:lnTlToBr w="12700" cmpd="sng">
+                      <a:noFill/>
+                      <a:prstDash val="solid"/>
+                    </a:lnTlToBr>
+                    <a:lnBlToTr w="12700" cmpd="sng">
+                      <a:noFill/>
+                      <a:prstDash val="solid"/>
+                    </a:lnBlToTr>
+                    <a:noFill/>
+                  </a:tcPr>
+                </a:tc>
+                <a:extLst>
+                  <a:ext uri="{0D108BD9-81ED-4DB2-BD59-A6C34878D82A}">
+                    <a16:rowId xmlns:a16="http://schemas.microsoft.com/office/drawing/2014/main" val="2819645757"/>
+                  </a:ext>
+                </a:extLst>
+              </a:tr>
+              <a:tr h="453776">
+                <a:tc>
+                  <a:txBody>
+                    <a:bodyPr/>
+                    <a:lstStyle/>
+                    <a:p>
+                      <a:pPr algn="ctr"/>
+                      <a:endParaRPr lang="zh-CN" altLang="en-US" dirty="0"/>
+                    </a:p>
+                  </a:txBody>
+                  <a:tcPr>
+                    <a:lnL w="12700" cap="flat" cmpd="sng" algn="ctr">
+                      <a:solidFill>
+                        <a:schemeClr val="tx1"/>
+                      </a:solidFill>
+                      <a:prstDash val="solid"/>
+                      <a:round/>
+                      <a:headEnd type="none" w="med" len="med"/>
+                      <a:tailEnd type="none" w="med" len="med"/>
+                    </a:lnL>
+                    <a:lnR w="12700" cap="flat" cmpd="sng" algn="ctr">
+                      <a:solidFill>
+                        <a:schemeClr val="tx1"/>
+                      </a:solidFill>
+                      <a:prstDash val="solid"/>
+                      <a:round/>
+                      <a:headEnd type="none" w="med" len="med"/>
+                      <a:tailEnd type="none" w="med" len="med"/>
+                    </a:lnR>
+                    <a:lnT w="12700" cap="flat" cmpd="sng" algn="ctr">
+                      <a:solidFill>
+                        <a:schemeClr val="tx1"/>
+                      </a:solidFill>
+                      <a:prstDash val="solid"/>
+                      <a:round/>
+                      <a:headEnd type="none" w="med" len="med"/>
+                      <a:tailEnd type="none" w="med" len="med"/>
+                    </a:lnT>
+                    <a:lnB w="12700" cap="flat" cmpd="sng" algn="ctr">
+                      <a:solidFill>
+                        <a:schemeClr val="tx1"/>
+                      </a:solidFill>
+                      <a:prstDash val="solid"/>
+                      <a:round/>
+                      <a:headEnd type="none" w="med" len="med"/>
+                      <a:tailEnd type="none" w="med" len="med"/>
+                    </a:lnB>
+                    <a:lnTlToBr w="12700" cmpd="sng">
+                      <a:noFill/>
+                      <a:prstDash val="solid"/>
+                    </a:lnTlToBr>
+                    <a:lnBlToTr w="12700" cmpd="sng">
+                      <a:noFill/>
+                      <a:prstDash val="solid"/>
+                    </a:lnBlToTr>
+                    <a:noFill/>
+                  </a:tcPr>
+                </a:tc>
+                <a:extLst>
+                  <a:ext uri="{0D108BD9-81ED-4DB2-BD59-A6C34878D82A}">
+                    <a16:rowId xmlns:a16="http://schemas.microsoft.com/office/drawing/2014/main" val="181770505"/>
+                  </a:ext>
+                </a:extLst>
+              </a:tr>
+              <a:tr h="453776">
+                <a:tc>
+                  <a:txBody>
+                    <a:bodyPr/>
+                    <a:lstStyle/>
+                    <a:p>
+                      <a:pPr algn="ctr"/>
+                      <a:endParaRPr lang="zh-CN" altLang="en-US" dirty="0"/>
+                    </a:p>
+                  </a:txBody>
+                  <a:tcPr>
+                    <a:lnL w="12700" cap="flat" cmpd="sng" algn="ctr">
+                      <a:solidFill>
+                        <a:schemeClr val="tx1"/>
+                      </a:solidFill>
+                      <a:prstDash val="solid"/>
+                      <a:round/>
+                      <a:headEnd type="none" w="med" len="med"/>
+                      <a:tailEnd type="none" w="med" len="med"/>
+                    </a:lnL>
+                    <a:lnR w="12700" cap="flat" cmpd="sng" algn="ctr">
+                      <a:solidFill>
+                        <a:schemeClr val="tx1"/>
+                      </a:solidFill>
+                      <a:prstDash val="solid"/>
+                      <a:round/>
+                      <a:headEnd type="none" w="med" len="med"/>
+                      <a:tailEnd type="none" w="med" len="med"/>
+                    </a:lnR>
+                    <a:lnT w="12700" cap="flat" cmpd="sng" algn="ctr">
+                      <a:solidFill>
+                        <a:schemeClr val="tx1"/>
+                      </a:solidFill>
+                      <a:prstDash val="solid"/>
+                      <a:round/>
+                      <a:headEnd type="none" w="med" len="med"/>
+                      <a:tailEnd type="none" w="med" len="med"/>
+                    </a:lnT>
+                    <a:lnB w="12700" cap="flat" cmpd="sng" algn="ctr">
+                      <a:solidFill>
+                        <a:schemeClr val="tx1"/>
+                      </a:solidFill>
+                      <a:prstDash val="solid"/>
+                      <a:round/>
+                      <a:headEnd type="none" w="med" len="med"/>
+                      <a:tailEnd type="none" w="med" len="med"/>
+                    </a:lnB>
+                    <a:lnTlToBr w="12700" cmpd="sng">
+                      <a:noFill/>
+                      <a:prstDash val="solid"/>
+                    </a:lnTlToBr>
+                    <a:lnBlToTr w="12700" cmpd="sng">
+                      <a:noFill/>
+                      <a:prstDash val="solid"/>
+                    </a:lnBlToTr>
+                    <a:noFill/>
+                  </a:tcPr>
+                </a:tc>
+                <a:extLst>
+                  <a:ext uri="{0D108BD9-81ED-4DB2-BD59-A6C34878D82A}">
+                    <a16:rowId xmlns:a16="http://schemas.microsoft.com/office/drawing/2014/main" val="3720436668"/>
+                  </a:ext>
+                </a:extLst>
+              </a:tr>
+              <a:tr h="453776">
+                <a:tc>
+                  <a:txBody>
+                    <a:bodyPr/>
+                    <a:lstStyle/>
+                    <a:p>
+                      <a:pPr algn="ctr"/>
+                      <a:endParaRPr lang="zh-CN" altLang="en-US" dirty="0"/>
+                    </a:p>
+                  </a:txBody>
+                  <a:tcPr>
+                    <a:lnL w="12700" cap="flat" cmpd="sng" algn="ctr">
+                      <a:solidFill>
+                        <a:schemeClr val="tx1"/>
+                      </a:solidFill>
+                      <a:prstDash val="solid"/>
+                      <a:round/>
+                      <a:headEnd type="none" w="med" len="med"/>
+                      <a:tailEnd type="none" w="med" len="med"/>
+                    </a:lnL>
+                    <a:lnR w="12700" cap="flat" cmpd="sng" algn="ctr">
+                      <a:solidFill>
+                        <a:schemeClr val="tx1"/>
+                      </a:solidFill>
+                      <a:prstDash val="solid"/>
+                      <a:round/>
+                      <a:headEnd type="none" w="med" len="med"/>
+                      <a:tailEnd type="none" w="med" len="med"/>
+                    </a:lnR>
+                    <a:lnT w="12700" cap="flat" cmpd="sng" algn="ctr">
+                      <a:solidFill>
+                        <a:schemeClr val="tx1"/>
+                      </a:solidFill>
+                      <a:prstDash val="solid"/>
+                      <a:round/>
+                      <a:headEnd type="none" w="med" len="med"/>
+                      <a:tailEnd type="none" w="med" len="med"/>
+                    </a:lnT>
+                    <a:lnB w="12700" cap="flat" cmpd="sng" algn="ctr">
+                      <a:solidFill>
+                        <a:schemeClr val="tx1"/>
+                      </a:solidFill>
+                      <a:prstDash val="solid"/>
+                      <a:round/>
+                      <a:headEnd type="none" w="med" len="med"/>
+                      <a:tailEnd type="none" w="med" len="med"/>
+                    </a:lnB>
+                    <a:lnTlToBr w="12700" cmpd="sng">
+                      <a:noFill/>
+                      <a:prstDash val="solid"/>
+                    </a:lnTlToBr>
+                    <a:lnBlToTr w="12700" cmpd="sng">
+                      <a:noFill/>
+                      <a:prstDash val="solid"/>
+                    </a:lnBlToTr>
+                    <a:noFill/>
+                  </a:tcPr>
+                </a:tc>
+                <a:extLst>
+                  <a:ext uri="{0D108BD9-81ED-4DB2-BD59-A6C34878D82A}">
+                    <a16:rowId xmlns:a16="http://schemas.microsoft.com/office/drawing/2014/main" val="1938741260"/>
+                  </a:ext>
+                </a:extLst>
+              </a:tr>
+            </a:tbl>
+          </a:graphicData>
+        </a:graphic>
+      </p:graphicFrame>
+      <p:graphicFrame>
+        <p:nvGraphicFramePr>
+          <p:cNvPr id="6" name="表格 5">
+            <a:extLst>
+              <a:ext uri="{FF2B5EF4-FFF2-40B4-BE49-F238E27FC236}">
+                <a16:creationId xmlns:a16="http://schemas.microsoft.com/office/drawing/2014/main" id="{C223F5CA-3614-436F-A0CE-CD1E6AAC898A}"/>
+              </a:ext>
+            </a:extLst>
+          </p:cNvPr>
+          <p:cNvGraphicFramePr>
+            <a:graphicFrameLocks noGrp="1"/>
+          </p:cNvGraphicFramePr>
+          <p:nvPr/>
+        </p:nvGraphicFramePr>
+        <p:xfrm>
+          <a:off x="1325860" y="1068857"/>
+          <a:ext cx="4738448" cy="370840"/>
+        </p:xfrm>
+        <a:graphic>
+          <a:graphicData uri="http://schemas.openxmlformats.org/drawingml/2006/table">
+            <a:tbl>
+              <a:tblPr firstRow="1" bandRow="1">
+                <a:tableStyleId>{5C22544A-7EE6-4342-B048-85BDC9FD1C3A}</a:tableStyleId>
+              </a:tblPr>
+              <a:tblGrid>
+                <a:gridCol w="592306">
+                  <a:extLst>
+                    <a:ext uri="{9D8B030D-6E8A-4147-A177-3AD203B41FA5}">
+                      <a16:colId xmlns:a16="http://schemas.microsoft.com/office/drawing/2014/main" val="2255508483"/>
+                    </a:ext>
+                  </a:extLst>
+                </a:gridCol>
+                <a:gridCol w="592306">
+                  <a:extLst>
+                    <a:ext uri="{9D8B030D-6E8A-4147-A177-3AD203B41FA5}">
+                      <a16:colId xmlns:a16="http://schemas.microsoft.com/office/drawing/2014/main" val="1853003901"/>
+                    </a:ext>
+                  </a:extLst>
+                </a:gridCol>
+                <a:gridCol w="592306">
+                  <a:extLst>
+                    <a:ext uri="{9D8B030D-6E8A-4147-A177-3AD203B41FA5}">
+                      <a16:colId xmlns:a16="http://schemas.microsoft.com/office/drawing/2014/main" val="1828690129"/>
+                    </a:ext>
+                  </a:extLst>
+                </a:gridCol>
+                <a:gridCol w="592306">
+                  <a:extLst>
+                    <a:ext uri="{9D8B030D-6E8A-4147-A177-3AD203B41FA5}">
+                      <a16:colId xmlns:a16="http://schemas.microsoft.com/office/drawing/2014/main" val="3858150707"/>
+                    </a:ext>
+                  </a:extLst>
+                </a:gridCol>
+                <a:gridCol w="592306">
+                  <a:extLst>
+                    <a:ext uri="{9D8B030D-6E8A-4147-A177-3AD203B41FA5}">
+                      <a16:colId xmlns:a16="http://schemas.microsoft.com/office/drawing/2014/main" val="1422480851"/>
+                    </a:ext>
+                  </a:extLst>
+                </a:gridCol>
+                <a:gridCol w="592306">
+                  <a:extLst>
+                    <a:ext uri="{9D8B030D-6E8A-4147-A177-3AD203B41FA5}">
+                      <a16:colId xmlns:a16="http://schemas.microsoft.com/office/drawing/2014/main" val="1597742647"/>
+                    </a:ext>
+                  </a:extLst>
+                </a:gridCol>
+                <a:gridCol w="592306">
+                  <a:extLst>
+                    <a:ext uri="{9D8B030D-6E8A-4147-A177-3AD203B41FA5}">
+                      <a16:colId xmlns:a16="http://schemas.microsoft.com/office/drawing/2014/main" val="152677166"/>
+                    </a:ext>
+                  </a:extLst>
+                </a:gridCol>
+                <a:gridCol w="592306">
+                  <a:extLst>
+                    <a:ext uri="{9D8B030D-6E8A-4147-A177-3AD203B41FA5}">
+                      <a16:colId xmlns:a16="http://schemas.microsoft.com/office/drawing/2014/main" val="3447965803"/>
+                    </a:ext>
+                  </a:extLst>
+                </a:gridCol>
+              </a:tblGrid>
+              <a:tr h="370840">
+                <a:tc>
+                  <a:txBody>
+                    <a:bodyPr/>
+                    <a:lstStyle/>
+                    <a:p>
+                      <a:pPr algn="ctr"/>
+                      <a:r>
+                        <a:rPr lang="en-US" altLang="zh-CN" dirty="0">
+                          <a:solidFill>
+                            <a:sysClr val="windowText" lastClr="000000"/>
+                          </a:solidFill>
+                        </a:rPr>
+                        <a:t>1</a:t>
+                      </a:r>
+                      <a:endParaRPr lang="zh-CN" altLang="en-US" dirty="0">
+                        <a:solidFill>
+                          <a:sysClr val="windowText" lastClr="000000"/>
+                        </a:solidFill>
+                      </a:endParaRPr>
+                    </a:p>
+                  </a:txBody>
+                  <a:tcPr>
+                    <a:lnL w="12700" cap="flat" cmpd="sng" algn="ctr">
+                      <a:solidFill>
+                        <a:schemeClr val="tx1"/>
+                      </a:solidFill>
+                      <a:prstDash val="solid"/>
+                      <a:round/>
+                      <a:headEnd type="none" w="med" len="med"/>
+                      <a:tailEnd type="none" w="med" len="med"/>
+                    </a:lnL>
+                    <a:lnR w="12700" cap="flat" cmpd="sng" algn="ctr">
+                      <a:solidFill>
+                        <a:schemeClr val="tx1"/>
+                      </a:solidFill>
+                      <a:prstDash val="solid"/>
+                      <a:round/>
+                      <a:headEnd type="none" w="med" len="med"/>
+                      <a:tailEnd type="none" w="med" len="med"/>
+                    </a:lnR>
+                    <a:lnT w="12700" cap="flat" cmpd="sng" algn="ctr">
+                      <a:solidFill>
+                        <a:schemeClr val="tx1"/>
+                      </a:solidFill>
+                      <a:prstDash val="solid"/>
+                      <a:round/>
+                      <a:headEnd type="none" w="med" len="med"/>
+                      <a:tailEnd type="none" w="med" len="med"/>
+                    </a:lnT>
+                    <a:lnB w="12700" cap="flat" cmpd="sng" algn="ctr">
+                      <a:solidFill>
+                        <a:schemeClr val="tx1"/>
+                      </a:solidFill>
+                      <a:prstDash val="solid"/>
+                      <a:round/>
+                      <a:headEnd type="none" w="med" len="med"/>
+                      <a:tailEnd type="none" w="med" len="med"/>
+                    </a:lnB>
+                    <a:noFill/>
+                  </a:tcPr>
+                </a:tc>
+                <a:tc>
+                  <a:txBody>
+                    <a:bodyPr/>
+                    <a:lstStyle/>
+                    <a:p>
+                      <a:pPr algn="ctr"/>
+                      <a:r>
+                        <a:rPr lang="en-US" altLang="zh-CN" dirty="0">
+                          <a:solidFill>
+                            <a:sysClr val="windowText" lastClr="000000"/>
+                          </a:solidFill>
+                        </a:rPr>
+                        <a:t>1</a:t>
+                      </a:r>
+                      <a:endParaRPr lang="zh-CN" altLang="en-US" dirty="0">
+                        <a:solidFill>
+                          <a:sysClr val="windowText" lastClr="000000"/>
+                        </a:solidFill>
+                      </a:endParaRPr>
+                    </a:p>
+                  </a:txBody>
+                  <a:tcPr>
+                    <a:lnL w="12700" cap="flat" cmpd="sng" algn="ctr">
+                      <a:solidFill>
+                        <a:schemeClr val="tx1"/>
+                      </a:solidFill>
+                      <a:prstDash val="solid"/>
+                      <a:round/>
+                      <a:headEnd type="none" w="med" len="med"/>
+                      <a:tailEnd type="none" w="med" len="med"/>
+                    </a:lnL>
+                    <a:lnR w="12700" cap="flat" cmpd="sng" algn="ctr">
+                      <a:solidFill>
+                        <a:schemeClr val="tx1"/>
+                      </a:solidFill>
+                      <a:prstDash val="solid"/>
+                      <a:round/>
+                      <a:headEnd type="none" w="med" len="med"/>
+                      <a:tailEnd type="none" w="med" len="med"/>
+                    </a:lnR>
+                    <a:lnT w="12700" cap="flat" cmpd="sng" algn="ctr">
+                      <a:solidFill>
+                        <a:schemeClr val="tx1"/>
+                      </a:solidFill>
+                      <a:prstDash val="solid"/>
+                      <a:round/>
+                      <a:headEnd type="none" w="med" len="med"/>
+                      <a:tailEnd type="none" w="med" len="med"/>
+                    </a:lnT>
+                    <a:lnB w="12700" cap="flat" cmpd="sng" algn="ctr">
+                      <a:solidFill>
+                        <a:schemeClr val="tx1"/>
+                      </a:solidFill>
+                      <a:prstDash val="solid"/>
+                      <a:round/>
+                      <a:headEnd type="none" w="med" len="med"/>
+                      <a:tailEnd type="none" w="med" len="med"/>
+                    </a:lnB>
+                    <a:noFill/>
+                  </a:tcPr>
+                </a:tc>
+                <a:tc>
+                  <a:txBody>
+                    <a:bodyPr/>
+                    <a:lstStyle/>
+                    <a:p>
+                      <a:pPr algn="ctr"/>
+                      <a:r>
+                        <a:rPr lang="en-US" altLang="zh-CN" dirty="0">
+                          <a:solidFill>
+                            <a:sysClr val="windowText" lastClr="000000"/>
+                          </a:solidFill>
+                        </a:rPr>
+                        <a:t>2</a:t>
+                      </a:r>
+                      <a:endParaRPr lang="zh-CN" altLang="en-US" dirty="0">
+                        <a:solidFill>
+                          <a:sysClr val="windowText" lastClr="000000"/>
+                        </a:solidFill>
+                      </a:endParaRPr>
+                    </a:p>
+                  </a:txBody>
+                  <a:tcPr>
+                    <a:lnL w="12700" cap="flat" cmpd="sng" algn="ctr">
+                      <a:solidFill>
+                        <a:schemeClr val="tx1"/>
+                      </a:solidFill>
+                      <a:prstDash val="solid"/>
+                      <a:round/>
+                      <a:headEnd type="none" w="med" len="med"/>
+                      <a:tailEnd type="none" w="med" len="med"/>
+                    </a:lnL>
+                    <a:lnR w="12700" cap="flat" cmpd="sng" algn="ctr">
+                      <a:solidFill>
+                        <a:schemeClr val="tx1"/>
+                      </a:solidFill>
+                      <a:prstDash val="solid"/>
+                      <a:round/>
+                      <a:headEnd type="none" w="med" len="med"/>
+                      <a:tailEnd type="none" w="med" len="med"/>
+                    </a:lnR>
+                    <a:lnT w="12700" cap="flat" cmpd="sng" algn="ctr">
+                      <a:solidFill>
+                        <a:schemeClr val="tx1"/>
+                      </a:solidFill>
+                      <a:prstDash val="solid"/>
+                      <a:round/>
+                      <a:headEnd type="none" w="med" len="med"/>
+                      <a:tailEnd type="none" w="med" len="med"/>
+                    </a:lnT>
+                    <a:lnB w="12700" cap="flat" cmpd="sng" algn="ctr">
+                      <a:solidFill>
+                        <a:schemeClr val="tx1"/>
+                      </a:solidFill>
+                      <a:prstDash val="solid"/>
+                      <a:round/>
+                      <a:headEnd type="none" w="med" len="med"/>
+                      <a:tailEnd type="none" w="med" len="med"/>
+                    </a:lnB>
+                    <a:noFill/>
+                  </a:tcPr>
+                </a:tc>
+                <a:tc>
+                  <a:txBody>
+                    <a:bodyPr/>
+                    <a:lstStyle/>
+                    <a:p>
+                      <a:pPr algn="ctr"/>
+                      <a:r>
+                        <a:rPr lang="en-US" altLang="zh-CN" dirty="0">
+                          <a:solidFill>
+                            <a:sysClr val="windowText" lastClr="000000"/>
+                          </a:solidFill>
+                        </a:rPr>
+                        <a:t>3</a:t>
+                      </a:r>
+                      <a:endParaRPr lang="zh-CN" altLang="en-US" dirty="0">
+                        <a:solidFill>
+                          <a:sysClr val="windowText" lastClr="000000"/>
+                        </a:solidFill>
+                      </a:endParaRPr>
+                    </a:p>
+                  </a:txBody>
+                  <a:tcPr>
+                    <a:lnL w="12700" cap="flat" cmpd="sng" algn="ctr">
+                      <a:solidFill>
+                        <a:schemeClr val="tx1"/>
+                      </a:solidFill>
+                      <a:prstDash val="solid"/>
+                      <a:round/>
+                      <a:headEnd type="none" w="med" len="med"/>
+                      <a:tailEnd type="none" w="med" len="med"/>
+                    </a:lnL>
+                    <a:lnR w="12700" cap="flat" cmpd="sng" algn="ctr">
+                      <a:solidFill>
+                        <a:schemeClr val="tx1"/>
+                      </a:solidFill>
+                      <a:prstDash val="solid"/>
+                      <a:round/>
+                      <a:headEnd type="none" w="med" len="med"/>
+                      <a:tailEnd type="none" w="med" len="med"/>
+                    </a:lnR>
+                    <a:lnT w="12700" cap="flat" cmpd="sng" algn="ctr">
+                      <a:solidFill>
+                        <a:schemeClr val="tx1"/>
+                      </a:solidFill>
+                      <a:prstDash val="solid"/>
+                      <a:round/>
+                      <a:headEnd type="none" w="med" len="med"/>
+                      <a:tailEnd type="none" w="med" len="med"/>
+                    </a:lnT>
+                    <a:lnB w="12700" cap="flat" cmpd="sng" algn="ctr">
+                      <a:solidFill>
+                        <a:schemeClr val="tx1"/>
+                      </a:solidFill>
+                      <a:prstDash val="solid"/>
+                      <a:round/>
+                      <a:headEnd type="none" w="med" len="med"/>
+                      <a:tailEnd type="none" w="med" len="med"/>
+                    </a:lnB>
+                    <a:noFill/>
+                  </a:tcPr>
+                </a:tc>
+                <a:tc>
+                  <a:txBody>
+                    <a:bodyPr/>
+                    <a:lstStyle/>
+                    <a:p>
+                      <a:pPr algn="ctr"/>
+                      <a:r>
+                        <a:rPr lang="en-US" altLang="zh-CN" dirty="0">
+                          <a:solidFill>
+                            <a:sysClr val="windowText" lastClr="000000"/>
+                          </a:solidFill>
+                        </a:rPr>
+                        <a:t>3</a:t>
+                      </a:r>
+                      <a:endParaRPr lang="zh-CN" altLang="en-US" dirty="0">
+                        <a:solidFill>
+                          <a:sysClr val="windowText" lastClr="000000"/>
+                        </a:solidFill>
+                      </a:endParaRPr>
+                    </a:p>
+                  </a:txBody>
+                  <a:tcPr>
+                    <a:lnL w="12700" cap="flat" cmpd="sng" algn="ctr">
+                      <a:solidFill>
+                        <a:schemeClr val="tx1"/>
+                      </a:solidFill>
+                      <a:prstDash val="solid"/>
+                      <a:round/>
+                      <a:headEnd type="none" w="med" len="med"/>
+                      <a:tailEnd type="none" w="med" len="med"/>
+                    </a:lnL>
+                    <a:lnR w="12700" cap="flat" cmpd="sng" algn="ctr">
+                      <a:solidFill>
+                        <a:schemeClr val="tx1"/>
+                      </a:solidFill>
+                      <a:prstDash val="solid"/>
+                      <a:round/>
+                      <a:headEnd type="none" w="med" len="med"/>
+                      <a:tailEnd type="none" w="med" len="med"/>
+                    </a:lnR>
+                    <a:lnT w="12700" cap="flat" cmpd="sng" algn="ctr">
+                      <a:solidFill>
+                        <a:schemeClr val="tx1"/>
+                      </a:solidFill>
+                      <a:prstDash val="solid"/>
+                      <a:round/>
+                      <a:headEnd type="none" w="med" len="med"/>
+                      <a:tailEnd type="none" w="med" len="med"/>
+                    </a:lnT>
+                    <a:lnB w="12700" cap="flat" cmpd="sng" algn="ctr">
+                      <a:solidFill>
+                        <a:schemeClr val="tx1"/>
+                      </a:solidFill>
+                      <a:prstDash val="solid"/>
+                      <a:round/>
+                      <a:headEnd type="none" w="med" len="med"/>
+                      <a:tailEnd type="none" w="med" len="med"/>
+                    </a:lnB>
+                    <a:noFill/>
+                  </a:tcPr>
+                </a:tc>
+                <a:tc>
+                  <a:txBody>
+                    <a:bodyPr/>
+                    <a:lstStyle/>
+                    <a:p>
+                      <a:pPr algn="ctr"/>
+                      <a:r>
+                        <a:rPr lang="en-US" altLang="zh-CN" dirty="0">
+                          <a:solidFill>
+                            <a:sysClr val="windowText" lastClr="000000"/>
+                          </a:solidFill>
+                        </a:rPr>
+                        <a:t>2</a:t>
+                      </a:r>
+                      <a:endParaRPr lang="zh-CN" altLang="en-US" dirty="0">
+                        <a:solidFill>
+                          <a:sysClr val="windowText" lastClr="000000"/>
+                        </a:solidFill>
+                      </a:endParaRPr>
+                    </a:p>
+                  </a:txBody>
+                  <a:tcPr>
+                    <a:lnL w="12700" cap="flat" cmpd="sng" algn="ctr">
+                      <a:solidFill>
+                        <a:schemeClr val="tx1"/>
+                      </a:solidFill>
+                      <a:prstDash val="solid"/>
+                      <a:round/>
+                      <a:headEnd type="none" w="med" len="med"/>
+                      <a:tailEnd type="none" w="med" len="med"/>
+                    </a:lnL>
+                    <a:lnR w="12700" cap="flat" cmpd="sng" algn="ctr">
+                      <a:solidFill>
+                        <a:schemeClr val="tx1"/>
+                      </a:solidFill>
+                      <a:prstDash val="solid"/>
+                      <a:round/>
+                      <a:headEnd type="none" w="med" len="med"/>
+                      <a:tailEnd type="none" w="med" len="med"/>
+                    </a:lnR>
+                    <a:lnT w="12700" cap="flat" cmpd="sng" algn="ctr">
+                      <a:solidFill>
+                        <a:schemeClr val="tx1"/>
+                      </a:solidFill>
+                      <a:prstDash val="solid"/>
+                      <a:round/>
+                      <a:headEnd type="none" w="med" len="med"/>
+                      <a:tailEnd type="none" w="med" len="med"/>
+                    </a:lnT>
+                    <a:lnB w="12700" cap="flat" cmpd="sng" algn="ctr">
+                      <a:solidFill>
+                        <a:schemeClr val="tx1"/>
+                      </a:solidFill>
+                      <a:prstDash val="solid"/>
+                      <a:round/>
+                      <a:headEnd type="none" w="med" len="med"/>
+                      <a:tailEnd type="none" w="med" len="med"/>
+                    </a:lnB>
+                    <a:noFill/>
+                  </a:tcPr>
+                </a:tc>
+                <a:tc>
+                  <a:txBody>
+                    <a:bodyPr/>
+                    <a:lstStyle/>
+                    <a:p>
+                      <a:pPr algn="ctr"/>
+                      <a:r>
+                        <a:rPr lang="en-US" altLang="zh-CN" dirty="0">
+                          <a:solidFill>
+                            <a:sysClr val="windowText" lastClr="000000"/>
+                          </a:solidFill>
+                        </a:rPr>
+                        <a:t>2</a:t>
+                      </a:r>
+                      <a:endParaRPr lang="zh-CN" altLang="en-US" dirty="0">
+                        <a:solidFill>
+                          <a:sysClr val="windowText" lastClr="000000"/>
+                        </a:solidFill>
+                      </a:endParaRPr>
+                    </a:p>
+                  </a:txBody>
+                  <a:tcPr>
+                    <a:lnL w="12700" cap="flat" cmpd="sng" algn="ctr">
+                      <a:solidFill>
+                        <a:schemeClr val="tx1"/>
+                      </a:solidFill>
+                      <a:prstDash val="solid"/>
+                      <a:round/>
+                      <a:headEnd type="none" w="med" len="med"/>
+                      <a:tailEnd type="none" w="med" len="med"/>
+                    </a:lnL>
+                    <a:lnR w="12700" cap="flat" cmpd="sng" algn="ctr">
+                      <a:solidFill>
+                        <a:schemeClr val="tx1"/>
+                      </a:solidFill>
+                      <a:prstDash val="solid"/>
+                      <a:round/>
+                      <a:headEnd type="none" w="med" len="med"/>
+                      <a:tailEnd type="none" w="med" len="med"/>
+                    </a:lnR>
+                    <a:lnT w="12700" cap="flat" cmpd="sng" algn="ctr">
+                      <a:solidFill>
+                        <a:schemeClr val="tx1"/>
+                      </a:solidFill>
+                      <a:prstDash val="solid"/>
+                      <a:round/>
+                      <a:headEnd type="none" w="med" len="med"/>
+                      <a:tailEnd type="none" w="med" len="med"/>
+                    </a:lnT>
+                    <a:lnB w="12700" cap="flat" cmpd="sng" algn="ctr">
+                      <a:solidFill>
+                        <a:schemeClr val="tx1"/>
+                      </a:solidFill>
+                      <a:prstDash val="solid"/>
+                      <a:round/>
+                      <a:headEnd type="none" w="med" len="med"/>
+                      <a:tailEnd type="none" w="med" len="med"/>
+                    </a:lnB>
+                    <a:noFill/>
+                  </a:tcPr>
+                </a:tc>
+                <a:tc>
+                  <a:txBody>
+                    <a:bodyPr/>
+                    <a:lstStyle/>
+                    <a:p>
+                      <a:pPr algn="ctr"/>
+                      <a:r>
+                        <a:rPr lang="en-US" altLang="zh-CN" dirty="0">
+                          <a:solidFill>
+                            <a:sysClr val="windowText" lastClr="000000"/>
+                          </a:solidFill>
+                        </a:rPr>
+                        <a:t>1</a:t>
+                      </a:r>
+                      <a:endParaRPr lang="zh-CN" altLang="en-US" dirty="0">
+                        <a:solidFill>
+                          <a:sysClr val="windowText" lastClr="000000"/>
+                        </a:solidFill>
+                      </a:endParaRPr>
+                    </a:p>
+                  </a:txBody>
+                  <a:tcPr>
+                    <a:lnL w="12700" cap="flat" cmpd="sng" algn="ctr">
+                      <a:solidFill>
+                        <a:schemeClr val="tx1"/>
+                      </a:solidFill>
+                      <a:prstDash val="solid"/>
+                      <a:round/>
+                      <a:headEnd type="none" w="med" len="med"/>
+                      <a:tailEnd type="none" w="med" len="med"/>
+                    </a:lnL>
+                    <a:lnR w="12700" cap="flat" cmpd="sng" algn="ctr">
+                      <a:solidFill>
+                        <a:schemeClr val="tx1"/>
+                      </a:solidFill>
+                      <a:prstDash val="solid"/>
+                      <a:round/>
+                      <a:headEnd type="none" w="med" len="med"/>
+                      <a:tailEnd type="none" w="med" len="med"/>
+                    </a:lnR>
+                    <a:lnT w="12700" cap="flat" cmpd="sng" algn="ctr">
+                      <a:solidFill>
+                        <a:schemeClr val="tx1"/>
+                      </a:solidFill>
+                      <a:prstDash val="solid"/>
+                      <a:round/>
+                      <a:headEnd type="none" w="med" len="med"/>
+                      <a:tailEnd type="none" w="med" len="med"/>
+                    </a:lnT>
+                    <a:lnB w="12700" cap="flat" cmpd="sng" algn="ctr">
+                      <a:solidFill>
+                        <a:schemeClr val="tx1"/>
+                      </a:solidFill>
+                      <a:prstDash val="solid"/>
+                      <a:round/>
+                      <a:headEnd type="none" w="med" len="med"/>
+                      <a:tailEnd type="none" w="med" len="med"/>
+                    </a:lnB>
+                    <a:noFill/>
+                  </a:tcPr>
+                </a:tc>
+                <a:extLst>
+                  <a:ext uri="{0D108BD9-81ED-4DB2-BD59-A6C34878D82A}">
+                    <a16:rowId xmlns:a16="http://schemas.microsoft.com/office/drawing/2014/main" val="2765709650"/>
+                  </a:ext>
+                </a:extLst>
+              </a:tr>
+            </a:tbl>
+          </a:graphicData>
+        </a:graphic>
+      </p:graphicFrame>
+      <p:sp>
+        <p:nvSpPr>
+          <p:cNvPr id="8" name="文本框 7">
+            <a:extLst>
+              <a:ext uri="{FF2B5EF4-FFF2-40B4-BE49-F238E27FC236}">
+                <a16:creationId xmlns:a16="http://schemas.microsoft.com/office/drawing/2014/main" id="{1761163A-07EF-49D1-81CE-33EEE84E1721}"/>
+              </a:ext>
+            </a:extLst>
+          </p:cNvPr>
+          <p:cNvSpPr txBox="1"/>
+          <p:nvPr/>
+        </p:nvSpPr>
+        <p:spPr>
+          <a:xfrm>
+            <a:off x="595630" y="1070365"/>
+            <a:ext cx="696024" cy="369332"/>
+          </a:xfrm>
+          <a:prstGeom prst="rect">
+            <a:avLst/>
+          </a:prstGeom>
+          <a:noFill/>
+        </p:spPr>
+        <p:txBody>
+          <a:bodyPr wrap="none" rtlCol="0">
+            <a:spAutoFit/>
+          </a:bodyPr>
+          <a:lstStyle/>
+          <a:p>
+            <a:r>
+              <a:rPr lang="en-US" altLang="zh-CN" dirty="0"/>
+              <a:t>input</a:t>
+            </a:r>
+            <a:endParaRPr lang="zh-CN" altLang="en-US" dirty="0"/>
+          </a:p>
+        </p:txBody>
+      </p:sp>
+      <p:sp>
+        <p:nvSpPr>
+          <p:cNvPr id="9" name="文本框 8">
+            <a:extLst>
+              <a:ext uri="{FF2B5EF4-FFF2-40B4-BE49-F238E27FC236}">
+                <a16:creationId xmlns:a16="http://schemas.microsoft.com/office/drawing/2014/main" id="{32817A22-36A3-4871-AA4D-1C9744B52480}"/>
+              </a:ext>
+            </a:extLst>
+          </p:cNvPr>
+          <p:cNvSpPr txBox="1"/>
+          <p:nvPr/>
+        </p:nvSpPr>
+        <p:spPr>
+          <a:xfrm>
+            <a:off x="1430369" y="1439697"/>
+            <a:ext cx="4529430" cy="276999"/>
+          </a:xfrm>
+          <a:prstGeom prst="rect">
+            <a:avLst/>
+          </a:prstGeom>
+          <a:noFill/>
+        </p:spPr>
+        <p:txBody>
+          <a:bodyPr wrap="square" rtlCol="0">
+            <a:spAutoFit/>
+          </a:bodyPr>
+          <a:lstStyle/>
+          <a:p>
+            <a:r>
+              <a:rPr lang="en-US" altLang="zh-CN" sz="1200" dirty="0"/>
+              <a:t>0             1	        2             3            4            5            6             7</a:t>
+            </a:r>
+            <a:endParaRPr lang="zh-CN" altLang="en-US" sz="1200" dirty="0"/>
+          </a:p>
+        </p:txBody>
+      </p:sp>
+      <p:sp>
+        <p:nvSpPr>
+          <p:cNvPr id="10" name="等腰三角形 9">
+            <a:extLst>
+              <a:ext uri="{FF2B5EF4-FFF2-40B4-BE49-F238E27FC236}">
+                <a16:creationId xmlns:a16="http://schemas.microsoft.com/office/drawing/2014/main" id="{FFAFFEED-1F83-4881-BEFD-00263B292035}"/>
+              </a:ext>
+            </a:extLst>
+          </p:cNvPr>
+          <p:cNvSpPr/>
+          <p:nvPr/>
+        </p:nvSpPr>
+        <p:spPr>
+          <a:xfrm>
+            <a:off x="5890452" y="5665459"/>
+            <a:ext cx="161158" cy="138930"/>
+          </a:xfrm>
+          <a:prstGeom prst="triangle">
+            <a:avLst/>
+          </a:prstGeom>
+          <a:solidFill>
+            <a:srgbClr val="FF0000"/>
+          </a:solidFill>
+          <a:ln>
+            <a:solidFill>
+              <a:srgbClr val="FF0000"/>
+            </a:solidFill>
+          </a:ln>
+        </p:spPr>
+        <p:style>
+          <a:lnRef idx="2">
+            <a:schemeClr val="accent1">
+              <a:shade val="50000"/>
+            </a:schemeClr>
+          </a:lnRef>
+          <a:fillRef idx="1">
+            <a:schemeClr val="accent1"/>
+          </a:fillRef>
+          <a:effectRef idx="0">
+            <a:schemeClr val="accent1"/>
+          </a:effectRef>
+          <a:fontRef idx="minor">
+            <a:schemeClr val="lt1"/>
+          </a:fontRef>
+        </p:style>
+        <p:txBody>
+          <a:bodyPr rtlCol="0" anchor="ctr"/>
+          <a:lstStyle/>
+          <a:p>
+            <a:pPr algn="ctr"/>
+            <a:endParaRPr lang="zh-CN" altLang="en-US"/>
+          </a:p>
+        </p:txBody>
+      </p:sp>
+      <p:sp>
+        <p:nvSpPr>
+          <p:cNvPr id="11" name="文本框 10">
+            <a:extLst>
+              <a:ext uri="{FF2B5EF4-FFF2-40B4-BE49-F238E27FC236}">
+                <a16:creationId xmlns:a16="http://schemas.microsoft.com/office/drawing/2014/main" id="{6E27F2DA-D8C2-45BB-BFCE-4CF92E79C20B}"/>
+              </a:ext>
+            </a:extLst>
+          </p:cNvPr>
+          <p:cNvSpPr txBox="1"/>
+          <p:nvPr/>
+        </p:nvSpPr>
+        <p:spPr>
+          <a:xfrm>
+            <a:off x="5860038" y="5789143"/>
+            <a:ext cx="235962" cy="369332"/>
+          </a:xfrm>
+          <a:prstGeom prst="rect">
+            <a:avLst/>
+          </a:prstGeom>
+          <a:noFill/>
+        </p:spPr>
+        <p:txBody>
+          <a:bodyPr wrap="none" rtlCol="0">
+            <a:spAutoFit/>
+          </a:bodyPr>
+          <a:lstStyle/>
+          <a:p>
+            <a:r>
+              <a:rPr lang="en-US" altLang="zh-CN" dirty="0" err="1"/>
+              <a:t>i</a:t>
+            </a:r>
+            <a:endParaRPr lang="zh-CN" altLang="en-US" dirty="0"/>
+          </a:p>
+        </p:txBody>
+      </p:sp>
+      <p:sp>
+        <p:nvSpPr>
+          <p:cNvPr id="12" name="箭头: 下 11">
+            <a:extLst>
+              <a:ext uri="{FF2B5EF4-FFF2-40B4-BE49-F238E27FC236}">
+                <a16:creationId xmlns:a16="http://schemas.microsoft.com/office/drawing/2014/main" id="{BA65D470-2352-47F6-BD71-97BDFC1E2ADD}"/>
+              </a:ext>
+            </a:extLst>
+          </p:cNvPr>
+          <p:cNvSpPr/>
+          <p:nvPr/>
+        </p:nvSpPr>
+        <p:spPr>
+          <a:xfrm>
+            <a:off x="3495336" y="1956959"/>
+            <a:ext cx="399495" cy="479394"/>
+          </a:xfrm>
+          <a:prstGeom prst="downArrow">
+            <a:avLst/>
+          </a:prstGeom>
+          <a:noFill/>
+          <a:ln>
+            <a:solidFill>
+              <a:schemeClr val="tx1"/>
+            </a:solidFill>
+          </a:ln>
+        </p:spPr>
+        <p:style>
+          <a:lnRef idx="2">
+            <a:schemeClr val="accent1">
+              <a:shade val="50000"/>
+            </a:schemeClr>
+          </a:lnRef>
+          <a:fillRef idx="1">
+            <a:schemeClr val="accent1"/>
+          </a:fillRef>
+          <a:effectRef idx="0">
+            <a:schemeClr val="accent1"/>
+          </a:effectRef>
+          <a:fontRef idx="minor">
+            <a:schemeClr val="lt1"/>
+          </a:fontRef>
+        </p:style>
+        <p:txBody>
+          <a:bodyPr rtlCol="0" anchor="ctr"/>
+          <a:lstStyle/>
+          <a:p>
+            <a:pPr algn="ctr"/>
+            <a:endParaRPr lang="zh-CN" altLang="en-US"/>
+          </a:p>
+        </p:txBody>
+      </p:sp>
+      <p:sp>
+        <p:nvSpPr>
+          <p:cNvPr id="13" name="文本框 12">
+            <a:extLst>
+              <a:ext uri="{FF2B5EF4-FFF2-40B4-BE49-F238E27FC236}">
+                <a16:creationId xmlns:a16="http://schemas.microsoft.com/office/drawing/2014/main" id="{4CE11A74-A27F-4710-B456-3C08B3428C8A}"/>
+              </a:ext>
+            </a:extLst>
+          </p:cNvPr>
+          <p:cNvSpPr txBox="1"/>
+          <p:nvPr/>
+        </p:nvSpPr>
+        <p:spPr>
+          <a:xfrm>
+            <a:off x="6893467" y="1005811"/>
+            <a:ext cx="1140056" cy="369332"/>
+          </a:xfrm>
+          <a:prstGeom prst="rect">
+            <a:avLst/>
+          </a:prstGeom>
+          <a:noFill/>
+        </p:spPr>
+        <p:txBody>
+          <a:bodyPr wrap="none" rtlCol="0">
+            <a:spAutoFit/>
+          </a:bodyPr>
+          <a:lstStyle/>
+          <a:p>
+            <a:r>
+              <a:rPr lang="en-US" altLang="zh-CN" dirty="0"/>
+              <a:t>MAX</a:t>
+            </a:r>
+            <a:r>
+              <a:rPr lang="zh-CN" altLang="en-US" dirty="0"/>
+              <a:t>：</a:t>
+            </a:r>
+            <a:r>
+              <a:rPr lang="en-US" altLang="zh-CN" dirty="0">
+                <a:solidFill>
+                  <a:srgbClr val="FF0000"/>
+                </a:solidFill>
+              </a:rPr>
+              <a:t>10</a:t>
+            </a:r>
+            <a:endParaRPr lang="zh-CN" altLang="en-US" dirty="0">
+              <a:solidFill>
+                <a:srgbClr val="FF0000"/>
+              </a:solidFill>
+            </a:endParaRPr>
+          </a:p>
+        </p:txBody>
+      </p:sp>
+      <p:sp>
+        <p:nvSpPr>
+          <p:cNvPr id="2" name="文本框 1">
+            <a:extLst>
+              <a:ext uri="{FF2B5EF4-FFF2-40B4-BE49-F238E27FC236}">
+                <a16:creationId xmlns:a16="http://schemas.microsoft.com/office/drawing/2014/main" id="{ED72C915-2B7A-4BA6-8217-E4C0B87139D4}"/>
+              </a:ext>
+            </a:extLst>
+          </p:cNvPr>
+          <p:cNvSpPr txBox="1"/>
+          <p:nvPr/>
+        </p:nvSpPr>
+        <p:spPr>
+          <a:xfrm>
+            <a:off x="8280403" y="999568"/>
+            <a:ext cx="3296078" cy="1200329"/>
+          </a:xfrm>
+          <a:prstGeom prst="rect">
+            <a:avLst/>
+          </a:prstGeom>
+          <a:noFill/>
+          <a:ln>
+            <a:solidFill>
+              <a:srgbClr val="FF0000"/>
+            </a:solidFill>
+          </a:ln>
+        </p:spPr>
+        <p:txBody>
+          <a:bodyPr wrap="square" rtlCol="0">
+            <a:spAutoFit/>
+          </a:bodyPr>
+          <a:lstStyle/>
+          <a:p>
+            <a:r>
+              <a:rPr lang="en-US" altLang="zh-CN" dirty="0"/>
+              <a:t>Pop: 0</a:t>
+            </a:r>
+          </a:p>
+          <a:p>
+            <a:r>
+              <a:rPr lang="en-US" altLang="zh-CN" dirty="0"/>
+              <a:t>Length: </a:t>
+            </a:r>
+            <a:r>
+              <a:rPr lang="en-US" altLang="zh-CN" dirty="0" err="1"/>
+              <a:t>i</a:t>
+            </a:r>
+            <a:r>
+              <a:rPr lang="en-US" altLang="zh-CN" dirty="0"/>
+              <a:t> – 0 = 8</a:t>
+            </a:r>
+          </a:p>
+          <a:p>
+            <a:r>
+              <a:rPr lang="en-US" altLang="zh-CN" dirty="0"/>
+              <a:t>Height: Input[0] = 1</a:t>
+            </a:r>
+          </a:p>
+          <a:p>
+            <a:r>
+              <a:rPr lang="en-US" altLang="zh-CN" dirty="0"/>
+              <a:t>Area: 8</a:t>
+            </a:r>
+            <a:endParaRPr lang="zh-CN" altLang="en-US" dirty="0"/>
+          </a:p>
+        </p:txBody>
+      </p:sp>
+      <p:sp>
+        <p:nvSpPr>
+          <p:cNvPr id="14" name="文本框 13">
+            <a:extLst>
+              <a:ext uri="{FF2B5EF4-FFF2-40B4-BE49-F238E27FC236}">
+                <a16:creationId xmlns:a16="http://schemas.microsoft.com/office/drawing/2014/main" id="{E5E46762-C798-46A6-80C3-05E94CFF0ABB}"/>
+              </a:ext>
+            </a:extLst>
+          </p:cNvPr>
+          <p:cNvSpPr txBox="1"/>
+          <p:nvPr/>
+        </p:nvSpPr>
+        <p:spPr>
+          <a:xfrm>
+            <a:off x="8138360" y="2701666"/>
+            <a:ext cx="3766595" cy="2308324"/>
+          </a:xfrm>
+          <a:prstGeom prst="rect">
+            <a:avLst/>
+          </a:prstGeom>
+          <a:noFill/>
+          <a:ln>
+            <a:solidFill>
+              <a:schemeClr val="tx1"/>
+            </a:solidFill>
+          </a:ln>
+        </p:spPr>
+        <p:txBody>
+          <a:bodyPr wrap="square" rtlCol="0">
+            <a:spAutoFit/>
+          </a:bodyPr>
+          <a:lstStyle/>
+          <a:p>
+            <a:r>
+              <a:rPr lang="en-US" altLang="zh-CN" b="1" i="1" dirty="0"/>
+              <a:t>For</a:t>
+            </a:r>
+            <a:r>
+              <a:rPr lang="en-US" altLang="zh-CN" b="1" dirty="0"/>
+              <a:t>  !</a:t>
+            </a:r>
+            <a:r>
+              <a:rPr lang="en-US" altLang="zh-CN" b="1" dirty="0" err="1"/>
+              <a:t>stack.empty</a:t>
+            </a:r>
+            <a:r>
+              <a:rPr lang="en-US" altLang="zh-CN" b="1" dirty="0"/>
+              <a:t> || </a:t>
+            </a:r>
+            <a:r>
+              <a:rPr lang="en-US" altLang="zh-CN" b="1" dirty="0" err="1"/>
+              <a:t>i</a:t>
+            </a:r>
+            <a:r>
+              <a:rPr lang="en-US" altLang="zh-CN" b="1" dirty="0"/>
+              <a:t>&lt;</a:t>
+            </a:r>
+            <a:r>
+              <a:rPr lang="en-US" altLang="zh-CN" b="1" dirty="0" err="1"/>
+              <a:t>input.length</a:t>
+            </a:r>
+            <a:r>
+              <a:rPr lang="en-US" altLang="zh-CN" b="1" dirty="0"/>
+              <a:t> </a:t>
+            </a:r>
+          </a:p>
+          <a:p>
+            <a:r>
+              <a:rPr lang="en-US" altLang="zh-CN" b="1" i="1" dirty="0"/>
+              <a:t>       If</a:t>
+            </a:r>
+            <a:r>
+              <a:rPr lang="en-US" altLang="zh-CN" b="1" dirty="0"/>
+              <a:t>   input[</a:t>
+            </a:r>
+            <a:r>
+              <a:rPr lang="en-US" altLang="zh-CN" b="1" dirty="0" err="1"/>
+              <a:t>i</a:t>
+            </a:r>
+            <a:r>
+              <a:rPr lang="en-US" altLang="zh-CN" b="1" dirty="0"/>
+              <a:t>] &gt;= stack[top]</a:t>
+            </a:r>
+          </a:p>
+          <a:p>
+            <a:r>
+              <a:rPr lang="en-US" altLang="zh-CN" b="1" dirty="0"/>
+              <a:t>             &amp;&amp; </a:t>
+            </a:r>
+            <a:r>
+              <a:rPr lang="en-US" altLang="zh-CN" b="1" dirty="0" err="1"/>
+              <a:t>i</a:t>
+            </a:r>
+            <a:r>
+              <a:rPr lang="en-US" altLang="zh-CN" b="1" dirty="0"/>
+              <a:t>&lt;</a:t>
+            </a:r>
+            <a:r>
+              <a:rPr lang="en-US" altLang="zh-CN" b="1" dirty="0" err="1"/>
+              <a:t>input.length</a:t>
+            </a:r>
+            <a:r>
+              <a:rPr lang="en-US" altLang="zh-CN" b="1" dirty="0"/>
+              <a:t> </a:t>
+            </a:r>
+          </a:p>
+          <a:p>
+            <a:r>
+              <a:rPr lang="en-US" altLang="zh-CN" b="1" dirty="0"/>
+              <a:t>	push;</a:t>
+            </a:r>
+          </a:p>
+          <a:p>
+            <a:r>
+              <a:rPr lang="en-US" altLang="zh-CN" b="1" dirty="0"/>
+              <a:t>	</a:t>
+            </a:r>
+            <a:r>
+              <a:rPr lang="en-US" altLang="zh-CN" b="1" dirty="0" err="1"/>
+              <a:t>i</a:t>
+            </a:r>
+            <a:r>
+              <a:rPr lang="en-US" altLang="zh-CN" b="1" dirty="0"/>
+              <a:t>++;</a:t>
             </a:r>
           </a:p>
           <a:p>
@@ -31698,7 +34339,900 @@
 </p:sld>
 </file>
 
-<file path=ppt/slides/slide19.xml><?xml version="1.0" encoding="utf-8"?>
+<file path=ppt/slides/slide2.xml><?xml version="1.0" encoding="utf-8"?>
+<p:sld xmlns:a="http://schemas.openxmlformats.org/drawingml/2006/main" xmlns:r="http://schemas.openxmlformats.org/officeDocument/2006/relationships" xmlns:p="http://schemas.openxmlformats.org/presentationml/2006/main">
+  <p:cSld>
+    <p:spTree>
+      <p:nvGrpSpPr>
+        <p:cNvPr id="1" name=""/>
+        <p:cNvGrpSpPr/>
+        <p:nvPr/>
+      </p:nvGrpSpPr>
+      <p:grpSpPr>
+        <a:xfrm>
+          <a:off x="0" y="0"/>
+          <a:ext cx="0" cy="0"/>
+          <a:chOff x="0" y="0"/>
+          <a:chExt cx="0" cy="0"/>
+        </a:xfrm>
+      </p:grpSpPr>
+      <mc:AlternateContent xmlns:mc="http://schemas.openxmlformats.org/markup-compatibility/2006">
+        <mc:Choice xmlns:cx1="http://schemas.microsoft.com/office/drawing/2015/9/8/chartex" Requires="cx1">
+          <p:graphicFrame>
+            <p:nvGraphicFramePr>
+              <p:cNvPr id="5" name="图表 4">
+                <a:extLst>
+                  <a:ext uri="{FF2B5EF4-FFF2-40B4-BE49-F238E27FC236}">
+                    <a16:creationId xmlns:a16="http://schemas.microsoft.com/office/drawing/2014/main" id="{81BB3BA2-7DB9-499A-9167-16C6D9B3B87B}"/>
+                  </a:ext>
+                </a:extLst>
+              </p:cNvPr>
+              <p:cNvGraphicFramePr/>
+              <p:nvPr>
+                <p:extLst>
+                  <p:ext uri="{D42A27DB-BD31-4B8C-83A1-F6EECF244321}">
+                    <p14:modId xmlns:p14="http://schemas.microsoft.com/office/powerpoint/2010/main" val="4103108617"/>
+                  </p:ext>
+                </p:extLst>
+              </p:nvPr>
+            </p:nvGraphicFramePr>
+            <p:xfrm>
+              <a:off x="3616523" y="2401778"/>
+              <a:ext cx="4738451" cy="3128253"/>
+            </p:xfrm>
+            <a:graphic>
+              <a:graphicData uri="http://schemas.microsoft.com/office/drawing/2014/chartex">
+                <cx:chart xmlns:cx="http://schemas.microsoft.com/office/drawing/2014/chartex" xmlns:r="http://schemas.openxmlformats.org/officeDocument/2006/relationships" r:id="rId3"/>
+              </a:graphicData>
+            </a:graphic>
+          </p:graphicFrame>
+        </mc:Choice>
+        <mc:Fallback>
+          <p:pic>
+            <p:nvPicPr>
+              <p:cNvPr id="5" name="图表 4">
+                <a:extLst>
+                  <a:ext uri="{FF2B5EF4-FFF2-40B4-BE49-F238E27FC236}">
+                    <a16:creationId xmlns:a16="http://schemas.microsoft.com/office/drawing/2014/main" id="{81BB3BA2-7DB9-499A-9167-16C6D9B3B87B}"/>
+                  </a:ext>
+                </a:extLst>
+              </p:cNvPr>
+              <p:cNvPicPr>
+                <a:picLocks noGrp="1" noRot="1" noChangeAspect="1" noMove="1" noResize="1" noEditPoints="1" noAdjustHandles="1" noChangeArrowheads="1" noChangeShapeType="1"/>
+              </p:cNvPicPr>
+              <p:nvPr/>
+            </p:nvPicPr>
+            <p:blipFill>
+              <a:blip r:embed="rId4"/>
+              <a:stretch>
+                <a:fillRect/>
+              </a:stretch>
+            </p:blipFill>
+            <p:spPr>
+              <a:xfrm>
+                <a:off x="3616523" y="2401778"/>
+                <a:ext cx="4738451" cy="3128253"/>
+              </a:xfrm>
+              <a:prstGeom prst="rect">
+                <a:avLst/>
+              </a:prstGeom>
+            </p:spPr>
+          </p:pic>
+        </mc:Fallback>
+      </mc:AlternateContent>
+      <p:sp>
+        <p:nvSpPr>
+          <p:cNvPr id="7" name="文本框 6">
+            <a:extLst>
+              <a:ext uri="{FF2B5EF4-FFF2-40B4-BE49-F238E27FC236}">
+                <a16:creationId xmlns:a16="http://schemas.microsoft.com/office/drawing/2014/main" id="{DB640E06-333E-434F-9E0A-DD270952951A}"/>
+              </a:ext>
+            </a:extLst>
+          </p:cNvPr>
+          <p:cNvSpPr txBox="1"/>
+          <p:nvPr/>
+        </p:nvSpPr>
+        <p:spPr>
+          <a:xfrm>
+            <a:off x="4034561" y="5376142"/>
+            <a:ext cx="4320413" cy="307777"/>
+          </a:xfrm>
+          <a:prstGeom prst="rect">
+            <a:avLst/>
+          </a:prstGeom>
+          <a:noFill/>
+        </p:spPr>
+        <p:txBody>
+          <a:bodyPr wrap="none" rtlCol="0">
+            <a:spAutoFit/>
+          </a:bodyPr>
+          <a:lstStyle/>
+          <a:p>
+            <a:r>
+              <a:rPr lang="en-US" altLang="zh-CN" sz="1400" dirty="0"/>
+              <a:t>0         1         2         3         4          5          6         7</a:t>
+            </a:r>
+            <a:endParaRPr lang="zh-CN" altLang="en-US" sz="1400" dirty="0"/>
+          </a:p>
+        </p:txBody>
+      </p:sp>
+      <p:sp>
+        <p:nvSpPr>
+          <p:cNvPr id="2" name="矩形 1">
+            <a:extLst>
+              <a:ext uri="{FF2B5EF4-FFF2-40B4-BE49-F238E27FC236}">
+                <a16:creationId xmlns:a16="http://schemas.microsoft.com/office/drawing/2014/main" id="{86AFDF4C-7C25-43F6-AC38-3A760D7C05BF}"/>
+              </a:ext>
+            </a:extLst>
+          </p:cNvPr>
+          <p:cNvSpPr/>
+          <p:nvPr/>
+        </p:nvSpPr>
+        <p:spPr>
+          <a:xfrm>
+            <a:off x="5047569" y="3944829"/>
+            <a:ext cx="2667000" cy="1431314"/>
+          </a:xfrm>
+          <a:prstGeom prst="rect">
+            <a:avLst/>
+          </a:prstGeom>
+          <a:noFill/>
+          <a:ln w="50800">
+            <a:solidFill>
+              <a:srgbClr val="FF0000"/>
+            </a:solidFill>
+          </a:ln>
+        </p:spPr>
+        <p:style>
+          <a:lnRef idx="2">
+            <a:schemeClr val="accent1">
+              <a:shade val="50000"/>
+            </a:schemeClr>
+          </a:lnRef>
+          <a:fillRef idx="1">
+            <a:schemeClr val="accent1"/>
+          </a:fillRef>
+          <a:effectRef idx="0">
+            <a:schemeClr val="accent1"/>
+          </a:effectRef>
+          <a:fontRef idx="minor">
+            <a:schemeClr val="lt1"/>
+          </a:fontRef>
+        </p:style>
+        <p:txBody>
+          <a:bodyPr rtlCol="0" anchor="ctr"/>
+          <a:lstStyle/>
+          <a:p>
+            <a:pPr algn="ctr"/>
+            <a:endParaRPr lang="zh-CN" altLang="en-US"/>
+          </a:p>
+        </p:txBody>
+      </p:sp>
+      <p:graphicFrame>
+        <p:nvGraphicFramePr>
+          <p:cNvPr id="6" name="表格 5">
+            <a:extLst>
+              <a:ext uri="{FF2B5EF4-FFF2-40B4-BE49-F238E27FC236}">
+                <a16:creationId xmlns:a16="http://schemas.microsoft.com/office/drawing/2014/main" id="{C223F5CA-3614-436F-A0CE-CD1E6AAC898A}"/>
+              </a:ext>
+            </a:extLst>
+          </p:cNvPr>
+          <p:cNvGraphicFramePr>
+            <a:graphicFrameLocks noGrp="1"/>
+          </p:cNvGraphicFramePr>
+          <p:nvPr>
+            <p:extLst>
+              <p:ext uri="{D42A27DB-BD31-4B8C-83A1-F6EECF244321}">
+                <p14:modId xmlns:p14="http://schemas.microsoft.com/office/powerpoint/2010/main" val="1349731471"/>
+              </p:ext>
+            </p:extLst>
+          </p:nvPr>
+        </p:nvGraphicFramePr>
+        <p:xfrm>
+          <a:off x="3864873" y="1228655"/>
+          <a:ext cx="4738448" cy="370840"/>
+        </p:xfrm>
+        <a:graphic>
+          <a:graphicData uri="http://schemas.openxmlformats.org/drawingml/2006/table">
+            <a:tbl>
+              <a:tblPr firstRow="1" bandRow="1">
+                <a:tableStyleId>{5C22544A-7EE6-4342-B048-85BDC9FD1C3A}</a:tableStyleId>
+              </a:tblPr>
+              <a:tblGrid>
+                <a:gridCol w="592306">
+                  <a:extLst>
+                    <a:ext uri="{9D8B030D-6E8A-4147-A177-3AD203B41FA5}">
+                      <a16:colId xmlns:a16="http://schemas.microsoft.com/office/drawing/2014/main" val="2255508483"/>
+                    </a:ext>
+                  </a:extLst>
+                </a:gridCol>
+                <a:gridCol w="592306">
+                  <a:extLst>
+                    <a:ext uri="{9D8B030D-6E8A-4147-A177-3AD203B41FA5}">
+                      <a16:colId xmlns:a16="http://schemas.microsoft.com/office/drawing/2014/main" val="1853003901"/>
+                    </a:ext>
+                  </a:extLst>
+                </a:gridCol>
+                <a:gridCol w="592306">
+                  <a:extLst>
+                    <a:ext uri="{9D8B030D-6E8A-4147-A177-3AD203B41FA5}">
+                      <a16:colId xmlns:a16="http://schemas.microsoft.com/office/drawing/2014/main" val="1828690129"/>
+                    </a:ext>
+                  </a:extLst>
+                </a:gridCol>
+                <a:gridCol w="592306">
+                  <a:extLst>
+                    <a:ext uri="{9D8B030D-6E8A-4147-A177-3AD203B41FA5}">
+                      <a16:colId xmlns:a16="http://schemas.microsoft.com/office/drawing/2014/main" val="3858150707"/>
+                    </a:ext>
+                  </a:extLst>
+                </a:gridCol>
+                <a:gridCol w="592306">
+                  <a:extLst>
+                    <a:ext uri="{9D8B030D-6E8A-4147-A177-3AD203B41FA5}">
+                      <a16:colId xmlns:a16="http://schemas.microsoft.com/office/drawing/2014/main" val="1422480851"/>
+                    </a:ext>
+                  </a:extLst>
+                </a:gridCol>
+                <a:gridCol w="592306">
+                  <a:extLst>
+                    <a:ext uri="{9D8B030D-6E8A-4147-A177-3AD203B41FA5}">
+                      <a16:colId xmlns:a16="http://schemas.microsoft.com/office/drawing/2014/main" val="1597742647"/>
+                    </a:ext>
+                  </a:extLst>
+                </a:gridCol>
+                <a:gridCol w="592306">
+                  <a:extLst>
+                    <a:ext uri="{9D8B030D-6E8A-4147-A177-3AD203B41FA5}">
+                      <a16:colId xmlns:a16="http://schemas.microsoft.com/office/drawing/2014/main" val="152677166"/>
+                    </a:ext>
+                  </a:extLst>
+                </a:gridCol>
+                <a:gridCol w="592306">
+                  <a:extLst>
+                    <a:ext uri="{9D8B030D-6E8A-4147-A177-3AD203B41FA5}">
+                      <a16:colId xmlns:a16="http://schemas.microsoft.com/office/drawing/2014/main" val="3447965803"/>
+                    </a:ext>
+                  </a:extLst>
+                </a:gridCol>
+              </a:tblGrid>
+              <a:tr h="370840">
+                <a:tc>
+                  <a:txBody>
+                    <a:bodyPr/>
+                    <a:lstStyle/>
+                    <a:p>
+                      <a:pPr algn="ctr"/>
+                      <a:r>
+                        <a:rPr lang="en-US" altLang="zh-CN" dirty="0">
+                          <a:solidFill>
+                            <a:sysClr val="windowText" lastClr="000000"/>
+                          </a:solidFill>
+                        </a:rPr>
+                        <a:t>1</a:t>
+                      </a:r>
+                      <a:endParaRPr lang="zh-CN" altLang="en-US" dirty="0">
+                        <a:solidFill>
+                          <a:sysClr val="windowText" lastClr="000000"/>
+                        </a:solidFill>
+                      </a:endParaRPr>
+                    </a:p>
+                  </a:txBody>
+                  <a:tcPr>
+                    <a:lnL w="12700" cap="flat" cmpd="sng" algn="ctr">
+                      <a:solidFill>
+                        <a:schemeClr val="tx1"/>
+                      </a:solidFill>
+                      <a:prstDash val="solid"/>
+                      <a:round/>
+                      <a:headEnd type="none" w="med" len="med"/>
+                      <a:tailEnd type="none" w="med" len="med"/>
+                    </a:lnL>
+                    <a:lnR w="12700" cap="flat" cmpd="sng" algn="ctr">
+                      <a:solidFill>
+                        <a:schemeClr val="tx1"/>
+                      </a:solidFill>
+                      <a:prstDash val="solid"/>
+                      <a:round/>
+                      <a:headEnd type="none" w="med" len="med"/>
+                      <a:tailEnd type="none" w="med" len="med"/>
+                    </a:lnR>
+                    <a:lnT w="12700" cap="flat" cmpd="sng" algn="ctr">
+                      <a:solidFill>
+                        <a:schemeClr val="tx1"/>
+                      </a:solidFill>
+                      <a:prstDash val="solid"/>
+                      <a:round/>
+                      <a:headEnd type="none" w="med" len="med"/>
+                      <a:tailEnd type="none" w="med" len="med"/>
+                    </a:lnT>
+                    <a:lnB w="12700" cap="flat" cmpd="sng" algn="ctr">
+                      <a:solidFill>
+                        <a:schemeClr val="tx1"/>
+                      </a:solidFill>
+                      <a:prstDash val="solid"/>
+                      <a:round/>
+                      <a:headEnd type="none" w="med" len="med"/>
+                      <a:tailEnd type="none" w="med" len="med"/>
+                    </a:lnB>
+                    <a:noFill/>
+                  </a:tcPr>
+                </a:tc>
+                <a:tc>
+                  <a:txBody>
+                    <a:bodyPr/>
+                    <a:lstStyle/>
+                    <a:p>
+                      <a:pPr algn="ctr"/>
+                      <a:r>
+                        <a:rPr lang="en-US" altLang="zh-CN" dirty="0">
+                          <a:solidFill>
+                            <a:sysClr val="windowText" lastClr="000000"/>
+                          </a:solidFill>
+                        </a:rPr>
+                        <a:t>1</a:t>
+                      </a:r>
+                      <a:endParaRPr lang="zh-CN" altLang="en-US" dirty="0">
+                        <a:solidFill>
+                          <a:sysClr val="windowText" lastClr="000000"/>
+                        </a:solidFill>
+                      </a:endParaRPr>
+                    </a:p>
+                  </a:txBody>
+                  <a:tcPr>
+                    <a:lnL w="12700" cap="flat" cmpd="sng" algn="ctr">
+                      <a:solidFill>
+                        <a:schemeClr val="tx1"/>
+                      </a:solidFill>
+                      <a:prstDash val="solid"/>
+                      <a:round/>
+                      <a:headEnd type="none" w="med" len="med"/>
+                      <a:tailEnd type="none" w="med" len="med"/>
+                    </a:lnL>
+                    <a:lnR w="12700" cap="flat" cmpd="sng" algn="ctr">
+                      <a:solidFill>
+                        <a:schemeClr val="tx1"/>
+                      </a:solidFill>
+                      <a:prstDash val="solid"/>
+                      <a:round/>
+                      <a:headEnd type="none" w="med" len="med"/>
+                      <a:tailEnd type="none" w="med" len="med"/>
+                    </a:lnR>
+                    <a:lnT w="12700" cap="flat" cmpd="sng" algn="ctr">
+                      <a:solidFill>
+                        <a:schemeClr val="tx1"/>
+                      </a:solidFill>
+                      <a:prstDash val="solid"/>
+                      <a:round/>
+                      <a:headEnd type="none" w="med" len="med"/>
+                      <a:tailEnd type="none" w="med" len="med"/>
+                    </a:lnT>
+                    <a:lnB w="12700" cap="flat" cmpd="sng" algn="ctr">
+                      <a:solidFill>
+                        <a:schemeClr val="tx1"/>
+                      </a:solidFill>
+                      <a:prstDash val="solid"/>
+                      <a:round/>
+                      <a:headEnd type="none" w="med" len="med"/>
+                      <a:tailEnd type="none" w="med" len="med"/>
+                    </a:lnB>
+                    <a:noFill/>
+                  </a:tcPr>
+                </a:tc>
+                <a:tc>
+                  <a:txBody>
+                    <a:bodyPr/>
+                    <a:lstStyle/>
+                    <a:p>
+                      <a:pPr algn="ctr"/>
+                      <a:r>
+                        <a:rPr lang="en-US" altLang="zh-CN" dirty="0">
+                          <a:solidFill>
+                            <a:sysClr val="windowText" lastClr="000000"/>
+                          </a:solidFill>
+                        </a:rPr>
+                        <a:t>2</a:t>
+                      </a:r>
+                      <a:endParaRPr lang="zh-CN" altLang="en-US" dirty="0">
+                        <a:solidFill>
+                          <a:sysClr val="windowText" lastClr="000000"/>
+                        </a:solidFill>
+                      </a:endParaRPr>
+                    </a:p>
+                  </a:txBody>
+                  <a:tcPr>
+                    <a:lnL w="12700" cap="flat" cmpd="sng" algn="ctr">
+                      <a:solidFill>
+                        <a:schemeClr val="tx1"/>
+                      </a:solidFill>
+                      <a:prstDash val="solid"/>
+                      <a:round/>
+                      <a:headEnd type="none" w="med" len="med"/>
+                      <a:tailEnd type="none" w="med" len="med"/>
+                    </a:lnL>
+                    <a:lnR w="12700" cap="flat" cmpd="sng" algn="ctr">
+                      <a:solidFill>
+                        <a:schemeClr val="tx1"/>
+                      </a:solidFill>
+                      <a:prstDash val="solid"/>
+                      <a:round/>
+                      <a:headEnd type="none" w="med" len="med"/>
+                      <a:tailEnd type="none" w="med" len="med"/>
+                    </a:lnR>
+                    <a:lnT w="12700" cap="flat" cmpd="sng" algn="ctr">
+                      <a:solidFill>
+                        <a:schemeClr val="tx1"/>
+                      </a:solidFill>
+                      <a:prstDash val="solid"/>
+                      <a:round/>
+                      <a:headEnd type="none" w="med" len="med"/>
+                      <a:tailEnd type="none" w="med" len="med"/>
+                    </a:lnT>
+                    <a:lnB w="12700" cap="flat" cmpd="sng" algn="ctr">
+                      <a:solidFill>
+                        <a:schemeClr val="tx1"/>
+                      </a:solidFill>
+                      <a:prstDash val="solid"/>
+                      <a:round/>
+                      <a:headEnd type="none" w="med" len="med"/>
+                      <a:tailEnd type="none" w="med" len="med"/>
+                    </a:lnB>
+                    <a:noFill/>
+                  </a:tcPr>
+                </a:tc>
+                <a:tc>
+                  <a:txBody>
+                    <a:bodyPr/>
+                    <a:lstStyle/>
+                    <a:p>
+                      <a:pPr algn="ctr"/>
+                      <a:r>
+                        <a:rPr lang="en-US" altLang="zh-CN" dirty="0">
+                          <a:solidFill>
+                            <a:sysClr val="windowText" lastClr="000000"/>
+                          </a:solidFill>
+                        </a:rPr>
+                        <a:t>3</a:t>
+                      </a:r>
+                      <a:endParaRPr lang="zh-CN" altLang="en-US" dirty="0">
+                        <a:solidFill>
+                          <a:sysClr val="windowText" lastClr="000000"/>
+                        </a:solidFill>
+                      </a:endParaRPr>
+                    </a:p>
+                  </a:txBody>
+                  <a:tcPr>
+                    <a:lnL w="12700" cap="flat" cmpd="sng" algn="ctr">
+                      <a:solidFill>
+                        <a:schemeClr val="tx1"/>
+                      </a:solidFill>
+                      <a:prstDash val="solid"/>
+                      <a:round/>
+                      <a:headEnd type="none" w="med" len="med"/>
+                      <a:tailEnd type="none" w="med" len="med"/>
+                    </a:lnL>
+                    <a:lnR w="12700" cap="flat" cmpd="sng" algn="ctr">
+                      <a:solidFill>
+                        <a:schemeClr val="tx1"/>
+                      </a:solidFill>
+                      <a:prstDash val="solid"/>
+                      <a:round/>
+                      <a:headEnd type="none" w="med" len="med"/>
+                      <a:tailEnd type="none" w="med" len="med"/>
+                    </a:lnR>
+                    <a:lnT w="12700" cap="flat" cmpd="sng" algn="ctr">
+                      <a:solidFill>
+                        <a:schemeClr val="tx1"/>
+                      </a:solidFill>
+                      <a:prstDash val="solid"/>
+                      <a:round/>
+                      <a:headEnd type="none" w="med" len="med"/>
+                      <a:tailEnd type="none" w="med" len="med"/>
+                    </a:lnT>
+                    <a:lnB w="12700" cap="flat" cmpd="sng" algn="ctr">
+                      <a:solidFill>
+                        <a:schemeClr val="tx1"/>
+                      </a:solidFill>
+                      <a:prstDash val="solid"/>
+                      <a:round/>
+                      <a:headEnd type="none" w="med" len="med"/>
+                      <a:tailEnd type="none" w="med" len="med"/>
+                    </a:lnB>
+                    <a:noFill/>
+                  </a:tcPr>
+                </a:tc>
+                <a:tc>
+                  <a:txBody>
+                    <a:bodyPr/>
+                    <a:lstStyle/>
+                    <a:p>
+                      <a:pPr algn="ctr"/>
+                      <a:r>
+                        <a:rPr lang="en-US" altLang="zh-CN" dirty="0">
+                          <a:solidFill>
+                            <a:sysClr val="windowText" lastClr="000000"/>
+                          </a:solidFill>
+                        </a:rPr>
+                        <a:t>3</a:t>
+                      </a:r>
+                      <a:endParaRPr lang="zh-CN" altLang="en-US" dirty="0">
+                        <a:solidFill>
+                          <a:sysClr val="windowText" lastClr="000000"/>
+                        </a:solidFill>
+                      </a:endParaRPr>
+                    </a:p>
+                  </a:txBody>
+                  <a:tcPr>
+                    <a:lnL w="12700" cap="flat" cmpd="sng" algn="ctr">
+                      <a:solidFill>
+                        <a:schemeClr val="tx1"/>
+                      </a:solidFill>
+                      <a:prstDash val="solid"/>
+                      <a:round/>
+                      <a:headEnd type="none" w="med" len="med"/>
+                      <a:tailEnd type="none" w="med" len="med"/>
+                    </a:lnL>
+                    <a:lnR w="12700" cap="flat" cmpd="sng" algn="ctr">
+                      <a:solidFill>
+                        <a:schemeClr val="tx1"/>
+                      </a:solidFill>
+                      <a:prstDash val="solid"/>
+                      <a:round/>
+                      <a:headEnd type="none" w="med" len="med"/>
+                      <a:tailEnd type="none" w="med" len="med"/>
+                    </a:lnR>
+                    <a:lnT w="12700" cap="flat" cmpd="sng" algn="ctr">
+                      <a:solidFill>
+                        <a:schemeClr val="tx1"/>
+                      </a:solidFill>
+                      <a:prstDash val="solid"/>
+                      <a:round/>
+                      <a:headEnd type="none" w="med" len="med"/>
+                      <a:tailEnd type="none" w="med" len="med"/>
+                    </a:lnT>
+                    <a:lnB w="12700" cap="flat" cmpd="sng" algn="ctr">
+                      <a:solidFill>
+                        <a:schemeClr val="tx1"/>
+                      </a:solidFill>
+                      <a:prstDash val="solid"/>
+                      <a:round/>
+                      <a:headEnd type="none" w="med" len="med"/>
+                      <a:tailEnd type="none" w="med" len="med"/>
+                    </a:lnB>
+                    <a:noFill/>
+                  </a:tcPr>
+                </a:tc>
+                <a:tc>
+                  <a:txBody>
+                    <a:bodyPr/>
+                    <a:lstStyle/>
+                    <a:p>
+                      <a:pPr algn="ctr"/>
+                      <a:r>
+                        <a:rPr lang="en-US" altLang="zh-CN" dirty="0">
+                          <a:solidFill>
+                            <a:sysClr val="windowText" lastClr="000000"/>
+                          </a:solidFill>
+                        </a:rPr>
+                        <a:t>2</a:t>
+                      </a:r>
+                      <a:endParaRPr lang="zh-CN" altLang="en-US" dirty="0">
+                        <a:solidFill>
+                          <a:sysClr val="windowText" lastClr="000000"/>
+                        </a:solidFill>
+                      </a:endParaRPr>
+                    </a:p>
+                  </a:txBody>
+                  <a:tcPr>
+                    <a:lnL w="12700" cap="flat" cmpd="sng" algn="ctr">
+                      <a:solidFill>
+                        <a:schemeClr val="tx1"/>
+                      </a:solidFill>
+                      <a:prstDash val="solid"/>
+                      <a:round/>
+                      <a:headEnd type="none" w="med" len="med"/>
+                      <a:tailEnd type="none" w="med" len="med"/>
+                    </a:lnL>
+                    <a:lnR w="12700" cap="flat" cmpd="sng" algn="ctr">
+                      <a:solidFill>
+                        <a:schemeClr val="tx1"/>
+                      </a:solidFill>
+                      <a:prstDash val="solid"/>
+                      <a:round/>
+                      <a:headEnd type="none" w="med" len="med"/>
+                      <a:tailEnd type="none" w="med" len="med"/>
+                    </a:lnR>
+                    <a:lnT w="12700" cap="flat" cmpd="sng" algn="ctr">
+                      <a:solidFill>
+                        <a:schemeClr val="tx1"/>
+                      </a:solidFill>
+                      <a:prstDash val="solid"/>
+                      <a:round/>
+                      <a:headEnd type="none" w="med" len="med"/>
+                      <a:tailEnd type="none" w="med" len="med"/>
+                    </a:lnT>
+                    <a:lnB w="12700" cap="flat" cmpd="sng" algn="ctr">
+                      <a:solidFill>
+                        <a:schemeClr val="tx1"/>
+                      </a:solidFill>
+                      <a:prstDash val="solid"/>
+                      <a:round/>
+                      <a:headEnd type="none" w="med" len="med"/>
+                      <a:tailEnd type="none" w="med" len="med"/>
+                    </a:lnB>
+                    <a:noFill/>
+                  </a:tcPr>
+                </a:tc>
+                <a:tc>
+                  <a:txBody>
+                    <a:bodyPr/>
+                    <a:lstStyle/>
+                    <a:p>
+                      <a:pPr algn="ctr"/>
+                      <a:r>
+                        <a:rPr lang="en-US" altLang="zh-CN" dirty="0">
+                          <a:solidFill>
+                            <a:sysClr val="windowText" lastClr="000000"/>
+                          </a:solidFill>
+                        </a:rPr>
+                        <a:t>2</a:t>
+                      </a:r>
+                      <a:endParaRPr lang="zh-CN" altLang="en-US" dirty="0">
+                        <a:solidFill>
+                          <a:sysClr val="windowText" lastClr="000000"/>
+                        </a:solidFill>
+                      </a:endParaRPr>
+                    </a:p>
+                  </a:txBody>
+                  <a:tcPr>
+                    <a:lnL w="12700" cap="flat" cmpd="sng" algn="ctr">
+                      <a:solidFill>
+                        <a:schemeClr val="tx1"/>
+                      </a:solidFill>
+                      <a:prstDash val="solid"/>
+                      <a:round/>
+                      <a:headEnd type="none" w="med" len="med"/>
+                      <a:tailEnd type="none" w="med" len="med"/>
+                    </a:lnL>
+                    <a:lnR w="12700" cap="flat" cmpd="sng" algn="ctr">
+                      <a:solidFill>
+                        <a:schemeClr val="tx1"/>
+                      </a:solidFill>
+                      <a:prstDash val="solid"/>
+                      <a:round/>
+                      <a:headEnd type="none" w="med" len="med"/>
+                      <a:tailEnd type="none" w="med" len="med"/>
+                    </a:lnR>
+                    <a:lnT w="12700" cap="flat" cmpd="sng" algn="ctr">
+                      <a:solidFill>
+                        <a:schemeClr val="tx1"/>
+                      </a:solidFill>
+                      <a:prstDash val="solid"/>
+                      <a:round/>
+                      <a:headEnd type="none" w="med" len="med"/>
+                      <a:tailEnd type="none" w="med" len="med"/>
+                    </a:lnT>
+                    <a:lnB w="12700" cap="flat" cmpd="sng" algn="ctr">
+                      <a:solidFill>
+                        <a:schemeClr val="tx1"/>
+                      </a:solidFill>
+                      <a:prstDash val="solid"/>
+                      <a:round/>
+                      <a:headEnd type="none" w="med" len="med"/>
+                      <a:tailEnd type="none" w="med" len="med"/>
+                    </a:lnB>
+                    <a:noFill/>
+                  </a:tcPr>
+                </a:tc>
+                <a:tc>
+                  <a:txBody>
+                    <a:bodyPr/>
+                    <a:lstStyle/>
+                    <a:p>
+                      <a:pPr algn="ctr"/>
+                      <a:r>
+                        <a:rPr lang="en-US" altLang="zh-CN" dirty="0">
+                          <a:solidFill>
+                            <a:sysClr val="windowText" lastClr="000000"/>
+                          </a:solidFill>
+                        </a:rPr>
+                        <a:t>1</a:t>
+                      </a:r>
+                      <a:endParaRPr lang="zh-CN" altLang="en-US" dirty="0">
+                        <a:solidFill>
+                          <a:sysClr val="windowText" lastClr="000000"/>
+                        </a:solidFill>
+                      </a:endParaRPr>
+                    </a:p>
+                  </a:txBody>
+                  <a:tcPr>
+                    <a:lnL w="12700" cap="flat" cmpd="sng" algn="ctr">
+                      <a:solidFill>
+                        <a:schemeClr val="tx1"/>
+                      </a:solidFill>
+                      <a:prstDash val="solid"/>
+                      <a:round/>
+                      <a:headEnd type="none" w="med" len="med"/>
+                      <a:tailEnd type="none" w="med" len="med"/>
+                    </a:lnL>
+                    <a:lnR w="12700" cap="flat" cmpd="sng" algn="ctr">
+                      <a:solidFill>
+                        <a:schemeClr val="tx1"/>
+                      </a:solidFill>
+                      <a:prstDash val="solid"/>
+                      <a:round/>
+                      <a:headEnd type="none" w="med" len="med"/>
+                      <a:tailEnd type="none" w="med" len="med"/>
+                    </a:lnR>
+                    <a:lnT w="12700" cap="flat" cmpd="sng" algn="ctr">
+                      <a:solidFill>
+                        <a:schemeClr val="tx1"/>
+                      </a:solidFill>
+                      <a:prstDash val="solid"/>
+                      <a:round/>
+                      <a:headEnd type="none" w="med" len="med"/>
+                      <a:tailEnd type="none" w="med" len="med"/>
+                    </a:lnT>
+                    <a:lnB w="12700" cap="flat" cmpd="sng" algn="ctr">
+                      <a:solidFill>
+                        <a:schemeClr val="tx1"/>
+                      </a:solidFill>
+                      <a:prstDash val="solid"/>
+                      <a:round/>
+                      <a:headEnd type="none" w="med" len="med"/>
+                      <a:tailEnd type="none" w="med" len="med"/>
+                    </a:lnB>
+                    <a:noFill/>
+                  </a:tcPr>
+                </a:tc>
+                <a:extLst>
+                  <a:ext uri="{0D108BD9-81ED-4DB2-BD59-A6C34878D82A}">
+                    <a16:rowId xmlns:a16="http://schemas.microsoft.com/office/drawing/2014/main" val="2765709650"/>
+                  </a:ext>
+                </a:extLst>
+              </a:tr>
+            </a:tbl>
+          </a:graphicData>
+        </a:graphic>
+      </p:graphicFrame>
+      <p:sp>
+        <p:nvSpPr>
+          <p:cNvPr id="8" name="文本框 7">
+            <a:extLst>
+              <a:ext uri="{FF2B5EF4-FFF2-40B4-BE49-F238E27FC236}">
+                <a16:creationId xmlns:a16="http://schemas.microsoft.com/office/drawing/2014/main" id="{1761163A-07EF-49D1-81CE-33EEE84E1721}"/>
+              </a:ext>
+            </a:extLst>
+          </p:cNvPr>
+          <p:cNvSpPr txBox="1"/>
+          <p:nvPr/>
+        </p:nvSpPr>
+        <p:spPr>
+          <a:xfrm>
+            <a:off x="3134643" y="1230163"/>
+            <a:ext cx="696024" cy="369332"/>
+          </a:xfrm>
+          <a:prstGeom prst="rect">
+            <a:avLst/>
+          </a:prstGeom>
+          <a:noFill/>
+        </p:spPr>
+        <p:txBody>
+          <a:bodyPr wrap="none" rtlCol="0">
+            <a:spAutoFit/>
+          </a:bodyPr>
+          <a:lstStyle/>
+          <a:p>
+            <a:r>
+              <a:rPr lang="en-US" altLang="zh-CN" dirty="0"/>
+              <a:t>input</a:t>
+            </a:r>
+            <a:endParaRPr lang="zh-CN" altLang="en-US" dirty="0"/>
+          </a:p>
+        </p:txBody>
+      </p:sp>
+      <p:sp>
+        <p:nvSpPr>
+          <p:cNvPr id="9" name="文本框 8">
+            <a:extLst>
+              <a:ext uri="{FF2B5EF4-FFF2-40B4-BE49-F238E27FC236}">
+                <a16:creationId xmlns:a16="http://schemas.microsoft.com/office/drawing/2014/main" id="{32817A22-36A3-4871-AA4D-1C9744B52480}"/>
+              </a:ext>
+            </a:extLst>
+          </p:cNvPr>
+          <p:cNvSpPr txBox="1"/>
+          <p:nvPr/>
+        </p:nvSpPr>
+        <p:spPr>
+          <a:xfrm>
+            <a:off x="3969382" y="1599495"/>
+            <a:ext cx="4529430" cy="276999"/>
+          </a:xfrm>
+          <a:prstGeom prst="rect">
+            <a:avLst/>
+          </a:prstGeom>
+          <a:noFill/>
+        </p:spPr>
+        <p:txBody>
+          <a:bodyPr wrap="square" rtlCol="0">
+            <a:spAutoFit/>
+          </a:bodyPr>
+          <a:lstStyle/>
+          <a:p>
+            <a:r>
+              <a:rPr lang="en-US" altLang="zh-CN" sz="1200" dirty="0"/>
+              <a:t>0             1	        2             3            4            5            6             7</a:t>
+            </a:r>
+            <a:endParaRPr lang="zh-CN" altLang="en-US" sz="1200" dirty="0"/>
+          </a:p>
+        </p:txBody>
+      </p:sp>
+      <p:sp>
+        <p:nvSpPr>
+          <p:cNvPr id="12" name="箭头: 下 11">
+            <a:extLst>
+              <a:ext uri="{FF2B5EF4-FFF2-40B4-BE49-F238E27FC236}">
+                <a16:creationId xmlns:a16="http://schemas.microsoft.com/office/drawing/2014/main" id="{BA65D470-2352-47F6-BD71-97BDFC1E2ADD}"/>
+              </a:ext>
+            </a:extLst>
+          </p:cNvPr>
+          <p:cNvSpPr/>
+          <p:nvPr/>
+        </p:nvSpPr>
+        <p:spPr>
+          <a:xfrm>
+            <a:off x="6034349" y="2116757"/>
+            <a:ext cx="399495" cy="479394"/>
+          </a:xfrm>
+          <a:prstGeom prst="downArrow">
+            <a:avLst/>
+          </a:prstGeom>
+          <a:noFill/>
+          <a:ln>
+            <a:solidFill>
+              <a:schemeClr val="tx1"/>
+            </a:solidFill>
+          </a:ln>
+        </p:spPr>
+        <p:style>
+          <a:lnRef idx="2">
+            <a:schemeClr val="accent1">
+              <a:shade val="50000"/>
+            </a:schemeClr>
+          </a:lnRef>
+          <a:fillRef idx="1">
+            <a:schemeClr val="accent1"/>
+          </a:fillRef>
+          <a:effectRef idx="0">
+            <a:schemeClr val="accent1"/>
+          </a:effectRef>
+          <a:fontRef idx="minor">
+            <a:schemeClr val="lt1"/>
+          </a:fontRef>
+        </p:style>
+        <p:txBody>
+          <a:bodyPr rtlCol="0" anchor="ctr"/>
+          <a:lstStyle/>
+          <a:p>
+            <a:pPr algn="ctr"/>
+            <a:endParaRPr lang="zh-CN" altLang="en-US"/>
+          </a:p>
+        </p:txBody>
+      </p:sp>
+    </p:spTree>
+    <p:extLst>
+      <p:ext uri="{BB962C8B-B14F-4D97-AF65-F5344CB8AC3E}">
+        <p14:creationId xmlns:p14="http://schemas.microsoft.com/office/powerpoint/2010/main" val="1716897913"/>
+      </p:ext>
+    </p:extLst>
+  </p:cSld>
+  <p:clrMapOvr>
+    <a:masterClrMapping/>
+  </p:clrMapOvr>
+</p:sld>
+</file>
+
+<file path=ppt/slides/slide20.xml><?xml version="1.0" encoding="utf-8"?>
 <p:sld xmlns:a="http://schemas.openxmlformats.org/drawingml/2006/main" xmlns:r="http://schemas.openxmlformats.org/officeDocument/2006/relationships" xmlns:p="http://schemas.openxmlformats.org/presentationml/2006/main">
   <p:cSld>
     <p:spTree>
@@ -31813,7 +35347,7 @@
 </p:sld>
 </file>
 
-<file path=ppt/slides/slide2.xml><?xml version="1.0" encoding="utf-8"?>
+<file path=ppt/slides/slide3.xml><?xml version="1.0" encoding="utf-8"?>
 <p:sld xmlns:a="http://schemas.openxmlformats.org/drawingml/2006/main" xmlns:r="http://schemas.openxmlformats.org/officeDocument/2006/relationships" xmlns:p="http://schemas.openxmlformats.org/presentationml/2006/main">
   <p:cSld>
     <p:spTree>
@@ -31830,8 +35364,8 @@
           <a:chExt cx="0" cy="0"/>
         </a:xfrm>
       </p:grpSpPr>
-      <mc:AlternateContent xmlns:mc="http://schemas.openxmlformats.org/markup-compatibility/2006">
-        <mc:Choice xmlns:cx1="http://schemas.microsoft.com/office/drawing/2015/9/8/chartex" Requires="cx1">
+      <mc:AlternateContent xmlns:mc="http://schemas.openxmlformats.org/markup-compatibility/2006" xmlns:cx1="http://schemas.microsoft.com/office/drawing/2015/9/8/chartex">
+        <mc:Choice Requires="cx1">
           <p:graphicFrame>
             <p:nvGraphicFramePr>
               <p:cNvPr id="5" name="图表 4">
@@ -31861,7 +35395,7 @@
             </a:graphic>
           </p:graphicFrame>
         </mc:Choice>
-        <mc:Fallback>
+        <mc:Fallback xmlns="">
           <p:pic>
             <p:nvPicPr>
               <p:cNvPr id="5" name="图表 4">
@@ -33396,8 +36930,8 @@
         </p:nvSpPr>
         <p:spPr>
           <a:xfrm>
-            <a:off x="8280403" y="2790443"/>
-            <a:ext cx="3296079" cy="2308324"/>
+            <a:off x="8138360" y="2701666"/>
+            <a:ext cx="3766595" cy="2308324"/>
           </a:xfrm>
           <a:prstGeom prst="rect">
             <a:avLst/>
@@ -33427,7 +36961,26 @@
               <a:rPr lang="en-US" altLang="zh-CN" b="1" dirty="0" err="1"/>
               <a:t>stack.empty</a:t>
             </a:r>
-            <a:endParaRPr lang="en-US" altLang="zh-CN" b="1" dirty="0"/>
+            <a:r>
+              <a:rPr lang="en-US" altLang="zh-CN" b="1" dirty="0"/>
+              <a:t> || </a:t>
+            </a:r>
+            <a:r>
+              <a:rPr lang="en-US" altLang="zh-CN" b="1" dirty="0" err="1"/>
+              <a:t>i</a:t>
+            </a:r>
+            <a:r>
+              <a:rPr lang="en-US" altLang="zh-CN" b="1" dirty="0"/>
+              <a:t>&lt;</a:t>
+            </a:r>
+            <a:r>
+              <a:rPr lang="en-US" altLang="zh-CN" b="1" dirty="0" err="1"/>
+              <a:t>input.length</a:t>
+            </a:r>
+            <a:r>
+              <a:rPr lang="en-US" altLang="zh-CN" b="1" dirty="0"/>
+              <a:t> </a:t>
+            </a:r>
           </a:p>
           <a:p>
             <a:r>
@@ -33486,7 +37039,7 @@
             </a:r>
             <a:r>
               <a:rPr lang="en-US" altLang="zh-CN" b="1" dirty="0"/>
-              <a:t>++</a:t>
+              <a:t>++;</a:t>
             </a:r>
           </a:p>
           <a:p>
@@ -33522,7 +37075,7 @@
 </p:sld>
 </file>
 
-<file path=ppt/slides/slide3.xml><?xml version="1.0" encoding="utf-8"?>
+<file path=ppt/slides/slide4.xml><?xml version="1.0" encoding="utf-8"?>
 <p:sld xmlns:a="http://schemas.openxmlformats.org/drawingml/2006/main" xmlns:r="http://schemas.openxmlformats.org/officeDocument/2006/relationships" xmlns:p="http://schemas.openxmlformats.org/presentationml/2006/main">
   <p:cSld>
     <p:spTree>
@@ -33539,8 +37092,8 @@
           <a:chExt cx="0" cy="0"/>
         </a:xfrm>
       </p:grpSpPr>
-      <mc:AlternateContent xmlns:mc="http://schemas.openxmlformats.org/markup-compatibility/2006">
-        <mc:Choice xmlns:cx1="http://schemas.microsoft.com/office/drawing/2015/9/8/chartex" Requires="cx1">
+      <mc:AlternateContent xmlns:mc="http://schemas.openxmlformats.org/markup-compatibility/2006" xmlns:cx1="http://schemas.microsoft.com/office/drawing/2015/9/8/chartex">
+        <mc:Choice Requires="cx1">
           <p:graphicFrame>
             <p:nvGraphicFramePr>
               <p:cNvPr id="5" name="图表 4">
@@ -33566,7 +37119,7 @@
             </a:graphic>
           </p:graphicFrame>
         </mc:Choice>
-        <mc:Fallback>
+        <mc:Fallback xmlns="">
           <p:pic>
             <p:nvPicPr>
               <p:cNvPr id="5" name="图表 4">
@@ -35075,10 +38628,10 @@
       </p:sp>
       <p:sp>
         <p:nvSpPr>
-          <p:cNvPr id="16" name="文本框 15">
+          <p:cNvPr id="14" name="文本框 13">
             <a:extLst>
               <a:ext uri="{FF2B5EF4-FFF2-40B4-BE49-F238E27FC236}">
-                <a16:creationId xmlns:a16="http://schemas.microsoft.com/office/drawing/2014/main" id="{6970A0AA-FFC9-4207-9AC8-4E43FC1DF951}"/>
+                <a16:creationId xmlns:a16="http://schemas.microsoft.com/office/drawing/2014/main" id="{A225281C-28E8-487A-9D36-FF9608BD3AF3}"/>
               </a:ext>
             </a:extLst>
           </p:cNvPr>
@@ -35087,8 +38640,8 @@
         </p:nvSpPr>
         <p:spPr>
           <a:xfrm>
-            <a:off x="8280403" y="2790443"/>
-            <a:ext cx="3296079" cy="2308324"/>
+            <a:off x="8138360" y="2701666"/>
+            <a:ext cx="3766595" cy="2308324"/>
           </a:xfrm>
           <a:prstGeom prst="rect">
             <a:avLst/>
@@ -35118,7 +38671,26 @@
               <a:rPr lang="en-US" altLang="zh-CN" b="1" dirty="0" err="1"/>
               <a:t>stack.empty</a:t>
             </a:r>
-            <a:endParaRPr lang="en-US" altLang="zh-CN" b="1" dirty="0"/>
+            <a:r>
+              <a:rPr lang="en-US" altLang="zh-CN" b="1" dirty="0"/>
+              <a:t> || </a:t>
+            </a:r>
+            <a:r>
+              <a:rPr lang="en-US" altLang="zh-CN" b="1" dirty="0" err="1"/>
+              <a:t>i</a:t>
+            </a:r>
+            <a:r>
+              <a:rPr lang="en-US" altLang="zh-CN" b="1" dirty="0"/>
+              <a:t>&lt;</a:t>
+            </a:r>
+            <a:r>
+              <a:rPr lang="en-US" altLang="zh-CN" b="1" dirty="0" err="1"/>
+              <a:t>input.length</a:t>
+            </a:r>
+            <a:r>
+              <a:rPr lang="en-US" altLang="zh-CN" b="1" dirty="0"/>
+              <a:t> </a:t>
+            </a:r>
           </a:p>
           <a:p>
             <a:r>
@@ -35177,7 +38749,7 @@
             </a:r>
             <a:r>
               <a:rPr lang="en-US" altLang="zh-CN" b="1" dirty="0"/>
-              <a:t>++</a:t>
+              <a:t>++;</a:t>
             </a:r>
           </a:p>
           <a:p>
@@ -35213,7 +38785,7 @@
 </p:sld>
 </file>
 
-<file path=ppt/slides/slide4.xml><?xml version="1.0" encoding="utf-8"?>
+<file path=ppt/slides/slide5.xml><?xml version="1.0" encoding="utf-8"?>
 <p:sld xmlns:a="http://schemas.openxmlformats.org/drawingml/2006/main" xmlns:r="http://schemas.openxmlformats.org/officeDocument/2006/relationships" xmlns:p="http://schemas.openxmlformats.org/presentationml/2006/main">
   <p:cSld>
     <p:spTree>
@@ -35230,8 +38802,8 @@
           <a:chExt cx="0" cy="0"/>
         </a:xfrm>
       </p:grpSpPr>
-      <mc:AlternateContent xmlns:mc="http://schemas.openxmlformats.org/markup-compatibility/2006">
-        <mc:Choice xmlns:cx1="http://schemas.microsoft.com/office/drawing/2015/9/8/chartex" Requires="cx1">
+      <mc:AlternateContent xmlns:mc="http://schemas.openxmlformats.org/markup-compatibility/2006" xmlns:cx1="http://schemas.microsoft.com/office/drawing/2015/9/8/chartex">
+        <mc:Choice Requires="cx1">
           <p:graphicFrame>
             <p:nvGraphicFramePr>
               <p:cNvPr id="5" name="图表 4">
@@ -35257,7 +38829,7 @@
             </a:graphic>
           </p:graphicFrame>
         </mc:Choice>
-        <mc:Fallback>
+        <mc:Fallback xmlns="">
           <p:pic>
             <p:nvPicPr>
               <p:cNvPr id="5" name="图表 4">
@@ -36770,10 +40342,10 @@
       </p:sp>
       <p:sp>
         <p:nvSpPr>
-          <p:cNvPr id="16" name="文本框 15">
+          <p:cNvPr id="14" name="文本框 13">
             <a:extLst>
               <a:ext uri="{FF2B5EF4-FFF2-40B4-BE49-F238E27FC236}">
-                <a16:creationId xmlns:a16="http://schemas.microsoft.com/office/drawing/2014/main" id="{6DDF7351-67C3-4CE7-BA8B-A2259E29859C}"/>
+                <a16:creationId xmlns:a16="http://schemas.microsoft.com/office/drawing/2014/main" id="{6583D036-02A6-44B5-A094-1B9044FC0FB2}"/>
               </a:ext>
             </a:extLst>
           </p:cNvPr>
@@ -36782,8 +40354,8 @@
         </p:nvSpPr>
         <p:spPr>
           <a:xfrm>
-            <a:off x="8280403" y="2790443"/>
-            <a:ext cx="3296079" cy="2308324"/>
+            <a:off x="8138360" y="2701666"/>
+            <a:ext cx="3766595" cy="2308324"/>
           </a:xfrm>
           <a:prstGeom prst="rect">
             <a:avLst/>
@@ -36813,7 +40385,26 @@
               <a:rPr lang="en-US" altLang="zh-CN" b="1" dirty="0" err="1"/>
               <a:t>stack.empty</a:t>
             </a:r>
-            <a:endParaRPr lang="en-US" altLang="zh-CN" b="1" dirty="0"/>
+            <a:r>
+              <a:rPr lang="en-US" altLang="zh-CN" b="1" dirty="0"/>
+              <a:t> || </a:t>
+            </a:r>
+            <a:r>
+              <a:rPr lang="en-US" altLang="zh-CN" b="1" dirty="0" err="1"/>
+              <a:t>i</a:t>
+            </a:r>
+            <a:r>
+              <a:rPr lang="en-US" altLang="zh-CN" b="1" dirty="0"/>
+              <a:t>&lt;</a:t>
+            </a:r>
+            <a:r>
+              <a:rPr lang="en-US" altLang="zh-CN" b="1" dirty="0" err="1"/>
+              <a:t>input.length</a:t>
+            </a:r>
+            <a:r>
+              <a:rPr lang="en-US" altLang="zh-CN" b="1" dirty="0"/>
+              <a:t> </a:t>
+            </a:r>
           </a:p>
           <a:p>
             <a:r>
@@ -36872,7 +40463,7 @@
             </a:r>
             <a:r>
               <a:rPr lang="en-US" altLang="zh-CN" b="1" dirty="0"/>
-              <a:t>++</a:t>
+              <a:t>++;</a:t>
             </a:r>
           </a:p>
           <a:p>
@@ -36908,7 +40499,7 @@
 </p:sld>
 </file>
 
-<file path=ppt/slides/slide5.xml><?xml version="1.0" encoding="utf-8"?>
+<file path=ppt/slides/slide6.xml><?xml version="1.0" encoding="utf-8"?>
 <p:sld xmlns:a="http://schemas.openxmlformats.org/drawingml/2006/main" xmlns:r="http://schemas.openxmlformats.org/officeDocument/2006/relationships" xmlns:p="http://schemas.openxmlformats.org/presentationml/2006/main">
   <p:cSld>
     <p:spTree>
@@ -36925,8 +40516,8 @@
           <a:chExt cx="0" cy="0"/>
         </a:xfrm>
       </p:grpSpPr>
-      <mc:AlternateContent xmlns:mc="http://schemas.openxmlformats.org/markup-compatibility/2006">
-        <mc:Choice xmlns:cx1="http://schemas.microsoft.com/office/drawing/2015/9/8/chartex" Requires="cx1">
+      <mc:AlternateContent xmlns:mc="http://schemas.openxmlformats.org/markup-compatibility/2006" xmlns:cx1="http://schemas.microsoft.com/office/drawing/2015/9/8/chartex">
+        <mc:Choice Requires="cx1">
           <p:graphicFrame>
             <p:nvGraphicFramePr>
               <p:cNvPr id="5" name="图表 4">
@@ -36952,7 +40543,7 @@
             </a:graphic>
           </p:graphicFrame>
         </mc:Choice>
-        <mc:Fallback>
+        <mc:Fallback xmlns="">
           <p:pic>
             <p:nvPicPr>
               <p:cNvPr id="5" name="图表 4">
@@ -38469,10 +42060,10 @@
       </p:sp>
       <p:sp>
         <p:nvSpPr>
-          <p:cNvPr id="16" name="文本框 15">
+          <p:cNvPr id="14" name="文本框 13">
             <a:extLst>
               <a:ext uri="{FF2B5EF4-FFF2-40B4-BE49-F238E27FC236}">
-                <a16:creationId xmlns:a16="http://schemas.microsoft.com/office/drawing/2014/main" id="{6084D166-4942-4A38-A8B2-4F9BBA08BF6B}"/>
+                <a16:creationId xmlns:a16="http://schemas.microsoft.com/office/drawing/2014/main" id="{E2C5BC1B-DE2C-4248-8571-2C26C286B640}"/>
               </a:ext>
             </a:extLst>
           </p:cNvPr>
@@ -38481,8 +42072,8 @@
         </p:nvSpPr>
         <p:spPr>
           <a:xfrm>
-            <a:off x="8280403" y="2790443"/>
-            <a:ext cx="3296079" cy="2308324"/>
+            <a:off x="8138360" y="2701666"/>
+            <a:ext cx="3766595" cy="2308324"/>
           </a:xfrm>
           <a:prstGeom prst="rect">
             <a:avLst/>
@@ -38512,7 +42103,26 @@
               <a:rPr lang="en-US" altLang="zh-CN" b="1" dirty="0" err="1"/>
               <a:t>stack.empty</a:t>
             </a:r>
-            <a:endParaRPr lang="en-US" altLang="zh-CN" b="1" dirty="0"/>
+            <a:r>
+              <a:rPr lang="en-US" altLang="zh-CN" b="1" dirty="0"/>
+              <a:t> || </a:t>
+            </a:r>
+            <a:r>
+              <a:rPr lang="en-US" altLang="zh-CN" b="1" dirty="0" err="1"/>
+              <a:t>i</a:t>
+            </a:r>
+            <a:r>
+              <a:rPr lang="en-US" altLang="zh-CN" b="1" dirty="0"/>
+              <a:t>&lt;</a:t>
+            </a:r>
+            <a:r>
+              <a:rPr lang="en-US" altLang="zh-CN" b="1" dirty="0" err="1"/>
+              <a:t>input.length</a:t>
+            </a:r>
+            <a:r>
+              <a:rPr lang="en-US" altLang="zh-CN" b="1" dirty="0"/>
+              <a:t> </a:t>
+            </a:r>
           </a:p>
           <a:p>
             <a:r>
@@ -38571,7 +42181,7 @@
             </a:r>
             <a:r>
               <a:rPr lang="en-US" altLang="zh-CN" b="1" dirty="0"/>
-              <a:t>++</a:t>
+              <a:t>++;</a:t>
             </a:r>
           </a:p>
           <a:p>
@@ -38607,7 +42217,7 @@
 </p:sld>
 </file>
 
-<file path=ppt/slides/slide6.xml><?xml version="1.0" encoding="utf-8"?>
+<file path=ppt/slides/slide7.xml><?xml version="1.0" encoding="utf-8"?>
 <p:sld xmlns:a="http://schemas.openxmlformats.org/drawingml/2006/main" xmlns:r="http://schemas.openxmlformats.org/officeDocument/2006/relationships" xmlns:p="http://schemas.openxmlformats.org/presentationml/2006/main">
   <p:cSld>
     <p:spTree>
@@ -38624,8 +42234,8 @@
           <a:chExt cx="0" cy="0"/>
         </a:xfrm>
       </p:grpSpPr>
-      <mc:AlternateContent xmlns:mc="http://schemas.openxmlformats.org/markup-compatibility/2006">
-        <mc:Choice xmlns:cx1="http://schemas.microsoft.com/office/drawing/2015/9/8/chartex" Requires="cx1">
+      <mc:AlternateContent xmlns:mc="http://schemas.openxmlformats.org/markup-compatibility/2006" xmlns:cx1="http://schemas.microsoft.com/office/drawing/2015/9/8/chartex">
+        <mc:Choice Requires="cx1">
           <p:graphicFrame>
             <p:nvGraphicFramePr>
               <p:cNvPr id="5" name="图表 4">
@@ -38651,7 +42261,7 @@
             </a:graphic>
           </p:graphicFrame>
         </mc:Choice>
-        <mc:Fallback>
+        <mc:Fallback xmlns="">
           <p:pic>
             <p:nvPicPr>
               <p:cNvPr id="5" name="图表 4">
@@ -40172,10 +43782,10 @@
       </p:sp>
       <p:sp>
         <p:nvSpPr>
-          <p:cNvPr id="16" name="文本框 15">
+          <p:cNvPr id="14" name="文本框 13">
             <a:extLst>
               <a:ext uri="{FF2B5EF4-FFF2-40B4-BE49-F238E27FC236}">
-                <a16:creationId xmlns:a16="http://schemas.microsoft.com/office/drawing/2014/main" id="{3C1CB0A0-0532-4BC8-92B4-1CB8D80EE127}"/>
+                <a16:creationId xmlns:a16="http://schemas.microsoft.com/office/drawing/2014/main" id="{20711895-CB44-4135-8734-9ED75D509108}"/>
               </a:ext>
             </a:extLst>
           </p:cNvPr>
@@ -40184,8 +43794,8 @@
         </p:nvSpPr>
         <p:spPr>
           <a:xfrm>
-            <a:off x="8280403" y="2790443"/>
-            <a:ext cx="3296079" cy="2308324"/>
+            <a:off x="8138360" y="2701666"/>
+            <a:ext cx="3766595" cy="2308324"/>
           </a:xfrm>
           <a:prstGeom prst="rect">
             <a:avLst/>
@@ -40215,7 +43825,26 @@
               <a:rPr lang="en-US" altLang="zh-CN" b="1" dirty="0" err="1"/>
               <a:t>stack.empty</a:t>
             </a:r>
-            <a:endParaRPr lang="en-US" altLang="zh-CN" b="1" dirty="0"/>
+            <a:r>
+              <a:rPr lang="en-US" altLang="zh-CN" b="1" dirty="0"/>
+              <a:t> || </a:t>
+            </a:r>
+            <a:r>
+              <a:rPr lang="en-US" altLang="zh-CN" b="1" dirty="0" err="1"/>
+              <a:t>i</a:t>
+            </a:r>
+            <a:r>
+              <a:rPr lang="en-US" altLang="zh-CN" b="1" dirty="0"/>
+              <a:t>&lt;</a:t>
+            </a:r>
+            <a:r>
+              <a:rPr lang="en-US" altLang="zh-CN" b="1" dirty="0" err="1"/>
+              <a:t>input.length</a:t>
+            </a:r>
+            <a:r>
+              <a:rPr lang="en-US" altLang="zh-CN" b="1" dirty="0"/>
+              <a:t> </a:t>
+            </a:r>
           </a:p>
           <a:p>
             <a:r>
@@ -40274,7 +43903,7 @@
             </a:r>
             <a:r>
               <a:rPr lang="en-US" altLang="zh-CN" b="1" dirty="0"/>
-              <a:t>++</a:t>
+              <a:t>++;</a:t>
             </a:r>
           </a:p>
           <a:p>
@@ -40310,7 +43939,7 @@
 </p:sld>
 </file>
 
-<file path=ppt/slides/slide7.xml><?xml version="1.0" encoding="utf-8"?>
+<file path=ppt/slides/slide8.xml><?xml version="1.0" encoding="utf-8"?>
 <p:sld xmlns:a="http://schemas.openxmlformats.org/drawingml/2006/main" xmlns:r="http://schemas.openxmlformats.org/officeDocument/2006/relationships" xmlns:p="http://schemas.openxmlformats.org/presentationml/2006/main">
   <p:cSld>
     <p:spTree>
@@ -40327,8 +43956,8 @@
           <a:chExt cx="0" cy="0"/>
         </a:xfrm>
       </p:grpSpPr>
-      <mc:AlternateContent xmlns:mc="http://schemas.openxmlformats.org/markup-compatibility/2006">
-        <mc:Choice xmlns:cx1="http://schemas.microsoft.com/office/drawing/2015/9/8/chartex" Requires="cx1">
+      <mc:AlternateContent xmlns:mc="http://schemas.openxmlformats.org/markup-compatibility/2006" xmlns:cx1="http://schemas.microsoft.com/office/drawing/2015/9/8/chartex">
+        <mc:Choice Requires="cx1">
           <p:graphicFrame>
             <p:nvGraphicFramePr>
               <p:cNvPr id="5" name="图表 4">
@@ -40354,7 +43983,7 @@
             </a:graphic>
           </p:graphicFrame>
         </mc:Choice>
-        <mc:Fallback>
+        <mc:Fallback xmlns="">
           <p:pic>
             <p:nvPicPr>
               <p:cNvPr id="5" name="图表 4">
@@ -41879,10 +45508,10 @@
       </p:sp>
       <p:sp>
         <p:nvSpPr>
-          <p:cNvPr id="16" name="文本框 15">
+          <p:cNvPr id="14" name="文本框 13">
             <a:extLst>
               <a:ext uri="{FF2B5EF4-FFF2-40B4-BE49-F238E27FC236}">
-                <a16:creationId xmlns:a16="http://schemas.microsoft.com/office/drawing/2014/main" id="{0B706243-0892-4146-9E0D-310A7519CB29}"/>
+                <a16:creationId xmlns:a16="http://schemas.microsoft.com/office/drawing/2014/main" id="{82642E2E-D5F2-43DB-BB3F-FEBEF1182E7D}"/>
               </a:ext>
             </a:extLst>
           </p:cNvPr>
@@ -41891,8 +45520,8 @@
         </p:nvSpPr>
         <p:spPr>
           <a:xfrm>
-            <a:off x="8280403" y="2790443"/>
-            <a:ext cx="3296079" cy="2308324"/>
+            <a:off x="8138360" y="2701666"/>
+            <a:ext cx="3766595" cy="2308324"/>
           </a:xfrm>
           <a:prstGeom prst="rect">
             <a:avLst/>
@@ -41922,7 +45551,26 @@
               <a:rPr lang="en-US" altLang="zh-CN" b="1" dirty="0" err="1"/>
               <a:t>stack.empty</a:t>
             </a:r>
-            <a:endParaRPr lang="en-US" altLang="zh-CN" b="1" dirty="0"/>
+            <a:r>
+              <a:rPr lang="en-US" altLang="zh-CN" b="1" dirty="0"/>
+              <a:t> || </a:t>
+            </a:r>
+            <a:r>
+              <a:rPr lang="en-US" altLang="zh-CN" b="1" dirty="0" err="1"/>
+              <a:t>i</a:t>
+            </a:r>
+            <a:r>
+              <a:rPr lang="en-US" altLang="zh-CN" b="1" dirty="0"/>
+              <a:t>&lt;</a:t>
+            </a:r>
+            <a:r>
+              <a:rPr lang="en-US" altLang="zh-CN" b="1" dirty="0" err="1"/>
+              <a:t>input.length</a:t>
+            </a:r>
+            <a:r>
+              <a:rPr lang="en-US" altLang="zh-CN" b="1" dirty="0"/>
+              <a:t> </a:t>
+            </a:r>
           </a:p>
           <a:p>
             <a:r>
@@ -41981,7 +45629,7 @@
             </a:r>
             <a:r>
               <a:rPr lang="en-US" altLang="zh-CN" b="1" dirty="0"/>
-              <a:t>++</a:t>
+              <a:t>++;</a:t>
             </a:r>
           </a:p>
           <a:p>
@@ -42017,7 +45665,7 @@
 </p:sld>
 </file>
 
-<file path=ppt/slides/slide8.xml><?xml version="1.0" encoding="utf-8"?>
+<file path=ppt/slides/slide9.xml><?xml version="1.0" encoding="utf-8"?>
 <p:sld xmlns:a="http://schemas.openxmlformats.org/drawingml/2006/main" xmlns:r="http://schemas.openxmlformats.org/officeDocument/2006/relationships" xmlns:p="http://schemas.openxmlformats.org/presentationml/2006/main">
   <p:cSld>
     <p:spTree>
@@ -42034,8 +45682,8 @@
           <a:chExt cx="0" cy="0"/>
         </a:xfrm>
       </p:grpSpPr>
-      <mc:AlternateContent xmlns:mc="http://schemas.openxmlformats.org/markup-compatibility/2006">
-        <mc:Choice xmlns:cx1="http://schemas.microsoft.com/office/drawing/2015/9/8/chartex" Requires="cx1">
+      <mc:AlternateContent xmlns:mc="http://schemas.openxmlformats.org/markup-compatibility/2006" xmlns:cx1="http://schemas.microsoft.com/office/drawing/2015/9/8/chartex">
+        <mc:Choice Requires="cx1">
           <p:graphicFrame>
             <p:nvGraphicFramePr>
               <p:cNvPr id="5" name="图表 4">
@@ -42061,7 +45709,7 @@
             </a:graphic>
           </p:graphicFrame>
         </mc:Choice>
-        <mc:Fallback>
+        <mc:Fallback xmlns="">
           <p:pic>
             <p:nvPicPr>
               <p:cNvPr id="5" name="图表 4">
@@ -43617,10 +47265,10 @@
       </p:sp>
       <p:sp>
         <p:nvSpPr>
-          <p:cNvPr id="15" name="文本框 14">
+          <p:cNvPr id="14" name="文本框 13">
             <a:extLst>
               <a:ext uri="{FF2B5EF4-FFF2-40B4-BE49-F238E27FC236}">
-                <a16:creationId xmlns:a16="http://schemas.microsoft.com/office/drawing/2014/main" id="{B6ED516E-7203-4EB6-B8C5-5E34623B6139}"/>
+                <a16:creationId xmlns:a16="http://schemas.microsoft.com/office/drawing/2014/main" id="{FE9403F5-BF0D-4A02-92CD-AB31D6CF6890}"/>
               </a:ext>
             </a:extLst>
           </p:cNvPr>
@@ -43629,8 +47277,8 @@
         </p:nvSpPr>
         <p:spPr>
           <a:xfrm>
-            <a:off x="8280403" y="2790443"/>
-            <a:ext cx="3296079" cy="2308324"/>
+            <a:off x="8138360" y="2701666"/>
+            <a:ext cx="3766595" cy="2308324"/>
           </a:xfrm>
           <a:prstGeom prst="rect">
             <a:avLst/>
@@ -43660,7 +47308,26 @@
               <a:rPr lang="en-US" altLang="zh-CN" b="1" dirty="0" err="1"/>
               <a:t>stack.empty</a:t>
             </a:r>
-            <a:endParaRPr lang="en-US" altLang="zh-CN" b="1" dirty="0"/>
+            <a:r>
+              <a:rPr lang="en-US" altLang="zh-CN" b="1" dirty="0"/>
+              <a:t> || </a:t>
+            </a:r>
+            <a:r>
+              <a:rPr lang="en-US" altLang="zh-CN" b="1" dirty="0" err="1"/>
+              <a:t>i</a:t>
+            </a:r>
+            <a:r>
+              <a:rPr lang="en-US" altLang="zh-CN" b="1" dirty="0"/>
+              <a:t>&lt;</a:t>
+            </a:r>
+            <a:r>
+              <a:rPr lang="en-US" altLang="zh-CN" b="1" dirty="0" err="1"/>
+              <a:t>input.length</a:t>
+            </a:r>
+            <a:r>
+              <a:rPr lang="en-US" altLang="zh-CN" b="1" dirty="0"/>
+              <a:t> </a:t>
+            </a:r>
           </a:p>
           <a:p>
             <a:r>
@@ -43719,7 +47386,7 @@
             </a:r>
             <a:r>
               <a:rPr lang="en-US" altLang="zh-CN" b="1" dirty="0"/>
-              <a:t>++</a:t>
+              <a:t>++;</a:t>
             </a:r>
           </a:p>
           <a:p>
@@ -43746,1740 +47413,6 @@
     <p:extLst>
       <p:ext uri="{BB962C8B-B14F-4D97-AF65-F5344CB8AC3E}">
         <p14:creationId xmlns:p14="http://schemas.microsoft.com/office/powerpoint/2010/main" val="1370598560"/>
-      </p:ext>
-    </p:extLst>
-  </p:cSld>
-  <p:clrMapOvr>
-    <a:masterClrMapping/>
-  </p:clrMapOvr>
-</p:sld>
-</file>
-
-<file path=ppt/slides/slide9.xml><?xml version="1.0" encoding="utf-8"?>
-<p:sld xmlns:a="http://schemas.openxmlformats.org/drawingml/2006/main" xmlns:r="http://schemas.openxmlformats.org/officeDocument/2006/relationships" xmlns:p="http://schemas.openxmlformats.org/presentationml/2006/main">
-  <p:cSld>
-    <p:spTree>
-      <p:nvGrpSpPr>
-        <p:cNvPr id="1" name=""/>
-        <p:cNvGrpSpPr/>
-        <p:nvPr/>
-      </p:nvGrpSpPr>
-      <p:grpSpPr>
-        <a:xfrm>
-          <a:off x="0" y="0"/>
-          <a:ext cx="0" cy="0"/>
-          <a:chOff x="0" y="0"/>
-          <a:chExt cx="0" cy="0"/>
-        </a:xfrm>
-      </p:grpSpPr>
-      <mc:AlternateContent xmlns:mc="http://schemas.openxmlformats.org/markup-compatibility/2006">
-        <mc:Choice xmlns:cx1="http://schemas.microsoft.com/office/drawing/2015/9/8/chartex" Requires="cx1">
-          <p:graphicFrame>
-            <p:nvGraphicFramePr>
-              <p:cNvPr id="5" name="图表 4">
-                <a:extLst>
-                  <a:ext uri="{FF2B5EF4-FFF2-40B4-BE49-F238E27FC236}">
-                    <a16:creationId xmlns:a16="http://schemas.microsoft.com/office/drawing/2014/main" id="{81BB3BA2-7DB9-499A-9167-16C6D9B3B87B}"/>
-                  </a:ext>
-                </a:extLst>
-              </p:cNvPr>
-              <p:cNvGraphicFramePr/>
-              <p:nvPr>
-                <p:extLst/>
-              </p:nvPr>
-            </p:nvGraphicFramePr>
-            <p:xfrm>
-              <a:off x="1077510" y="2241980"/>
-              <a:ext cx="4738451" cy="3128253"/>
-            </p:xfrm>
-            <a:graphic>
-              <a:graphicData uri="http://schemas.microsoft.com/office/drawing/2014/chartex">
-                <cx:chart xmlns:cx="http://schemas.microsoft.com/office/drawing/2014/chartex" xmlns:r="http://schemas.openxmlformats.org/officeDocument/2006/relationships" r:id="rId3"/>
-              </a:graphicData>
-            </a:graphic>
-          </p:graphicFrame>
-        </mc:Choice>
-        <mc:Fallback>
-          <p:pic>
-            <p:nvPicPr>
-              <p:cNvPr id="5" name="图表 4">
-                <a:extLst>
-                  <a:ext uri="{FF2B5EF4-FFF2-40B4-BE49-F238E27FC236}">
-                    <a16:creationId xmlns:a16="http://schemas.microsoft.com/office/drawing/2014/main" id="{81BB3BA2-7DB9-499A-9167-16C6D9B3B87B}"/>
-                  </a:ext>
-                </a:extLst>
-              </p:cNvPr>
-              <p:cNvPicPr>
-                <a:picLocks noGrp="1" noRot="1" noChangeAspect="1" noMove="1" noResize="1" noEditPoints="1" noAdjustHandles="1" noChangeArrowheads="1" noChangeShapeType="1"/>
-              </p:cNvPicPr>
-              <p:nvPr/>
-            </p:nvPicPr>
-            <p:blipFill>
-              <a:blip r:embed="rId4"/>
-              <a:stretch>
-                <a:fillRect/>
-              </a:stretch>
-            </p:blipFill>
-            <p:spPr>
-              <a:xfrm>
-                <a:off x="1077510" y="2241980"/>
-                <a:ext cx="4738451" cy="3128253"/>
-              </a:xfrm>
-              <a:prstGeom prst="rect">
-                <a:avLst/>
-              </a:prstGeom>
-            </p:spPr>
-          </p:pic>
-        </mc:Fallback>
-      </mc:AlternateContent>
-      <p:sp>
-        <p:nvSpPr>
-          <p:cNvPr id="7" name="文本框 6">
-            <a:extLst>
-              <a:ext uri="{FF2B5EF4-FFF2-40B4-BE49-F238E27FC236}">
-                <a16:creationId xmlns:a16="http://schemas.microsoft.com/office/drawing/2014/main" id="{DB640E06-333E-434F-9E0A-DD270952951A}"/>
-              </a:ext>
-            </a:extLst>
-          </p:cNvPr>
-          <p:cNvSpPr txBox="1"/>
-          <p:nvPr/>
-        </p:nvSpPr>
-        <p:spPr>
-          <a:xfrm>
-            <a:off x="1495548" y="5216344"/>
-            <a:ext cx="4320413" cy="307777"/>
-          </a:xfrm>
-          <a:prstGeom prst="rect">
-            <a:avLst/>
-          </a:prstGeom>
-          <a:noFill/>
-        </p:spPr>
-        <p:txBody>
-          <a:bodyPr wrap="none" rtlCol="0">
-            <a:spAutoFit/>
-          </a:bodyPr>
-          <a:lstStyle/>
-          <a:p>
-            <a:r>
-              <a:rPr lang="en-US" altLang="zh-CN" sz="1400" dirty="0"/>
-              <a:t>0         1         2         3         4          5          6         7</a:t>
-            </a:r>
-            <a:endParaRPr lang="zh-CN" altLang="en-US" sz="1400" dirty="0"/>
-          </a:p>
-        </p:txBody>
-      </p:sp>
-      <p:graphicFrame>
-        <p:nvGraphicFramePr>
-          <p:cNvPr id="4" name="表格 3">
-            <a:extLst>
-              <a:ext uri="{FF2B5EF4-FFF2-40B4-BE49-F238E27FC236}">
-                <a16:creationId xmlns:a16="http://schemas.microsoft.com/office/drawing/2014/main" id="{0C5209EA-236B-4B56-87AC-4DBDE2A4BDD4}"/>
-              </a:ext>
-            </a:extLst>
-          </p:cNvPr>
-          <p:cNvGraphicFramePr>
-            <a:graphicFrameLocks noGrp="1"/>
-          </p:cNvGraphicFramePr>
-          <p:nvPr>
-            <p:extLst>
-              <p:ext uri="{D42A27DB-BD31-4B8C-83A1-F6EECF244321}">
-                <p14:modId xmlns:p14="http://schemas.microsoft.com/office/powerpoint/2010/main" val="2161611229"/>
-              </p:ext>
-            </p:extLst>
-          </p:nvPr>
-        </p:nvGraphicFramePr>
-        <p:xfrm>
-          <a:off x="7077316" y="1893913"/>
-          <a:ext cx="650531" cy="3630208"/>
-        </p:xfrm>
-        <a:graphic>
-          <a:graphicData uri="http://schemas.openxmlformats.org/drawingml/2006/table">
-            <a:tbl>
-              <a:tblPr firstRow="1" bandRow="1">
-                <a:tableStyleId>{5C22544A-7EE6-4342-B048-85BDC9FD1C3A}</a:tableStyleId>
-              </a:tblPr>
-              <a:tblGrid>
-                <a:gridCol w="650531">
-                  <a:extLst>
-                    <a:ext uri="{9D8B030D-6E8A-4147-A177-3AD203B41FA5}">
-                      <a16:colId xmlns:a16="http://schemas.microsoft.com/office/drawing/2014/main" val="747476275"/>
-                    </a:ext>
-                  </a:extLst>
-                </a:gridCol>
-              </a:tblGrid>
-              <a:tr h="453776">
-                <a:tc>
-                  <a:txBody>
-                    <a:bodyPr/>
-                    <a:lstStyle/>
-                    <a:p>
-                      <a:pPr algn="ctr"/>
-                      <a:endParaRPr lang="zh-CN" altLang="en-US" dirty="0"/>
-                    </a:p>
-                  </a:txBody>
-                  <a:tcPr>
-                    <a:lnL w="12700" cap="flat" cmpd="sng" algn="ctr">
-                      <a:solidFill>
-                        <a:schemeClr val="tx1"/>
-                      </a:solidFill>
-                      <a:prstDash val="solid"/>
-                      <a:round/>
-                      <a:headEnd type="none" w="med" len="med"/>
-                      <a:tailEnd type="none" w="med" len="med"/>
-                    </a:lnL>
-                    <a:lnR w="12700" cap="flat" cmpd="sng" algn="ctr">
-                      <a:solidFill>
-                        <a:schemeClr val="tx1"/>
-                      </a:solidFill>
-                      <a:prstDash val="solid"/>
-                      <a:round/>
-                      <a:headEnd type="none" w="med" len="med"/>
-                      <a:tailEnd type="none" w="med" len="med"/>
-                    </a:lnR>
-                    <a:lnT w="12700" cap="flat" cmpd="sng" algn="ctr">
-                      <a:solidFill>
-                        <a:schemeClr val="tx1"/>
-                      </a:solidFill>
-                      <a:prstDash val="solid"/>
-                      <a:round/>
-                      <a:headEnd type="none" w="med" len="med"/>
-                      <a:tailEnd type="none" w="med" len="med"/>
-                    </a:lnT>
-                    <a:lnB w="12700" cap="flat" cmpd="sng" algn="ctr">
-                      <a:solidFill>
-                        <a:schemeClr val="tx1"/>
-                      </a:solidFill>
-                      <a:prstDash val="solid"/>
-                      <a:round/>
-                      <a:headEnd type="none" w="med" len="med"/>
-                      <a:tailEnd type="none" w="med" len="med"/>
-                    </a:lnB>
-                    <a:lnTlToBr w="12700" cmpd="sng">
-                      <a:noFill/>
-                      <a:prstDash val="solid"/>
-                    </a:lnTlToBr>
-                    <a:lnBlToTr w="12700" cmpd="sng">
-                      <a:noFill/>
-                      <a:prstDash val="solid"/>
-                    </a:lnBlToTr>
-                    <a:noFill/>
-                  </a:tcPr>
-                </a:tc>
-                <a:extLst>
-                  <a:ext uri="{0D108BD9-81ED-4DB2-BD59-A6C34878D82A}">
-                    <a16:rowId xmlns:a16="http://schemas.microsoft.com/office/drawing/2014/main" val="927031039"/>
-                  </a:ext>
-                </a:extLst>
-              </a:tr>
-              <a:tr h="453776">
-                <a:tc>
-                  <a:txBody>
-                    <a:bodyPr/>
-                    <a:lstStyle/>
-                    <a:p>
-                      <a:pPr algn="ctr"/>
-                      <a:endParaRPr lang="zh-CN" altLang="en-US"/>
-                    </a:p>
-                  </a:txBody>
-                  <a:tcPr>
-                    <a:lnL w="12700" cap="flat" cmpd="sng" algn="ctr">
-                      <a:solidFill>
-                        <a:schemeClr val="tx1"/>
-                      </a:solidFill>
-                      <a:prstDash val="solid"/>
-                      <a:round/>
-                      <a:headEnd type="none" w="med" len="med"/>
-                      <a:tailEnd type="none" w="med" len="med"/>
-                    </a:lnL>
-                    <a:lnR w="12700" cap="flat" cmpd="sng" algn="ctr">
-                      <a:solidFill>
-                        <a:schemeClr val="tx1"/>
-                      </a:solidFill>
-                      <a:prstDash val="solid"/>
-                      <a:round/>
-                      <a:headEnd type="none" w="med" len="med"/>
-                      <a:tailEnd type="none" w="med" len="med"/>
-                    </a:lnR>
-                    <a:lnT w="12700" cap="flat" cmpd="sng" algn="ctr">
-                      <a:solidFill>
-                        <a:schemeClr val="tx1"/>
-                      </a:solidFill>
-                      <a:prstDash val="solid"/>
-                      <a:round/>
-                      <a:headEnd type="none" w="med" len="med"/>
-                      <a:tailEnd type="none" w="med" len="med"/>
-                    </a:lnT>
-                    <a:lnB w="12700" cap="flat" cmpd="sng" algn="ctr">
-                      <a:solidFill>
-                        <a:schemeClr val="tx1"/>
-                      </a:solidFill>
-                      <a:prstDash val="solid"/>
-                      <a:round/>
-                      <a:headEnd type="none" w="med" len="med"/>
-                      <a:tailEnd type="none" w="med" len="med"/>
-                    </a:lnB>
-                    <a:lnTlToBr w="12700" cmpd="sng">
-                      <a:noFill/>
-                      <a:prstDash val="solid"/>
-                    </a:lnTlToBr>
-                    <a:lnBlToTr w="12700" cmpd="sng">
-                      <a:noFill/>
-                      <a:prstDash val="solid"/>
-                    </a:lnBlToTr>
-                    <a:noFill/>
-                  </a:tcPr>
-                </a:tc>
-                <a:extLst>
-                  <a:ext uri="{0D108BD9-81ED-4DB2-BD59-A6C34878D82A}">
-                    <a16:rowId xmlns:a16="http://schemas.microsoft.com/office/drawing/2014/main" val="454964289"/>
-                  </a:ext>
-                </a:extLst>
-              </a:tr>
-              <a:tr h="453776">
-                <a:tc>
-                  <a:txBody>
-                    <a:bodyPr/>
-                    <a:lstStyle/>
-                    <a:p>
-                      <a:pPr algn="ctr"/>
-                      <a:endParaRPr lang="zh-CN" altLang="en-US"/>
-                    </a:p>
-                  </a:txBody>
-                  <a:tcPr>
-                    <a:lnL w="12700" cap="flat" cmpd="sng" algn="ctr">
-                      <a:solidFill>
-                        <a:schemeClr val="tx1"/>
-                      </a:solidFill>
-                      <a:prstDash val="solid"/>
-                      <a:round/>
-                      <a:headEnd type="none" w="med" len="med"/>
-                      <a:tailEnd type="none" w="med" len="med"/>
-                    </a:lnL>
-                    <a:lnR w="12700" cap="flat" cmpd="sng" algn="ctr">
-                      <a:solidFill>
-                        <a:schemeClr val="tx1"/>
-                      </a:solidFill>
-                      <a:prstDash val="solid"/>
-                      <a:round/>
-                      <a:headEnd type="none" w="med" len="med"/>
-                      <a:tailEnd type="none" w="med" len="med"/>
-                    </a:lnR>
-                    <a:lnT w="12700" cap="flat" cmpd="sng" algn="ctr">
-                      <a:solidFill>
-                        <a:schemeClr val="tx1"/>
-                      </a:solidFill>
-                      <a:prstDash val="solid"/>
-                      <a:round/>
-                      <a:headEnd type="none" w="med" len="med"/>
-                      <a:tailEnd type="none" w="med" len="med"/>
-                    </a:lnT>
-                    <a:lnB w="12700" cap="flat" cmpd="sng" algn="ctr">
-                      <a:solidFill>
-                        <a:schemeClr val="tx1"/>
-                      </a:solidFill>
-                      <a:prstDash val="solid"/>
-                      <a:round/>
-                      <a:headEnd type="none" w="med" len="med"/>
-                      <a:tailEnd type="none" w="med" len="med"/>
-                    </a:lnB>
-                    <a:lnTlToBr w="12700" cmpd="sng">
-                      <a:noFill/>
-                      <a:prstDash val="solid"/>
-                    </a:lnTlToBr>
-                    <a:lnBlToTr w="12700" cmpd="sng">
-                      <a:noFill/>
-                      <a:prstDash val="solid"/>
-                    </a:lnBlToTr>
-                    <a:noFill/>
-                  </a:tcPr>
-                </a:tc>
-                <a:extLst>
-                  <a:ext uri="{0D108BD9-81ED-4DB2-BD59-A6C34878D82A}">
-                    <a16:rowId xmlns:a16="http://schemas.microsoft.com/office/drawing/2014/main" val="1831324790"/>
-                  </a:ext>
-                </a:extLst>
-              </a:tr>
-              <a:tr h="453776">
-                <a:tc>
-                  <a:txBody>
-                    <a:bodyPr/>
-                    <a:lstStyle/>
-                    <a:p>
-                      <a:pPr algn="ctr"/>
-                      <a:endParaRPr lang="zh-CN" altLang="en-US" dirty="0"/>
-                    </a:p>
-                  </a:txBody>
-                  <a:tcPr>
-                    <a:lnL w="12700" cap="flat" cmpd="sng" algn="ctr">
-                      <a:solidFill>
-                        <a:schemeClr val="tx1"/>
-                      </a:solidFill>
-                      <a:prstDash val="solid"/>
-                      <a:round/>
-                      <a:headEnd type="none" w="med" len="med"/>
-                      <a:tailEnd type="none" w="med" len="med"/>
-                    </a:lnL>
-                    <a:lnR w="12700" cap="flat" cmpd="sng" algn="ctr">
-                      <a:solidFill>
-                        <a:schemeClr val="tx1"/>
-                      </a:solidFill>
-                      <a:prstDash val="solid"/>
-                      <a:round/>
-                      <a:headEnd type="none" w="med" len="med"/>
-                      <a:tailEnd type="none" w="med" len="med"/>
-                    </a:lnR>
-                    <a:lnT w="12700" cap="flat" cmpd="sng" algn="ctr">
-                      <a:solidFill>
-                        <a:schemeClr val="tx1"/>
-                      </a:solidFill>
-                      <a:prstDash val="solid"/>
-                      <a:round/>
-                      <a:headEnd type="none" w="med" len="med"/>
-                      <a:tailEnd type="none" w="med" len="med"/>
-                    </a:lnT>
-                    <a:lnB w="12700" cap="flat" cmpd="sng" algn="ctr">
-                      <a:solidFill>
-                        <a:schemeClr val="tx1"/>
-                      </a:solidFill>
-                      <a:prstDash val="solid"/>
-                      <a:round/>
-                      <a:headEnd type="none" w="med" len="med"/>
-                      <a:tailEnd type="none" w="med" len="med"/>
-                    </a:lnB>
-                    <a:lnTlToBr w="12700" cmpd="sng">
-                      <a:noFill/>
-                      <a:prstDash val="solid"/>
-                    </a:lnTlToBr>
-                    <a:lnBlToTr w="12700" cmpd="sng">
-                      <a:noFill/>
-                      <a:prstDash val="solid"/>
-                    </a:lnBlToTr>
-                    <a:noFill/>
-                  </a:tcPr>
-                </a:tc>
-                <a:extLst>
-                  <a:ext uri="{0D108BD9-81ED-4DB2-BD59-A6C34878D82A}">
-                    <a16:rowId xmlns:a16="http://schemas.microsoft.com/office/drawing/2014/main" val="2266001753"/>
-                  </a:ext>
-                </a:extLst>
-              </a:tr>
-              <a:tr h="453776">
-                <a:tc>
-                  <a:txBody>
-                    <a:bodyPr/>
-                    <a:lstStyle/>
-                    <a:p>
-                      <a:pPr algn="ctr"/>
-                      <a:endParaRPr lang="zh-CN" altLang="en-US" dirty="0"/>
-                    </a:p>
-                  </a:txBody>
-                  <a:tcPr>
-                    <a:lnL w="12700" cap="flat" cmpd="sng" algn="ctr">
-                      <a:solidFill>
-                        <a:schemeClr val="tx1"/>
-                      </a:solidFill>
-                      <a:prstDash val="solid"/>
-                      <a:round/>
-                      <a:headEnd type="none" w="med" len="med"/>
-                      <a:tailEnd type="none" w="med" len="med"/>
-                    </a:lnL>
-                    <a:lnR w="12700" cap="flat" cmpd="sng" algn="ctr">
-                      <a:solidFill>
-                        <a:schemeClr val="tx1"/>
-                      </a:solidFill>
-                      <a:prstDash val="solid"/>
-                      <a:round/>
-                      <a:headEnd type="none" w="med" len="med"/>
-                      <a:tailEnd type="none" w="med" len="med"/>
-                    </a:lnR>
-                    <a:lnT w="12700" cap="flat" cmpd="sng" algn="ctr">
-                      <a:solidFill>
-                        <a:schemeClr val="tx1"/>
-                      </a:solidFill>
-                      <a:prstDash val="solid"/>
-                      <a:round/>
-                      <a:headEnd type="none" w="med" len="med"/>
-                      <a:tailEnd type="none" w="med" len="med"/>
-                    </a:lnT>
-                    <a:lnB w="12700" cap="flat" cmpd="sng" algn="ctr">
-                      <a:solidFill>
-                        <a:schemeClr val="tx1"/>
-                      </a:solidFill>
-                      <a:prstDash val="solid"/>
-                      <a:round/>
-                      <a:headEnd type="none" w="med" len="med"/>
-                      <a:tailEnd type="none" w="med" len="med"/>
-                    </a:lnB>
-                    <a:lnTlToBr w="12700" cmpd="sng">
-                      <a:noFill/>
-                      <a:prstDash val="solid"/>
-                    </a:lnTlToBr>
-                    <a:lnBlToTr w="12700" cmpd="sng">
-                      <a:noFill/>
-                      <a:prstDash val="solid"/>
-                    </a:lnBlToTr>
-                    <a:noFill/>
-                  </a:tcPr>
-                </a:tc>
-                <a:extLst>
-                  <a:ext uri="{0D108BD9-81ED-4DB2-BD59-A6C34878D82A}">
-                    <a16:rowId xmlns:a16="http://schemas.microsoft.com/office/drawing/2014/main" val="2819645757"/>
-                  </a:ext>
-                </a:extLst>
-              </a:tr>
-              <a:tr h="453776">
-                <a:tc>
-                  <a:txBody>
-                    <a:bodyPr/>
-                    <a:lstStyle/>
-                    <a:p>
-                      <a:pPr algn="ctr"/>
-                      <a:r>
-                        <a:rPr lang="en-US" altLang="zh-CN" dirty="0"/>
-                        <a:t>2</a:t>
-                      </a:r>
-                      <a:endParaRPr lang="zh-CN" altLang="en-US" dirty="0"/>
-                    </a:p>
-                  </a:txBody>
-                  <a:tcPr>
-                    <a:lnL w="12700" cap="flat" cmpd="sng" algn="ctr">
-                      <a:solidFill>
-                        <a:schemeClr val="tx1"/>
-                      </a:solidFill>
-                      <a:prstDash val="solid"/>
-                      <a:round/>
-                      <a:headEnd type="none" w="med" len="med"/>
-                      <a:tailEnd type="none" w="med" len="med"/>
-                    </a:lnL>
-                    <a:lnR w="12700" cap="flat" cmpd="sng" algn="ctr">
-                      <a:solidFill>
-                        <a:schemeClr val="tx1"/>
-                      </a:solidFill>
-                      <a:prstDash val="solid"/>
-                      <a:round/>
-                      <a:headEnd type="none" w="med" len="med"/>
-                      <a:tailEnd type="none" w="med" len="med"/>
-                    </a:lnR>
-                    <a:lnT w="12700" cap="flat" cmpd="sng" algn="ctr">
-                      <a:solidFill>
-                        <a:schemeClr val="tx1"/>
-                      </a:solidFill>
-                      <a:prstDash val="solid"/>
-                      <a:round/>
-                      <a:headEnd type="none" w="med" len="med"/>
-                      <a:tailEnd type="none" w="med" len="med"/>
-                    </a:lnT>
-                    <a:lnB w="12700" cap="flat" cmpd="sng" algn="ctr">
-                      <a:solidFill>
-                        <a:schemeClr val="tx1"/>
-                      </a:solidFill>
-                      <a:prstDash val="solid"/>
-                      <a:round/>
-                      <a:headEnd type="none" w="med" len="med"/>
-                      <a:tailEnd type="none" w="med" len="med"/>
-                    </a:lnB>
-                    <a:lnTlToBr w="12700" cmpd="sng">
-                      <a:noFill/>
-                      <a:prstDash val="solid"/>
-                    </a:lnTlToBr>
-                    <a:lnBlToTr w="12700" cmpd="sng">
-                      <a:noFill/>
-                      <a:prstDash val="solid"/>
-                    </a:lnBlToTr>
-                    <a:noFill/>
-                  </a:tcPr>
-                </a:tc>
-                <a:extLst>
-                  <a:ext uri="{0D108BD9-81ED-4DB2-BD59-A6C34878D82A}">
-                    <a16:rowId xmlns:a16="http://schemas.microsoft.com/office/drawing/2014/main" val="181770505"/>
-                  </a:ext>
-                </a:extLst>
-              </a:tr>
-              <a:tr h="453776">
-                <a:tc>
-                  <a:txBody>
-                    <a:bodyPr/>
-                    <a:lstStyle/>
-                    <a:p>
-                      <a:pPr algn="ctr"/>
-                      <a:r>
-                        <a:rPr lang="en-US" altLang="zh-CN" dirty="0"/>
-                        <a:t>1</a:t>
-                      </a:r>
-                      <a:endParaRPr lang="zh-CN" altLang="en-US" dirty="0"/>
-                    </a:p>
-                  </a:txBody>
-                  <a:tcPr>
-                    <a:lnL w="12700" cap="flat" cmpd="sng" algn="ctr">
-                      <a:solidFill>
-                        <a:schemeClr val="tx1"/>
-                      </a:solidFill>
-                      <a:prstDash val="solid"/>
-                      <a:round/>
-                      <a:headEnd type="none" w="med" len="med"/>
-                      <a:tailEnd type="none" w="med" len="med"/>
-                    </a:lnL>
-                    <a:lnR w="12700" cap="flat" cmpd="sng" algn="ctr">
-                      <a:solidFill>
-                        <a:schemeClr val="tx1"/>
-                      </a:solidFill>
-                      <a:prstDash val="solid"/>
-                      <a:round/>
-                      <a:headEnd type="none" w="med" len="med"/>
-                      <a:tailEnd type="none" w="med" len="med"/>
-                    </a:lnR>
-                    <a:lnT w="12700" cap="flat" cmpd="sng" algn="ctr">
-                      <a:solidFill>
-                        <a:schemeClr val="tx1"/>
-                      </a:solidFill>
-                      <a:prstDash val="solid"/>
-                      <a:round/>
-                      <a:headEnd type="none" w="med" len="med"/>
-                      <a:tailEnd type="none" w="med" len="med"/>
-                    </a:lnT>
-                    <a:lnB w="12700" cap="flat" cmpd="sng" algn="ctr">
-                      <a:solidFill>
-                        <a:schemeClr val="tx1"/>
-                      </a:solidFill>
-                      <a:prstDash val="solid"/>
-                      <a:round/>
-                      <a:headEnd type="none" w="med" len="med"/>
-                      <a:tailEnd type="none" w="med" len="med"/>
-                    </a:lnB>
-                    <a:lnTlToBr w="12700" cmpd="sng">
-                      <a:noFill/>
-                      <a:prstDash val="solid"/>
-                    </a:lnTlToBr>
-                    <a:lnBlToTr w="12700" cmpd="sng">
-                      <a:noFill/>
-                      <a:prstDash val="solid"/>
-                    </a:lnBlToTr>
-                    <a:noFill/>
-                  </a:tcPr>
-                </a:tc>
-                <a:extLst>
-                  <a:ext uri="{0D108BD9-81ED-4DB2-BD59-A6C34878D82A}">
-                    <a16:rowId xmlns:a16="http://schemas.microsoft.com/office/drawing/2014/main" val="3720436668"/>
-                  </a:ext>
-                </a:extLst>
-              </a:tr>
-              <a:tr h="453776">
-                <a:tc>
-                  <a:txBody>
-                    <a:bodyPr/>
-                    <a:lstStyle/>
-                    <a:p>
-                      <a:pPr algn="ctr"/>
-                      <a:r>
-                        <a:rPr lang="en-US" altLang="zh-CN" dirty="0"/>
-                        <a:t>0</a:t>
-                      </a:r>
-                      <a:endParaRPr lang="zh-CN" altLang="en-US" dirty="0"/>
-                    </a:p>
-                  </a:txBody>
-                  <a:tcPr>
-                    <a:lnL w="12700" cap="flat" cmpd="sng" algn="ctr">
-                      <a:solidFill>
-                        <a:schemeClr val="tx1"/>
-                      </a:solidFill>
-                      <a:prstDash val="solid"/>
-                      <a:round/>
-                      <a:headEnd type="none" w="med" len="med"/>
-                      <a:tailEnd type="none" w="med" len="med"/>
-                    </a:lnL>
-                    <a:lnR w="12700" cap="flat" cmpd="sng" algn="ctr">
-                      <a:solidFill>
-                        <a:schemeClr val="tx1"/>
-                      </a:solidFill>
-                      <a:prstDash val="solid"/>
-                      <a:round/>
-                      <a:headEnd type="none" w="med" len="med"/>
-                      <a:tailEnd type="none" w="med" len="med"/>
-                    </a:lnR>
-                    <a:lnT w="12700" cap="flat" cmpd="sng" algn="ctr">
-                      <a:solidFill>
-                        <a:schemeClr val="tx1"/>
-                      </a:solidFill>
-                      <a:prstDash val="solid"/>
-                      <a:round/>
-                      <a:headEnd type="none" w="med" len="med"/>
-                      <a:tailEnd type="none" w="med" len="med"/>
-                    </a:lnT>
-                    <a:lnB w="12700" cap="flat" cmpd="sng" algn="ctr">
-                      <a:solidFill>
-                        <a:schemeClr val="tx1"/>
-                      </a:solidFill>
-                      <a:prstDash val="solid"/>
-                      <a:round/>
-                      <a:headEnd type="none" w="med" len="med"/>
-                      <a:tailEnd type="none" w="med" len="med"/>
-                    </a:lnB>
-                    <a:lnTlToBr w="12700" cmpd="sng">
-                      <a:noFill/>
-                      <a:prstDash val="solid"/>
-                    </a:lnTlToBr>
-                    <a:lnBlToTr w="12700" cmpd="sng">
-                      <a:noFill/>
-                      <a:prstDash val="solid"/>
-                    </a:lnBlToTr>
-                    <a:noFill/>
-                  </a:tcPr>
-                </a:tc>
-                <a:extLst>
-                  <a:ext uri="{0D108BD9-81ED-4DB2-BD59-A6C34878D82A}">
-                    <a16:rowId xmlns:a16="http://schemas.microsoft.com/office/drawing/2014/main" val="1938741260"/>
-                  </a:ext>
-                </a:extLst>
-              </a:tr>
-            </a:tbl>
-          </a:graphicData>
-        </a:graphic>
-      </p:graphicFrame>
-      <p:graphicFrame>
-        <p:nvGraphicFramePr>
-          <p:cNvPr id="6" name="表格 5">
-            <a:extLst>
-              <a:ext uri="{FF2B5EF4-FFF2-40B4-BE49-F238E27FC236}">
-                <a16:creationId xmlns:a16="http://schemas.microsoft.com/office/drawing/2014/main" id="{C223F5CA-3614-436F-A0CE-CD1E6AAC898A}"/>
-              </a:ext>
-            </a:extLst>
-          </p:cNvPr>
-          <p:cNvGraphicFramePr>
-            <a:graphicFrameLocks noGrp="1"/>
-          </p:cNvGraphicFramePr>
-          <p:nvPr/>
-        </p:nvGraphicFramePr>
-        <p:xfrm>
-          <a:off x="1325860" y="1068857"/>
-          <a:ext cx="4738448" cy="370840"/>
-        </p:xfrm>
-        <a:graphic>
-          <a:graphicData uri="http://schemas.openxmlformats.org/drawingml/2006/table">
-            <a:tbl>
-              <a:tblPr firstRow="1" bandRow="1">
-                <a:tableStyleId>{5C22544A-7EE6-4342-B048-85BDC9FD1C3A}</a:tableStyleId>
-              </a:tblPr>
-              <a:tblGrid>
-                <a:gridCol w="592306">
-                  <a:extLst>
-                    <a:ext uri="{9D8B030D-6E8A-4147-A177-3AD203B41FA5}">
-                      <a16:colId xmlns:a16="http://schemas.microsoft.com/office/drawing/2014/main" val="2255508483"/>
-                    </a:ext>
-                  </a:extLst>
-                </a:gridCol>
-                <a:gridCol w="592306">
-                  <a:extLst>
-                    <a:ext uri="{9D8B030D-6E8A-4147-A177-3AD203B41FA5}">
-                      <a16:colId xmlns:a16="http://schemas.microsoft.com/office/drawing/2014/main" val="1853003901"/>
-                    </a:ext>
-                  </a:extLst>
-                </a:gridCol>
-                <a:gridCol w="592306">
-                  <a:extLst>
-                    <a:ext uri="{9D8B030D-6E8A-4147-A177-3AD203B41FA5}">
-                      <a16:colId xmlns:a16="http://schemas.microsoft.com/office/drawing/2014/main" val="1828690129"/>
-                    </a:ext>
-                  </a:extLst>
-                </a:gridCol>
-                <a:gridCol w="592306">
-                  <a:extLst>
-                    <a:ext uri="{9D8B030D-6E8A-4147-A177-3AD203B41FA5}">
-                      <a16:colId xmlns:a16="http://schemas.microsoft.com/office/drawing/2014/main" val="3858150707"/>
-                    </a:ext>
-                  </a:extLst>
-                </a:gridCol>
-                <a:gridCol w="592306">
-                  <a:extLst>
-                    <a:ext uri="{9D8B030D-6E8A-4147-A177-3AD203B41FA5}">
-                      <a16:colId xmlns:a16="http://schemas.microsoft.com/office/drawing/2014/main" val="1422480851"/>
-                    </a:ext>
-                  </a:extLst>
-                </a:gridCol>
-                <a:gridCol w="592306">
-                  <a:extLst>
-                    <a:ext uri="{9D8B030D-6E8A-4147-A177-3AD203B41FA5}">
-                      <a16:colId xmlns:a16="http://schemas.microsoft.com/office/drawing/2014/main" val="1597742647"/>
-                    </a:ext>
-                  </a:extLst>
-                </a:gridCol>
-                <a:gridCol w="592306">
-                  <a:extLst>
-                    <a:ext uri="{9D8B030D-6E8A-4147-A177-3AD203B41FA5}">
-                      <a16:colId xmlns:a16="http://schemas.microsoft.com/office/drawing/2014/main" val="152677166"/>
-                    </a:ext>
-                  </a:extLst>
-                </a:gridCol>
-                <a:gridCol w="592306">
-                  <a:extLst>
-                    <a:ext uri="{9D8B030D-6E8A-4147-A177-3AD203B41FA5}">
-                      <a16:colId xmlns:a16="http://schemas.microsoft.com/office/drawing/2014/main" val="3447965803"/>
-                    </a:ext>
-                  </a:extLst>
-                </a:gridCol>
-              </a:tblGrid>
-              <a:tr h="370840">
-                <a:tc>
-                  <a:txBody>
-                    <a:bodyPr/>
-                    <a:lstStyle/>
-                    <a:p>
-                      <a:pPr algn="ctr"/>
-                      <a:r>
-                        <a:rPr lang="en-US" altLang="zh-CN" dirty="0">
-                          <a:solidFill>
-                            <a:sysClr val="windowText" lastClr="000000"/>
-                          </a:solidFill>
-                        </a:rPr>
-                        <a:t>1</a:t>
-                      </a:r>
-                      <a:endParaRPr lang="zh-CN" altLang="en-US" dirty="0">
-                        <a:solidFill>
-                          <a:sysClr val="windowText" lastClr="000000"/>
-                        </a:solidFill>
-                      </a:endParaRPr>
-                    </a:p>
-                  </a:txBody>
-                  <a:tcPr>
-                    <a:lnL w="12700" cap="flat" cmpd="sng" algn="ctr">
-                      <a:solidFill>
-                        <a:schemeClr val="tx1"/>
-                      </a:solidFill>
-                      <a:prstDash val="solid"/>
-                      <a:round/>
-                      <a:headEnd type="none" w="med" len="med"/>
-                      <a:tailEnd type="none" w="med" len="med"/>
-                    </a:lnL>
-                    <a:lnR w="12700" cap="flat" cmpd="sng" algn="ctr">
-                      <a:solidFill>
-                        <a:schemeClr val="tx1"/>
-                      </a:solidFill>
-                      <a:prstDash val="solid"/>
-                      <a:round/>
-                      <a:headEnd type="none" w="med" len="med"/>
-                      <a:tailEnd type="none" w="med" len="med"/>
-                    </a:lnR>
-                    <a:lnT w="12700" cap="flat" cmpd="sng" algn="ctr">
-                      <a:solidFill>
-                        <a:schemeClr val="tx1"/>
-                      </a:solidFill>
-                      <a:prstDash val="solid"/>
-                      <a:round/>
-                      <a:headEnd type="none" w="med" len="med"/>
-                      <a:tailEnd type="none" w="med" len="med"/>
-                    </a:lnT>
-                    <a:lnB w="12700" cap="flat" cmpd="sng" algn="ctr">
-                      <a:solidFill>
-                        <a:schemeClr val="tx1"/>
-                      </a:solidFill>
-                      <a:prstDash val="solid"/>
-                      <a:round/>
-                      <a:headEnd type="none" w="med" len="med"/>
-                      <a:tailEnd type="none" w="med" len="med"/>
-                    </a:lnB>
-                    <a:noFill/>
-                  </a:tcPr>
-                </a:tc>
-                <a:tc>
-                  <a:txBody>
-                    <a:bodyPr/>
-                    <a:lstStyle/>
-                    <a:p>
-                      <a:pPr algn="ctr"/>
-                      <a:r>
-                        <a:rPr lang="en-US" altLang="zh-CN" dirty="0">
-                          <a:solidFill>
-                            <a:sysClr val="windowText" lastClr="000000"/>
-                          </a:solidFill>
-                        </a:rPr>
-                        <a:t>1</a:t>
-                      </a:r>
-                      <a:endParaRPr lang="zh-CN" altLang="en-US" dirty="0">
-                        <a:solidFill>
-                          <a:sysClr val="windowText" lastClr="000000"/>
-                        </a:solidFill>
-                      </a:endParaRPr>
-                    </a:p>
-                  </a:txBody>
-                  <a:tcPr>
-                    <a:lnL w="12700" cap="flat" cmpd="sng" algn="ctr">
-                      <a:solidFill>
-                        <a:schemeClr val="tx1"/>
-                      </a:solidFill>
-                      <a:prstDash val="solid"/>
-                      <a:round/>
-                      <a:headEnd type="none" w="med" len="med"/>
-                      <a:tailEnd type="none" w="med" len="med"/>
-                    </a:lnL>
-                    <a:lnR w="12700" cap="flat" cmpd="sng" algn="ctr">
-                      <a:solidFill>
-                        <a:schemeClr val="tx1"/>
-                      </a:solidFill>
-                      <a:prstDash val="solid"/>
-                      <a:round/>
-                      <a:headEnd type="none" w="med" len="med"/>
-                      <a:tailEnd type="none" w="med" len="med"/>
-                    </a:lnR>
-                    <a:lnT w="12700" cap="flat" cmpd="sng" algn="ctr">
-                      <a:solidFill>
-                        <a:schemeClr val="tx1"/>
-                      </a:solidFill>
-                      <a:prstDash val="solid"/>
-                      <a:round/>
-                      <a:headEnd type="none" w="med" len="med"/>
-                      <a:tailEnd type="none" w="med" len="med"/>
-                    </a:lnT>
-                    <a:lnB w="12700" cap="flat" cmpd="sng" algn="ctr">
-                      <a:solidFill>
-                        <a:schemeClr val="tx1"/>
-                      </a:solidFill>
-                      <a:prstDash val="solid"/>
-                      <a:round/>
-                      <a:headEnd type="none" w="med" len="med"/>
-                      <a:tailEnd type="none" w="med" len="med"/>
-                    </a:lnB>
-                    <a:noFill/>
-                  </a:tcPr>
-                </a:tc>
-                <a:tc>
-                  <a:txBody>
-                    <a:bodyPr/>
-                    <a:lstStyle/>
-                    <a:p>
-                      <a:pPr algn="ctr"/>
-                      <a:r>
-                        <a:rPr lang="en-US" altLang="zh-CN" dirty="0">
-                          <a:solidFill>
-                            <a:sysClr val="windowText" lastClr="000000"/>
-                          </a:solidFill>
-                        </a:rPr>
-                        <a:t>2</a:t>
-                      </a:r>
-                      <a:endParaRPr lang="zh-CN" altLang="en-US" dirty="0">
-                        <a:solidFill>
-                          <a:sysClr val="windowText" lastClr="000000"/>
-                        </a:solidFill>
-                      </a:endParaRPr>
-                    </a:p>
-                  </a:txBody>
-                  <a:tcPr>
-                    <a:lnL w="12700" cap="flat" cmpd="sng" algn="ctr">
-                      <a:solidFill>
-                        <a:schemeClr val="tx1"/>
-                      </a:solidFill>
-                      <a:prstDash val="solid"/>
-                      <a:round/>
-                      <a:headEnd type="none" w="med" len="med"/>
-                      <a:tailEnd type="none" w="med" len="med"/>
-                    </a:lnL>
-                    <a:lnR w="12700" cap="flat" cmpd="sng" algn="ctr">
-                      <a:solidFill>
-                        <a:schemeClr val="tx1"/>
-                      </a:solidFill>
-                      <a:prstDash val="solid"/>
-                      <a:round/>
-                      <a:headEnd type="none" w="med" len="med"/>
-                      <a:tailEnd type="none" w="med" len="med"/>
-                    </a:lnR>
-                    <a:lnT w="12700" cap="flat" cmpd="sng" algn="ctr">
-                      <a:solidFill>
-                        <a:schemeClr val="tx1"/>
-                      </a:solidFill>
-                      <a:prstDash val="solid"/>
-                      <a:round/>
-                      <a:headEnd type="none" w="med" len="med"/>
-                      <a:tailEnd type="none" w="med" len="med"/>
-                    </a:lnT>
-                    <a:lnB w="12700" cap="flat" cmpd="sng" algn="ctr">
-                      <a:solidFill>
-                        <a:schemeClr val="tx1"/>
-                      </a:solidFill>
-                      <a:prstDash val="solid"/>
-                      <a:round/>
-                      <a:headEnd type="none" w="med" len="med"/>
-                      <a:tailEnd type="none" w="med" len="med"/>
-                    </a:lnB>
-                    <a:noFill/>
-                  </a:tcPr>
-                </a:tc>
-                <a:tc>
-                  <a:txBody>
-                    <a:bodyPr/>
-                    <a:lstStyle/>
-                    <a:p>
-                      <a:pPr algn="ctr"/>
-                      <a:r>
-                        <a:rPr lang="en-US" altLang="zh-CN" dirty="0">
-                          <a:solidFill>
-                            <a:sysClr val="windowText" lastClr="000000"/>
-                          </a:solidFill>
-                        </a:rPr>
-                        <a:t>3</a:t>
-                      </a:r>
-                      <a:endParaRPr lang="zh-CN" altLang="en-US" dirty="0">
-                        <a:solidFill>
-                          <a:sysClr val="windowText" lastClr="000000"/>
-                        </a:solidFill>
-                      </a:endParaRPr>
-                    </a:p>
-                  </a:txBody>
-                  <a:tcPr>
-                    <a:lnL w="12700" cap="flat" cmpd="sng" algn="ctr">
-                      <a:solidFill>
-                        <a:schemeClr val="tx1"/>
-                      </a:solidFill>
-                      <a:prstDash val="solid"/>
-                      <a:round/>
-                      <a:headEnd type="none" w="med" len="med"/>
-                      <a:tailEnd type="none" w="med" len="med"/>
-                    </a:lnL>
-                    <a:lnR w="12700" cap="flat" cmpd="sng" algn="ctr">
-                      <a:solidFill>
-                        <a:schemeClr val="tx1"/>
-                      </a:solidFill>
-                      <a:prstDash val="solid"/>
-                      <a:round/>
-                      <a:headEnd type="none" w="med" len="med"/>
-                      <a:tailEnd type="none" w="med" len="med"/>
-                    </a:lnR>
-                    <a:lnT w="12700" cap="flat" cmpd="sng" algn="ctr">
-                      <a:solidFill>
-                        <a:schemeClr val="tx1"/>
-                      </a:solidFill>
-                      <a:prstDash val="solid"/>
-                      <a:round/>
-                      <a:headEnd type="none" w="med" len="med"/>
-                      <a:tailEnd type="none" w="med" len="med"/>
-                    </a:lnT>
-                    <a:lnB w="12700" cap="flat" cmpd="sng" algn="ctr">
-                      <a:solidFill>
-                        <a:schemeClr val="tx1"/>
-                      </a:solidFill>
-                      <a:prstDash val="solid"/>
-                      <a:round/>
-                      <a:headEnd type="none" w="med" len="med"/>
-                      <a:tailEnd type="none" w="med" len="med"/>
-                    </a:lnB>
-                    <a:noFill/>
-                  </a:tcPr>
-                </a:tc>
-                <a:tc>
-                  <a:txBody>
-                    <a:bodyPr/>
-                    <a:lstStyle/>
-                    <a:p>
-                      <a:pPr algn="ctr"/>
-                      <a:r>
-                        <a:rPr lang="en-US" altLang="zh-CN" dirty="0">
-                          <a:solidFill>
-                            <a:sysClr val="windowText" lastClr="000000"/>
-                          </a:solidFill>
-                        </a:rPr>
-                        <a:t>3</a:t>
-                      </a:r>
-                      <a:endParaRPr lang="zh-CN" altLang="en-US" dirty="0">
-                        <a:solidFill>
-                          <a:sysClr val="windowText" lastClr="000000"/>
-                        </a:solidFill>
-                      </a:endParaRPr>
-                    </a:p>
-                  </a:txBody>
-                  <a:tcPr>
-                    <a:lnL w="12700" cap="flat" cmpd="sng" algn="ctr">
-                      <a:solidFill>
-                        <a:schemeClr val="tx1"/>
-                      </a:solidFill>
-                      <a:prstDash val="solid"/>
-                      <a:round/>
-                      <a:headEnd type="none" w="med" len="med"/>
-                      <a:tailEnd type="none" w="med" len="med"/>
-                    </a:lnL>
-                    <a:lnR w="12700" cap="flat" cmpd="sng" algn="ctr">
-                      <a:solidFill>
-                        <a:schemeClr val="tx1"/>
-                      </a:solidFill>
-                      <a:prstDash val="solid"/>
-                      <a:round/>
-                      <a:headEnd type="none" w="med" len="med"/>
-                      <a:tailEnd type="none" w="med" len="med"/>
-                    </a:lnR>
-                    <a:lnT w="12700" cap="flat" cmpd="sng" algn="ctr">
-                      <a:solidFill>
-                        <a:schemeClr val="tx1"/>
-                      </a:solidFill>
-                      <a:prstDash val="solid"/>
-                      <a:round/>
-                      <a:headEnd type="none" w="med" len="med"/>
-                      <a:tailEnd type="none" w="med" len="med"/>
-                    </a:lnT>
-                    <a:lnB w="12700" cap="flat" cmpd="sng" algn="ctr">
-                      <a:solidFill>
-                        <a:schemeClr val="tx1"/>
-                      </a:solidFill>
-                      <a:prstDash val="solid"/>
-                      <a:round/>
-                      <a:headEnd type="none" w="med" len="med"/>
-                      <a:tailEnd type="none" w="med" len="med"/>
-                    </a:lnB>
-                    <a:noFill/>
-                  </a:tcPr>
-                </a:tc>
-                <a:tc>
-                  <a:txBody>
-                    <a:bodyPr/>
-                    <a:lstStyle/>
-                    <a:p>
-                      <a:pPr algn="ctr"/>
-                      <a:r>
-                        <a:rPr lang="en-US" altLang="zh-CN" dirty="0">
-                          <a:solidFill>
-                            <a:sysClr val="windowText" lastClr="000000"/>
-                          </a:solidFill>
-                        </a:rPr>
-                        <a:t>2</a:t>
-                      </a:r>
-                      <a:endParaRPr lang="zh-CN" altLang="en-US" dirty="0">
-                        <a:solidFill>
-                          <a:sysClr val="windowText" lastClr="000000"/>
-                        </a:solidFill>
-                      </a:endParaRPr>
-                    </a:p>
-                  </a:txBody>
-                  <a:tcPr>
-                    <a:lnL w="12700" cap="flat" cmpd="sng" algn="ctr">
-                      <a:solidFill>
-                        <a:schemeClr val="tx1"/>
-                      </a:solidFill>
-                      <a:prstDash val="solid"/>
-                      <a:round/>
-                      <a:headEnd type="none" w="med" len="med"/>
-                      <a:tailEnd type="none" w="med" len="med"/>
-                    </a:lnL>
-                    <a:lnR w="12700" cap="flat" cmpd="sng" algn="ctr">
-                      <a:solidFill>
-                        <a:schemeClr val="tx1"/>
-                      </a:solidFill>
-                      <a:prstDash val="solid"/>
-                      <a:round/>
-                      <a:headEnd type="none" w="med" len="med"/>
-                      <a:tailEnd type="none" w="med" len="med"/>
-                    </a:lnR>
-                    <a:lnT w="12700" cap="flat" cmpd="sng" algn="ctr">
-                      <a:solidFill>
-                        <a:schemeClr val="tx1"/>
-                      </a:solidFill>
-                      <a:prstDash val="solid"/>
-                      <a:round/>
-                      <a:headEnd type="none" w="med" len="med"/>
-                      <a:tailEnd type="none" w="med" len="med"/>
-                    </a:lnT>
-                    <a:lnB w="12700" cap="flat" cmpd="sng" algn="ctr">
-                      <a:solidFill>
-                        <a:schemeClr val="tx1"/>
-                      </a:solidFill>
-                      <a:prstDash val="solid"/>
-                      <a:round/>
-                      <a:headEnd type="none" w="med" len="med"/>
-                      <a:tailEnd type="none" w="med" len="med"/>
-                    </a:lnB>
-                    <a:noFill/>
-                  </a:tcPr>
-                </a:tc>
-                <a:tc>
-                  <a:txBody>
-                    <a:bodyPr/>
-                    <a:lstStyle/>
-                    <a:p>
-                      <a:pPr algn="ctr"/>
-                      <a:r>
-                        <a:rPr lang="en-US" altLang="zh-CN" dirty="0">
-                          <a:solidFill>
-                            <a:sysClr val="windowText" lastClr="000000"/>
-                          </a:solidFill>
-                        </a:rPr>
-                        <a:t>2</a:t>
-                      </a:r>
-                      <a:endParaRPr lang="zh-CN" altLang="en-US" dirty="0">
-                        <a:solidFill>
-                          <a:sysClr val="windowText" lastClr="000000"/>
-                        </a:solidFill>
-                      </a:endParaRPr>
-                    </a:p>
-                  </a:txBody>
-                  <a:tcPr>
-                    <a:lnL w="12700" cap="flat" cmpd="sng" algn="ctr">
-                      <a:solidFill>
-                        <a:schemeClr val="tx1"/>
-                      </a:solidFill>
-                      <a:prstDash val="solid"/>
-                      <a:round/>
-                      <a:headEnd type="none" w="med" len="med"/>
-                      <a:tailEnd type="none" w="med" len="med"/>
-                    </a:lnL>
-                    <a:lnR w="12700" cap="flat" cmpd="sng" algn="ctr">
-                      <a:solidFill>
-                        <a:schemeClr val="tx1"/>
-                      </a:solidFill>
-                      <a:prstDash val="solid"/>
-                      <a:round/>
-                      <a:headEnd type="none" w="med" len="med"/>
-                      <a:tailEnd type="none" w="med" len="med"/>
-                    </a:lnR>
-                    <a:lnT w="12700" cap="flat" cmpd="sng" algn="ctr">
-                      <a:solidFill>
-                        <a:schemeClr val="tx1"/>
-                      </a:solidFill>
-                      <a:prstDash val="solid"/>
-                      <a:round/>
-                      <a:headEnd type="none" w="med" len="med"/>
-                      <a:tailEnd type="none" w="med" len="med"/>
-                    </a:lnT>
-                    <a:lnB w="12700" cap="flat" cmpd="sng" algn="ctr">
-                      <a:solidFill>
-                        <a:schemeClr val="tx1"/>
-                      </a:solidFill>
-                      <a:prstDash val="solid"/>
-                      <a:round/>
-                      <a:headEnd type="none" w="med" len="med"/>
-                      <a:tailEnd type="none" w="med" len="med"/>
-                    </a:lnB>
-                    <a:noFill/>
-                  </a:tcPr>
-                </a:tc>
-                <a:tc>
-                  <a:txBody>
-                    <a:bodyPr/>
-                    <a:lstStyle/>
-                    <a:p>
-                      <a:pPr algn="ctr"/>
-                      <a:r>
-                        <a:rPr lang="en-US" altLang="zh-CN" dirty="0">
-                          <a:solidFill>
-                            <a:sysClr val="windowText" lastClr="000000"/>
-                          </a:solidFill>
-                        </a:rPr>
-                        <a:t>1</a:t>
-                      </a:r>
-                      <a:endParaRPr lang="zh-CN" altLang="en-US" dirty="0">
-                        <a:solidFill>
-                          <a:sysClr val="windowText" lastClr="000000"/>
-                        </a:solidFill>
-                      </a:endParaRPr>
-                    </a:p>
-                  </a:txBody>
-                  <a:tcPr>
-                    <a:lnL w="12700" cap="flat" cmpd="sng" algn="ctr">
-                      <a:solidFill>
-                        <a:schemeClr val="tx1"/>
-                      </a:solidFill>
-                      <a:prstDash val="solid"/>
-                      <a:round/>
-                      <a:headEnd type="none" w="med" len="med"/>
-                      <a:tailEnd type="none" w="med" len="med"/>
-                    </a:lnL>
-                    <a:lnR w="12700" cap="flat" cmpd="sng" algn="ctr">
-                      <a:solidFill>
-                        <a:schemeClr val="tx1"/>
-                      </a:solidFill>
-                      <a:prstDash val="solid"/>
-                      <a:round/>
-                      <a:headEnd type="none" w="med" len="med"/>
-                      <a:tailEnd type="none" w="med" len="med"/>
-                    </a:lnR>
-                    <a:lnT w="12700" cap="flat" cmpd="sng" algn="ctr">
-                      <a:solidFill>
-                        <a:schemeClr val="tx1"/>
-                      </a:solidFill>
-                      <a:prstDash val="solid"/>
-                      <a:round/>
-                      <a:headEnd type="none" w="med" len="med"/>
-                      <a:tailEnd type="none" w="med" len="med"/>
-                    </a:lnT>
-                    <a:lnB w="12700" cap="flat" cmpd="sng" algn="ctr">
-                      <a:solidFill>
-                        <a:schemeClr val="tx1"/>
-                      </a:solidFill>
-                      <a:prstDash val="solid"/>
-                      <a:round/>
-                      <a:headEnd type="none" w="med" len="med"/>
-                      <a:tailEnd type="none" w="med" len="med"/>
-                    </a:lnB>
-                    <a:noFill/>
-                  </a:tcPr>
-                </a:tc>
-                <a:extLst>
-                  <a:ext uri="{0D108BD9-81ED-4DB2-BD59-A6C34878D82A}">
-                    <a16:rowId xmlns:a16="http://schemas.microsoft.com/office/drawing/2014/main" val="2765709650"/>
-                  </a:ext>
-                </a:extLst>
-              </a:tr>
-            </a:tbl>
-          </a:graphicData>
-        </a:graphic>
-      </p:graphicFrame>
-      <p:sp>
-        <p:nvSpPr>
-          <p:cNvPr id="8" name="文本框 7">
-            <a:extLst>
-              <a:ext uri="{FF2B5EF4-FFF2-40B4-BE49-F238E27FC236}">
-                <a16:creationId xmlns:a16="http://schemas.microsoft.com/office/drawing/2014/main" id="{1761163A-07EF-49D1-81CE-33EEE84E1721}"/>
-              </a:ext>
-            </a:extLst>
-          </p:cNvPr>
-          <p:cNvSpPr txBox="1"/>
-          <p:nvPr/>
-        </p:nvSpPr>
-        <p:spPr>
-          <a:xfrm>
-            <a:off x="595630" y="1070365"/>
-            <a:ext cx="696024" cy="369332"/>
-          </a:xfrm>
-          <a:prstGeom prst="rect">
-            <a:avLst/>
-          </a:prstGeom>
-          <a:noFill/>
-        </p:spPr>
-        <p:txBody>
-          <a:bodyPr wrap="none" rtlCol="0">
-            <a:spAutoFit/>
-          </a:bodyPr>
-          <a:lstStyle/>
-          <a:p>
-            <a:r>
-              <a:rPr lang="en-US" altLang="zh-CN" dirty="0"/>
-              <a:t>input</a:t>
-            </a:r>
-            <a:endParaRPr lang="zh-CN" altLang="en-US" dirty="0"/>
-          </a:p>
-        </p:txBody>
-      </p:sp>
-      <p:sp>
-        <p:nvSpPr>
-          <p:cNvPr id="9" name="文本框 8">
-            <a:extLst>
-              <a:ext uri="{FF2B5EF4-FFF2-40B4-BE49-F238E27FC236}">
-                <a16:creationId xmlns:a16="http://schemas.microsoft.com/office/drawing/2014/main" id="{32817A22-36A3-4871-AA4D-1C9744B52480}"/>
-              </a:ext>
-            </a:extLst>
-          </p:cNvPr>
-          <p:cNvSpPr txBox="1"/>
-          <p:nvPr/>
-        </p:nvSpPr>
-        <p:spPr>
-          <a:xfrm>
-            <a:off x="1430369" y="1439697"/>
-            <a:ext cx="4529430" cy="276999"/>
-          </a:xfrm>
-          <a:prstGeom prst="rect">
-            <a:avLst/>
-          </a:prstGeom>
-          <a:noFill/>
-        </p:spPr>
-        <p:txBody>
-          <a:bodyPr wrap="square" rtlCol="0">
-            <a:spAutoFit/>
-          </a:bodyPr>
-          <a:lstStyle/>
-          <a:p>
-            <a:r>
-              <a:rPr lang="en-US" altLang="zh-CN" sz="1200" dirty="0"/>
-              <a:t>0             1	        2             3            4            5            6             7</a:t>
-            </a:r>
-            <a:endParaRPr lang="zh-CN" altLang="en-US" sz="1200" dirty="0"/>
-          </a:p>
-        </p:txBody>
-      </p:sp>
-      <p:sp>
-        <p:nvSpPr>
-          <p:cNvPr id="10" name="等腰三角形 9">
-            <a:extLst>
-              <a:ext uri="{FF2B5EF4-FFF2-40B4-BE49-F238E27FC236}">
-                <a16:creationId xmlns:a16="http://schemas.microsoft.com/office/drawing/2014/main" id="{FFAFFEED-1F83-4881-BEFD-00263B292035}"/>
-              </a:ext>
-            </a:extLst>
-          </p:cNvPr>
-          <p:cNvSpPr/>
-          <p:nvPr/>
-        </p:nvSpPr>
-        <p:spPr>
-          <a:xfrm>
-            <a:off x="4278041" y="5655254"/>
-            <a:ext cx="161158" cy="138930"/>
-          </a:xfrm>
-          <a:prstGeom prst="triangle">
-            <a:avLst/>
-          </a:prstGeom>
-          <a:solidFill>
-            <a:srgbClr val="FF0000"/>
-          </a:solidFill>
-          <a:ln>
-            <a:solidFill>
-              <a:srgbClr val="FF0000"/>
-            </a:solidFill>
-          </a:ln>
-        </p:spPr>
-        <p:style>
-          <a:lnRef idx="2">
-            <a:schemeClr val="accent1">
-              <a:shade val="50000"/>
-            </a:schemeClr>
-          </a:lnRef>
-          <a:fillRef idx="1">
-            <a:schemeClr val="accent1"/>
-          </a:fillRef>
-          <a:effectRef idx="0">
-            <a:schemeClr val="accent1"/>
-          </a:effectRef>
-          <a:fontRef idx="minor">
-            <a:schemeClr val="lt1"/>
-          </a:fontRef>
-        </p:style>
-        <p:txBody>
-          <a:bodyPr rtlCol="0" anchor="ctr"/>
-          <a:lstStyle/>
-          <a:p>
-            <a:pPr algn="ctr"/>
-            <a:endParaRPr lang="zh-CN" altLang="en-US"/>
-          </a:p>
-        </p:txBody>
-      </p:sp>
-      <p:sp>
-        <p:nvSpPr>
-          <p:cNvPr id="11" name="文本框 10">
-            <a:extLst>
-              <a:ext uri="{FF2B5EF4-FFF2-40B4-BE49-F238E27FC236}">
-                <a16:creationId xmlns:a16="http://schemas.microsoft.com/office/drawing/2014/main" id="{6E27F2DA-D8C2-45BB-BFCE-4CF92E79C20B}"/>
-              </a:ext>
-            </a:extLst>
-          </p:cNvPr>
-          <p:cNvSpPr txBox="1"/>
-          <p:nvPr/>
-        </p:nvSpPr>
-        <p:spPr>
-          <a:xfrm>
-            <a:off x="4247627" y="5778938"/>
-            <a:ext cx="235962" cy="369332"/>
-          </a:xfrm>
-          <a:prstGeom prst="rect">
-            <a:avLst/>
-          </a:prstGeom>
-          <a:noFill/>
-        </p:spPr>
-        <p:txBody>
-          <a:bodyPr wrap="none" rtlCol="0">
-            <a:spAutoFit/>
-          </a:bodyPr>
-          <a:lstStyle/>
-          <a:p>
-            <a:r>
-              <a:rPr lang="en-US" altLang="zh-CN" dirty="0" err="1"/>
-              <a:t>i</a:t>
-            </a:r>
-            <a:endParaRPr lang="zh-CN" altLang="en-US" dirty="0"/>
-          </a:p>
-        </p:txBody>
-      </p:sp>
-      <p:sp>
-        <p:nvSpPr>
-          <p:cNvPr id="12" name="箭头: 下 11">
-            <a:extLst>
-              <a:ext uri="{FF2B5EF4-FFF2-40B4-BE49-F238E27FC236}">
-                <a16:creationId xmlns:a16="http://schemas.microsoft.com/office/drawing/2014/main" id="{BA65D470-2352-47F6-BD71-97BDFC1E2ADD}"/>
-              </a:ext>
-            </a:extLst>
-          </p:cNvPr>
-          <p:cNvSpPr/>
-          <p:nvPr/>
-        </p:nvSpPr>
-        <p:spPr>
-          <a:xfrm>
-            <a:off x="3495336" y="1956959"/>
-            <a:ext cx="399495" cy="479394"/>
-          </a:xfrm>
-          <a:prstGeom prst="downArrow">
-            <a:avLst/>
-          </a:prstGeom>
-          <a:noFill/>
-          <a:ln>
-            <a:solidFill>
-              <a:schemeClr val="tx1"/>
-            </a:solidFill>
-          </a:ln>
-        </p:spPr>
-        <p:style>
-          <a:lnRef idx="2">
-            <a:schemeClr val="accent1">
-              <a:shade val="50000"/>
-            </a:schemeClr>
-          </a:lnRef>
-          <a:fillRef idx="1">
-            <a:schemeClr val="accent1"/>
-          </a:fillRef>
-          <a:effectRef idx="0">
-            <a:schemeClr val="accent1"/>
-          </a:effectRef>
-          <a:fontRef idx="minor">
-            <a:schemeClr val="lt1"/>
-          </a:fontRef>
-        </p:style>
-        <p:txBody>
-          <a:bodyPr rtlCol="0" anchor="ctr"/>
-          <a:lstStyle/>
-          <a:p>
-            <a:pPr algn="ctr"/>
-            <a:endParaRPr lang="zh-CN" altLang="en-US"/>
-          </a:p>
-        </p:txBody>
-      </p:sp>
-      <p:sp>
-        <p:nvSpPr>
-          <p:cNvPr id="13" name="文本框 12">
-            <a:extLst>
-              <a:ext uri="{FF2B5EF4-FFF2-40B4-BE49-F238E27FC236}">
-                <a16:creationId xmlns:a16="http://schemas.microsoft.com/office/drawing/2014/main" id="{4CE11A74-A27F-4710-B456-3C08B3428C8A}"/>
-              </a:ext>
-            </a:extLst>
-          </p:cNvPr>
-          <p:cNvSpPr txBox="1"/>
-          <p:nvPr/>
-        </p:nvSpPr>
-        <p:spPr>
-          <a:xfrm>
-            <a:off x="6893467" y="1005811"/>
-            <a:ext cx="1018227" cy="369332"/>
-          </a:xfrm>
-          <a:prstGeom prst="rect">
-            <a:avLst/>
-          </a:prstGeom>
-          <a:noFill/>
-        </p:spPr>
-        <p:txBody>
-          <a:bodyPr wrap="none" rtlCol="0">
-            <a:spAutoFit/>
-          </a:bodyPr>
-          <a:lstStyle/>
-          <a:p>
-            <a:r>
-              <a:rPr lang="en-US" altLang="zh-CN" dirty="0"/>
-              <a:t>MAX</a:t>
-            </a:r>
-            <a:r>
-              <a:rPr lang="zh-CN" altLang="en-US" dirty="0"/>
-              <a:t>：</a:t>
-            </a:r>
-            <a:r>
-              <a:rPr lang="en-US" altLang="zh-CN" dirty="0">
-                <a:solidFill>
-                  <a:srgbClr val="FF0000"/>
-                </a:solidFill>
-              </a:rPr>
-              <a:t>6</a:t>
-            </a:r>
-            <a:endParaRPr lang="zh-CN" altLang="en-US" dirty="0">
-              <a:solidFill>
-                <a:srgbClr val="FF0000"/>
-              </a:solidFill>
-            </a:endParaRPr>
-          </a:p>
-        </p:txBody>
-      </p:sp>
-      <p:sp>
-        <p:nvSpPr>
-          <p:cNvPr id="2" name="文本框 1">
-            <a:extLst>
-              <a:ext uri="{FF2B5EF4-FFF2-40B4-BE49-F238E27FC236}">
-                <a16:creationId xmlns:a16="http://schemas.microsoft.com/office/drawing/2014/main" id="{ED72C915-2B7A-4BA6-8217-E4C0B87139D4}"/>
-              </a:ext>
-            </a:extLst>
-          </p:cNvPr>
-          <p:cNvSpPr txBox="1"/>
-          <p:nvPr/>
-        </p:nvSpPr>
-        <p:spPr>
-          <a:xfrm>
-            <a:off x="8280403" y="999568"/>
-            <a:ext cx="3296078" cy="1200329"/>
-          </a:xfrm>
-          <a:prstGeom prst="rect">
-            <a:avLst/>
-          </a:prstGeom>
-          <a:noFill/>
-          <a:ln>
-            <a:solidFill>
-              <a:srgbClr val="FF0000"/>
-            </a:solidFill>
-          </a:ln>
-        </p:spPr>
-        <p:txBody>
-          <a:bodyPr wrap="square" rtlCol="0">
-            <a:spAutoFit/>
-          </a:bodyPr>
-          <a:lstStyle/>
-          <a:p>
-            <a:r>
-              <a:rPr lang="en-US" altLang="zh-CN" dirty="0"/>
-              <a:t>Pop: 3</a:t>
-            </a:r>
-          </a:p>
-          <a:p>
-            <a:r>
-              <a:rPr lang="en-US" altLang="zh-CN" dirty="0"/>
-              <a:t>Length: </a:t>
-            </a:r>
-            <a:r>
-              <a:rPr lang="en-US" altLang="zh-CN" dirty="0" err="1"/>
-              <a:t>i</a:t>
-            </a:r>
-            <a:r>
-              <a:rPr lang="en-US" altLang="zh-CN" dirty="0"/>
-              <a:t> – 3 = 2</a:t>
-            </a:r>
-          </a:p>
-          <a:p>
-            <a:r>
-              <a:rPr lang="en-US" altLang="zh-CN" dirty="0"/>
-              <a:t>Height: Input[3] = 3</a:t>
-            </a:r>
-          </a:p>
-          <a:p>
-            <a:r>
-              <a:rPr lang="en-US" altLang="zh-CN" dirty="0"/>
-              <a:t>Area: 6</a:t>
-            </a:r>
-            <a:endParaRPr lang="zh-CN" altLang="en-US" dirty="0"/>
-          </a:p>
-        </p:txBody>
-      </p:sp>
-      <p:sp>
-        <p:nvSpPr>
-          <p:cNvPr id="15" name="文本框 14">
-            <a:extLst>
-              <a:ext uri="{FF2B5EF4-FFF2-40B4-BE49-F238E27FC236}">
-                <a16:creationId xmlns:a16="http://schemas.microsoft.com/office/drawing/2014/main" id="{FEB7889D-7D22-4ECE-962E-29F9C3B30F10}"/>
-              </a:ext>
-            </a:extLst>
-          </p:cNvPr>
-          <p:cNvSpPr txBox="1"/>
-          <p:nvPr/>
-        </p:nvSpPr>
-        <p:spPr>
-          <a:xfrm>
-            <a:off x="8280403" y="2790443"/>
-            <a:ext cx="3296079" cy="2308324"/>
-          </a:xfrm>
-          <a:prstGeom prst="rect">
-            <a:avLst/>
-          </a:prstGeom>
-          <a:noFill/>
-          <a:ln>
-            <a:solidFill>
-              <a:schemeClr val="tx1"/>
-            </a:solidFill>
-          </a:ln>
-        </p:spPr>
-        <p:txBody>
-          <a:bodyPr wrap="square" rtlCol="0">
-            <a:spAutoFit/>
-          </a:bodyPr>
-          <a:lstStyle/>
-          <a:p>
-            <a:r>
-              <a:rPr lang="en-US" altLang="zh-CN" b="1" i="1" dirty="0"/>
-              <a:t>For</a:t>
-            </a:r>
-            <a:r>
-              <a:rPr lang="en-US" altLang="zh-CN" b="1" dirty="0"/>
-              <a:t>  !</a:t>
-            </a:r>
-            <a:r>
-              <a:rPr lang="en-US" altLang="zh-CN" b="1" dirty="0" err="1"/>
-              <a:t>stack.empty</a:t>
-            </a:r>
-            <a:endParaRPr lang="en-US" altLang="zh-CN" b="1" dirty="0"/>
-          </a:p>
-          <a:p>
-            <a:r>
-              <a:rPr lang="en-US" altLang="zh-CN" b="1" i="1" dirty="0"/>
-              <a:t>       If</a:t>
-            </a:r>
-            <a:r>
-              <a:rPr lang="en-US" altLang="zh-CN" b="1" dirty="0"/>
-              <a:t>   input[</a:t>
-            </a:r>
-            <a:r>
-              <a:rPr lang="en-US" altLang="zh-CN" b="1" dirty="0" err="1"/>
-              <a:t>i</a:t>
-            </a:r>
-            <a:r>
-              <a:rPr lang="en-US" altLang="zh-CN" b="1" dirty="0"/>
-              <a:t>] &gt;= stack[top]</a:t>
-            </a:r>
-          </a:p>
-          <a:p>
-            <a:r>
-              <a:rPr lang="en-US" altLang="zh-CN" b="1" dirty="0"/>
-              <a:t>             &amp;&amp; </a:t>
-            </a:r>
-            <a:r>
-              <a:rPr lang="en-US" altLang="zh-CN" b="1" dirty="0" err="1"/>
-              <a:t>i</a:t>
-            </a:r>
-            <a:r>
-              <a:rPr lang="en-US" altLang="zh-CN" b="1" dirty="0"/>
-              <a:t>&lt;</a:t>
-            </a:r>
-            <a:r>
-              <a:rPr lang="en-US" altLang="zh-CN" b="1" dirty="0" err="1"/>
-              <a:t>input.length</a:t>
-            </a:r>
-            <a:r>
-              <a:rPr lang="en-US" altLang="zh-CN" b="1" dirty="0"/>
-              <a:t> </a:t>
-            </a:r>
-          </a:p>
-          <a:p>
-            <a:r>
-              <a:rPr lang="en-US" altLang="zh-CN" b="1" dirty="0"/>
-              <a:t>	push;</a:t>
-            </a:r>
-          </a:p>
-          <a:p>
-            <a:r>
-              <a:rPr lang="en-US" altLang="zh-CN" b="1" dirty="0"/>
-              <a:t>	</a:t>
-            </a:r>
-            <a:r>
-              <a:rPr lang="en-US" altLang="zh-CN" b="1" dirty="0" err="1"/>
-              <a:t>i</a:t>
-            </a:r>
-            <a:r>
-              <a:rPr lang="en-US" altLang="zh-CN" b="1" dirty="0"/>
-              <a:t>++</a:t>
-            </a:r>
-          </a:p>
-          <a:p>
-            <a:r>
-              <a:rPr lang="en-US" altLang="zh-CN" b="1" i="1" dirty="0"/>
-              <a:t>       Else</a:t>
-            </a:r>
-          </a:p>
-          <a:p>
-            <a:r>
-              <a:rPr lang="en-US" altLang="zh-CN" b="1" dirty="0"/>
-              <a:t>	pop;</a:t>
-            </a:r>
-          </a:p>
-          <a:p>
-            <a:r>
-              <a:rPr lang="en-US" altLang="zh-CN" b="1" dirty="0"/>
-              <a:t>	calculate the area;</a:t>
-            </a:r>
-          </a:p>
-        </p:txBody>
-      </p:sp>
-    </p:spTree>
-    <p:extLst>
-      <p:ext uri="{BB962C8B-B14F-4D97-AF65-F5344CB8AC3E}">
-        <p14:creationId xmlns:p14="http://schemas.microsoft.com/office/powerpoint/2010/main" val="938096164"/>
       </p:ext>
     </p:extLst>
   </p:cSld>
